--- a/Docs/timeline.pptx
+++ b/Docs/timeline.pptx
@@ -131,6 +131,195 @@
     </p:ext>
   </p:extLst>
 </p:presentation>
+</file>
+
+<file path=ppt/revisionInfo.xml><?xml version="1.0" encoding="utf-8"?>
+<p1510:revInfo xmlns:a="http://schemas.openxmlformats.org/drawingml/2006/main" xmlns:r="http://schemas.openxmlformats.org/officeDocument/2006/relationships" xmlns:p1510="http://schemas.microsoft.com/office/powerpoint/2015/10/main">
+  <p1510:revLst>
+    <p1510:client id="{12EB5F59-6BAF-4F09-B6E4-8D5D7D126F55}" v="9" dt="2023-02-21T03:23:30.348"/>
+  </p1510:revLst>
+</p1510:revInfo>
+</file>
+
+<file path=ppt/changesInfos/changesInfo1.xml><?xml version="1.0" encoding="utf-8"?>
+<pc:chgInfo xmlns:a="http://schemas.openxmlformats.org/drawingml/2006/main" xmlns:r="http://schemas.openxmlformats.org/officeDocument/2006/relationships" xmlns:ac="http://schemas.microsoft.com/office/drawing/2013/main/command" xmlns:pc="http://schemas.microsoft.com/office/powerpoint/2013/main/command">
+  <pc:docChgLst>
+    <pc:chgData name="张 嘉铭" userId="3511580ec5cbb87e" providerId="LiveId" clId="{12EB5F59-6BAF-4F09-B6E4-8D5D7D126F55}"/>
+    <pc:docChg chg="modSld">
+      <pc:chgData name="张 嘉铭" userId="3511580ec5cbb87e" providerId="LiveId" clId="{12EB5F59-6BAF-4F09-B6E4-8D5D7D126F55}" dt="2023-02-21T03:24:03.960" v="23" actId="1076"/>
+      <pc:docMkLst>
+        <pc:docMk/>
+      </pc:docMkLst>
+      <pc:sldChg chg="addSp modSp mod">
+        <pc:chgData name="张 嘉铭" userId="3511580ec5cbb87e" providerId="LiveId" clId="{12EB5F59-6BAF-4F09-B6E4-8D5D7D126F55}" dt="2023-02-21T03:24:03.960" v="23" actId="1076"/>
+        <pc:sldMkLst>
+          <pc:docMk/>
+          <pc:sldMk cId="0" sldId="262"/>
+        </pc:sldMkLst>
+        <pc:spChg chg="mod">
+          <ac:chgData name="张 嘉铭" userId="3511580ec5cbb87e" providerId="LiveId" clId="{12EB5F59-6BAF-4F09-B6E4-8D5D7D126F55}" dt="2023-02-21T03:16:20.670" v="2" actId="164"/>
+          <ac:spMkLst>
+            <pc:docMk/>
+            <pc:sldMk cId="0" sldId="262"/>
+            <ac:spMk id="25" creationId="{28025BD7-ECEB-687F-B605-C9D4D1990D05}"/>
+          </ac:spMkLst>
+        </pc:spChg>
+        <pc:spChg chg="mod">
+          <ac:chgData name="张 嘉铭" userId="3511580ec5cbb87e" providerId="LiveId" clId="{12EB5F59-6BAF-4F09-B6E4-8D5D7D126F55}" dt="2023-02-21T03:16:20.670" v="2" actId="164"/>
+          <ac:spMkLst>
+            <pc:docMk/>
+            <pc:sldMk cId="0" sldId="262"/>
+            <ac:spMk id="26" creationId="{D7D5C0E7-E95A-3B01-36E9-51AABD4FD3C3}"/>
+          </ac:spMkLst>
+        </pc:spChg>
+        <pc:spChg chg="mod">
+          <ac:chgData name="张 嘉铭" userId="3511580ec5cbb87e" providerId="LiveId" clId="{12EB5F59-6BAF-4F09-B6E4-8D5D7D126F55}" dt="2023-02-21T03:16:38.020" v="3" actId="164"/>
+          <ac:spMkLst>
+            <pc:docMk/>
+            <pc:sldMk cId="0" sldId="262"/>
+            <ac:spMk id="27" creationId="{5241C950-FF83-065A-087D-B7D1D24E3DE1}"/>
+          </ac:spMkLst>
+        </pc:spChg>
+        <pc:spChg chg="mod">
+          <ac:chgData name="张 嘉铭" userId="3511580ec5cbb87e" providerId="LiveId" clId="{12EB5F59-6BAF-4F09-B6E4-8D5D7D126F55}" dt="2023-02-21T03:16:38.020" v="3" actId="164"/>
+          <ac:spMkLst>
+            <pc:docMk/>
+            <pc:sldMk cId="0" sldId="262"/>
+            <ac:spMk id="28" creationId="{2F9F722C-C0DB-3AB3-AD9B-77FEF2A00BB2}"/>
+          </ac:spMkLst>
+        </pc:spChg>
+        <pc:spChg chg="mod">
+          <ac:chgData name="张 嘉铭" userId="3511580ec5cbb87e" providerId="LiveId" clId="{12EB5F59-6BAF-4F09-B6E4-8D5D7D126F55}" dt="2023-02-21T03:17:10.133" v="4" actId="164"/>
+          <ac:spMkLst>
+            <pc:docMk/>
+            <pc:sldMk cId="0" sldId="262"/>
+            <ac:spMk id="29" creationId="{A8CA9680-8ED6-EA60-BD43-5491876377A4}"/>
+          </ac:spMkLst>
+        </pc:spChg>
+        <pc:spChg chg="mod">
+          <ac:chgData name="张 嘉铭" userId="3511580ec5cbb87e" providerId="LiveId" clId="{12EB5F59-6BAF-4F09-B6E4-8D5D7D126F55}" dt="2023-02-21T03:17:10.133" v="4" actId="164"/>
+          <ac:spMkLst>
+            <pc:docMk/>
+            <pc:sldMk cId="0" sldId="262"/>
+            <ac:spMk id="30" creationId="{999B27BA-EC60-E1A2-DBE6-DF3F3A1502FD}"/>
+          </ac:spMkLst>
+        </pc:spChg>
+        <pc:spChg chg="mod">
+          <ac:chgData name="张 嘉铭" userId="3511580ec5cbb87e" providerId="LiveId" clId="{12EB5F59-6BAF-4F09-B6E4-8D5D7D126F55}" dt="2023-02-21T03:17:20.584" v="5" actId="164"/>
+          <ac:spMkLst>
+            <pc:docMk/>
+            <pc:sldMk cId="0" sldId="262"/>
+            <ac:spMk id="31" creationId="{F75872B3-53C9-71CF-141F-042C4AD1533E}"/>
+          </ac:spMkLst>
+        </pc:spChg>
+        <pc:spChg chg="mod">
+          <ac:chgData name="张 嘉铭" userId="3511580ec5cbb87e" providerId="LiveId" clId="{12EB5F59-6BAF-4F09-B6E4-8D5D7D126F55}" dt="2023-02-21T03:17:20.584" v="5" actId="164"/>
+          <ac:spMkLst>
+            <pc:docMk/>
+            <pc:sldMk cId="0" sldId="262"/>
+            <ac:spMk id="32" creationId="{22BA6371-C6E0-7E49-E00E-1537BC266F6E}"/>
+          </ac:spMkLst>
+        </pc:spChg>
+        <pc:spChg chg="mod">
+          <ac:chgData name="张 嘉铭" userId="3511580ec5cbb87e" providerId="LiveId" clId="{12EB5F59-6BAF-4F09-B6E4-8D5D7D126F55}" dt="2023-02-21T03:17:20.584" v="5" actId="164"/>
+          <ac:spMkLst>
+            <pc:docMk/>
+            <pc:sldMk cId="0" sldId="262"/>
+            <ac:spMk id="33" creationId="{2A4EF71C-8DC9-B38E-C984-7A0325164A73}"/>
+          </ac:spMkLst>
+        </pc:spChg>
+        <pc:spChg chg="mod">
+          <ac:chgData name="张 嘉铭" userId="3511580ec5cbb87e" providerId="LiveId" clId="{12EB5F59-6BAF-4F09-B6E4-8D5D7D126F55}" dt="2023-02-21T03:17:30.092" v="6" actId="164"/>
+          <ac:spMkLst>
+            <pc:docMk/>
+            <pc:sldMk cId="0" sldId="262"/>
+            <ac:spMk id="35" creationId="{91F15228-3583-0718-0902-0B1FD28AB152}"/>
+          </ac:spMkLst>
+        </pc:spChg>
+        <pc:spChg chg="mod">
+          <ac:chgData name="张 嘉铭" userId="3511580ec5cbb87e" providerId="LiveId" clId="{12EB5F59-6BAF-4F09-B6E4-8D5D7D126F55}" dt="2023-02-21T03:16:20.670" v="2" actId="164"/>
+          <ac:spMkLst>
+            <pc:docMk/>
+            <pc:sldMk cId="0" sldId="262"/>
+            <ac:spMk id="38" creationId="{CD5737A8-7E1F-B419-8B2D-2A2D571BE8E8}"/>
+          </ac:spMkLst>
+        </pc:spChg>
+        <pc:spChg chg="mod">
+          <ac:chgData name="张 嘉铭" userId="3511580ec5cbb87e" providerId="LiveId" clId="{12EB5F59-6BAF-4F09-B6E4-8D5D7D126F55}" dt="2023-02-21T03:17:30.092" v="6" actId="164"/>
+          <ac:spMkLst>
+            <pc:docMk/>
+            <pc:sldMk cId="0" sldId="262"/>
+            <ac:spMk id="45" creationId="{481E9D13-9193-ABCA-1B46-94D0C2735E04}"/>
+          </ac:spMkLst>
+        </pc:spChg>
+        <pc:spChg chg="add mod">
+          <ac:chgData name="张 嘉铭" userId="3511580ec5cbb87e" providerId="LiveId" clId="{12EB5F59-6BAF-4F09-B6E4-8D5D7D126F55}" dt="2023-02-21T03:23:40.071" v="16" actId="14100"/>
+          <ac:spMkLst>
+            <pc:docMk/>
+            <pc:sldMk cId="0" sldId="262"/>
+            <ac:spMk id="65" creationId="{0213E8FD-4C98-5B2D-8E83-3D183AE9E249}"/>
+          </ac:spMkLst>
+        </pc:spChg>
+        <pc:spChg chg="add mod">
+          <ac:chgData name="张 嘉铭" userId="3511580ec5cbb87e" providerId="LiveId" clId="{12EB5F59-6BAF-4F09-B6E4-8D5D7D126F55}" dt="2023-02-21T03:24:03.960" v="23" actId="1076"/>
+          <ac:spMkLst>
+            <pc:docMk/>
+            <pc:sldMk cId="0" sldId="262"/>
+            <ac:spMk id="66" creationId="{897F13D1-7572-D651-5FB1-7342C72BB912}"/>
+          </ac:spMkLst>
+        </pc:spChg>
+        <pc:grpChg chg="add mod">
+          <ac:chgData name="张 嘉铭" userId="3511580ec5cbb87e" providerId="LiveId" clId="{12EB5F59-6BAF-4F09-B6E4-8D5D7D126F55}" dt="2023-02-21T03:23:22.597" v="13" actId="1076"/>
+          <ac:grpSpMkLst>
+            <pc:docMk/>
+            <pc:sldMk cId="0" sldId="262"/>
+            <ac:grpSpMk id="48" creationId="{F67C9BFB-8686-D70F-3BA5-6979B7B325DF}"/>
+          </ac:grpSpMkLst>
+        </pc:grpChg>
+        <pc:grpChg chg="add mod">
+          <ac:chgData name="张 嘉铭" userId="3511580ec5cbb87e" providerId="LiveId" clId="{12EB5F59-6BAF-4F09-B6E4-8D5D7D126F55}" dt="2023-02-21T03:23:22.597" v="13" actId="1076"/>
+          <ac:grpSpMkLst>
+            <pc:docMk/>
+            <pc:sldMk cId="0" sldId="262"/>
+            <ac:grpSpMk id="51" creationId="{AA5070D7-7FF2-5CCD-0EA4-8F4FC26F50A6}"/>
+          </ac:grpSpMkLst>
+        </pc:grpChg>
+        <pc:grpChg chg="add mod">
+          <ac:chgData name="张 嘉铭" userId="3511580ec5cbb87e" providerId="LiveId" clId="{12EB5F59-6BAF-4F09-B6E4-8D5D7D126F55}" dt="2023-02-21T03:23:22.597" v="13" actId="1076"/>
+          <ac:grpSpMkLst>
+            <pc:docMk/>
+            <pc:sldMk cId="0" sldId="262"/>
+            <ac:grpSpMk id="54" creationId="{FA1FA5E9-7842-2849-FA53-AC5BFCD81491}"/>
+          </ac:grpSpMkLst>
+        </pc:grpChg>
+        <pc:grpChg chg="add mod">
+          <ac:chgData name="张 嘉铭" userId="3511580ec5cbb87e" providerId="LiveId" clId="{12EB5F59-6BAF-4F09-B6E4-8D5D7D126F55}" dt="2023-02-21T03:23:22.597" v="13" actId="1076"/>
+          <ac:grpSpMkLst>
+            <pc:docMk/>
+            <pc:sldMk cId="0" sldId="262"/>
+            <ac:grpSpMk id="57" creationId="{E6CCA144-BFD4-FDF2-6EC9-A979E5A8A30A}"/>
+          </ac:grpSpMkLst>
+        </pc:grpChg>
+        <pc:grpChg chg="add mod">
+          <ac:chgData name="张 嘉铭" userId="3511580ec5cbb87e" providerId="LiveId" clId="{12EB5F59-6BAF-4F09-B6E4-8D5D7D126F55}" dt="2023-02-21T03:23:22.597" v="13" actId="1076"/>
+          <ac:grpSpMkLst>
+            <pc:docMk/>
+            <pc:sldMk cId="0" sldId="262"/>
+            <ac:grpSpMk id="60" creationId="{FE3B5BB1-BCD4-7F7B-4876-2376B8370A3B}"/>
+          </ac:grpSpMkLst>
+        </pc:grpChg>
+        <pc:graphicFrameChg chg="mod modGraphic">
+          <ac:chgData name="张 嘉铭" userId="3511580ec5cbb87e" providerId="LiveId" clId="{12EB5F59-6BAF-4F09-B6E4-8D5D7D126F55}" dt="2023-02-21T03:22:52.406" v="12" actId="20577"/>
+          <ac:graphicFrameMkLst>
+            <pc:docMk/>
+            <pc:sldMk cId="0" sldId="262"/>
+            <ac:graphicFrameMk id="2" creationId="{00000000-0000-0000-0000-000000000000}"/>
+          </ac:graphicFrameMkLst>
+        </pc:graphicFrameChg>
+      </pc:sldChg>
+    </pc:docChg>
+  </pc:docChgLst>
+</pc:chgInfo>
 </file>
 
 <file path=ppt/handoutMasters/handoutMaster1.xml><?xml version="1.0" encoding="utf-8"?>
@@ -1906,14 +2095,14 @@
           <p:nvPr>
             <p:extLst>
               <p:ext uri="{D42A27DB-BD31-4B8C-83A1-F6EECF244321}">
-                <p14:modId xmlns:p14="http://schemas.microsoft.com/office/powerpoint/2010/main" val="3627852475"/>
+                <p14:modId xmlns:p14="http://schemas.microsoft.com/office/powerpoint/2010/main" val="4127804489"/>
               </p:ext>
             </p:extLst>
           </p:nvPr>
         </p:nvGraphicFramePr>
         <p:xfrm>
           <a:off x="263352" y="516045"/>
-          <a:ext cx="15456752" cy="4720256"/>
+          <a:ext cx="15456752" cy="5141968"/>
         </p:xfrm>
         <a:graphic>
           <a:graphicData uri="http://schemas.openxmlformats.org/drawingml/2006/table">
@@ -14330,6 +14519,1491 @@
                         <a:defRPr/>
                       </a:pPr>
                       <a:r>
+                        <a:rPr lang="en-US" sz="1050" b="0" dirty="0">
+                          <a:solidFill>
+                            <a:schemeClr val="tx1"/>
+                          </a:solidFill>
+                          <a:latin typeface="Tahoma" panose="020B0604030504040204" pitchFamily="34" charset="0"/>
+                          <a:ea typeface="Tahoma" panose="020B0604030504040204" pitchFamily="34" charset="0"/>
+                          <a:cs typeface="Tahoma" panose="020B0604030504040204" pitchFamily="34" charset="0"/>
+                        </a:rPr>
+                        <a:t>Simulate the scene of projective visualization in unity</a:t>
+                      </a:r>
+                    </a:p>
+                  </a:txBody>
+                  <a:tcPr marL="0" marR="101672" marT="50836" marB="50836" anchor="ctr">
+                    <a:lnL w="19050" cap="flat" cmpd="sng" algn="ctr">
+                      <a:solidFill>
+                        <a:schemeClr val="bg1"/>
+                      </a:solidFill>
+                      <a:prstDash val="solid"/>
+                      <a:round/>
+                      <a:headEnd type="none" w="med" len="med"/>
+                      <a:tailEnd type="none" w="med" len="med"/>
+                    </a:lnL>
+                    <a:lnR w="19050" cap="flat" cmpd="sng" algn="ctr">
+                      <a:solidFill>
+                        <a:schemeClr val="bg1"/>
+                      </a:solidFill>
+                      <a:prstDash val="solid"/>
+                      <a:round/>
+                      <a:headEnd type="none" w="med" len="med"/>
+                      <a:tailEnd type="none" w="med" len="med"/>
+                    </a:lnR>
+                    <a:lnT w="19050" cap="flat" cmpd="sng" algn="ctr">
+                      <a:solidFill>
+                        <a:schemeClr val="bg1"/>
+                      </a:solidFill>
+                      <a:prstDash val="solid"/>
+                      <a:round/>
+                      <a:headEnd type="none" w="med" len="med"/>
+                      <a:tailEnd type="none" w="med" len="med"/>
+                    </a:lnT>
+                    <a:lnB w="19050" cap="flat" cmpd="sng" algn="ctr">
+                      <a:solidFill>
+                        <a:schemeClr val="bg1"/>
+                      </a:solidFill>
+                      <a:prstDash val="solid"/>
+                      <a:round/>
+                      <a:headEnd type="none" w="med" len="med"/>
+                      <a:tailEnd type="none" w="med" len="med"/>
+                    </a:lnB>
+                    <a:solidFill>
+                      <a:schemeClr val="accent2">
+                        <a:lumMod val="60000"/>
+                        <a:lumOff val="40000"/>
+                      </a:schemeClr>
+                    </a:solidFill>
+                  </a:tcPr>
+                </a:tc>
+                <a:tc>
+                  <a:txBody>
+                    <a:bodyPr/>
+                    <a:lstStyle/>
+                    <a:p>
+                      <a:endParaRPr lang="en-US" sz="1600" dirty="0">
+                        <a:latin typeface="Arial Narrow" pitchFamily="34" charset="0"/>
+                      </a:endParaRPr>
+                    </a:p>
+                  </a:txBody>
+                  <a:tcPr marL="101672" marR="101672" marT="50836" marB="50836">
+                    <a:lnL w="19050" cap="flat" cmpd="sng" algn="ctr">
+                      <a:solidFill>
+                        <a:schemeClr val="bg1"/>
+                      </a:solidFill>
+                      <a:prstDash val="solid"/>
+                      <a:round/>
+                      <a:headEnd type="none" w="med" len="med"/>
+                      <a:tailEnd type="none" w="med" len="med"/>
+                    </a:lnL>
+                    <a:lnR w="19050" cap="flat" cmpd="sng" algn="ctr">
+                      <a:solidFill>
+                        <a:schemeClr val="bg1"/>
+                      </a:solidFill>
+                      <a:prstDash val="solid"/>
+                      <a:round/>
+                      <a:headEnd type="none" w="med" len="med"/>
+                      <a:tailEnd type="none" w="med" len="med"/>
+                    </a:lnR>
+                    <a:lnT w="19050" cap="flat" cmpd="sng" algn="ctr">
+                      <a:solidFill>
+                        <a:schemeClr val="bg1"/>
+                      </a:solidFill>
+                      <a:prstDash val="solid"/>
+                      <a:round/>
+                      <a:headEnd type="none" w="med" len="med"/>
+                      <a:tailEnd type="none" w="med" len="med"/>
+                    </a:lnT>
+                    <a:lnB w="19050" cap="flat" cmpd="sng" algn="ctr">
+                      <a:solidFill>
+                        <a:schemeClr val="bg1"/>
+                      </a:solidFill>
+                      <a:prstDash val="solid"/>
+                      <a:round/>
+                      <a:headEnd type="none" w="med" len="med"/>
+                      <a:tailEnd type="none" w="med" len="med"/>
+                    </a:lnB>
+                    <a:solidFill>
+                      <a:schemeClr val="tx2">
+                        <a:lumMod val="20000"/>
+                        <a:lumOff val="80000"/>
+                      </a:schemeClr>
+                    </a:solidFill>
+                  </a:tcPr>
+                </a:tc>
+                <a:tc>
+                  <a:txBody>
+                    <a:bodyPr/>
+                    <a:lstStyle/>
+                    <a:p>
+                      <a:endParaRPr lang="en-US" sz="1600" dirty="0">
+                        <a:latin typeface="Arial Narrow" pitchFamily="34" charset="0"/>
+                      </a:endParaRPr>
+                    </a:p>
+                  </a:txBody>
+                  <a:tcPr marL="101672" marR="101672" marT="50836" marB="50836">
+                    <a:lnL w="19050" cap="flat" cmpd="sng" algn="ctr">
+                      <a:solidFill>
+                        <a:schemeClr val="bg1"/>
+                      </a:solidFill>
+                      <a:prstDash val="solid"/>
+                      <a:round/>
+                      <a:headEnd type="none" w="med" len="med"/>
+                      <a:tailEnd type="none" w="med" len="med"/>
+                    </a:lnL>
+                    <a:lnR w="19050" cap="flat" cmpd="sng" algn="ctr">
+                      <a:solidFill>
+                        <a:schemeClr val="bg1"/>
+                      </a:solidFill>
+                      <a:prstDash val="solid"/>
+                      <a:round/>
+                      <a:headEnd type="none" w="med" len="med"/>
+                      <a:tailEnd type="none" w="med" len="med"/>
+                    </a:lnR>
+                    <a:lnT w="19050" cap="flat" cmpd="sng" algn="ctr">
+                      <a:solidFill>
+                        <a:schemeClr val="bg1"/>
+                      </a:solidFill>
+                      <a:prstDash val="solid"/>
+                      <a:round/>
+                      <a:headEnd type="none" w="med" len="med"/>
+                      <a:tailEnd type="none" w="med" len="med"/>
+                    </a:lnT>
+                    <a:lnB w="19050" cap="flat" cmpd="sng" algn="ctr">
+                      <a:solidFill>
+                        <a:schemeClr val="bg1"/>
+                      </a:solidFill>
+                      <a:prstDash val="solid"/>
+                      <a:round/>
+                      <a:headEnd type="none" w="med" len="med"/>
+                      <a:tailEnd type="none" w="med" len="med"/>
+                    </a:lnB>
+                    <a:solidFill>
+                      <a:schemeClr val="tx2">
+                        <a:lumMod val="20000"/>
+                        <a:lumOff val="80000"/>
+                      </a:schemeClr>
+                    </a:solidFill>
+                  </a:tcPr>
+                </a:tc>
+                <a:tc>
+                  <a:txBody>
+                    <a:bodyPr/>
+                    <a:lstStyle/>
+                    <a:p>
+                      <a:endParaRPr lang="en-US" sz="1600" dirty="0">
+                        <a:latin typeface="Arial Narrow" pitchFamily="34" charset="0"/>
+                      </a:endParaRPr>
+                    </a:p>
+                  </a:txBody>
+                  <a:tcPr marL="101672" marR="101672" marT="50836" marB="50836">
+                    <a:lnL w="19050" cap="flat" cmpd="sng" algn="ctr">
+                      <a:solidFill>
+                        <a:schemeClr val="bg1"/>
+                      </a:solidFill>
+                      <a:prstDash val="solid"/>
+                      <a:round/>
+                      <a:headEnd type="none" w="med" len="med"/>
+                      <a:tailEnd type="none" w="med" len="med"/>
+                    </a:lnL>
+                    <a:lnR w="19050" cap="flat" cmpd="sng" algn="ctr">
+                      <a:solidFill>
+                        <a:schemeClr val="bg1"/>
+                      </a:solidFill>
+                      <a:prstDash val="solid"/>
+                      <a:round/>
+                      <a:headEnd type="none" w="med" len="med"/>
+                      <a:tailEnd type="none" w="med" len="med"/>
+                    </a:lnR>
+                    <a:lnT w="19050" cap="flat" cmpd="sng" algn="ctr">
+                      <a:solidFill>
+                        <a:schemeClr val="bg1"/>
+                      </a:solidFill>
+                      <a:prstDash val="solid"/>
+                      <a:round/>
+                      <a:headEnd type="none" w="med" len="med"/>
+                      <a:tailEnd type="none" w="med" len="med"/>
+                    </a:lnT>
+                    <a:lnB w="19050" cap="flat" cmpd="sng" algn="ctr">
+                      <a:solidFill>
+                        <a:schemeClr val="bg1"/>
+                      </a:solidFill>
+                      <a:prstDash val="solid"/>
+                      <a:round/>
+                      <a:headEnd type="none" w="med" len="med"/>
+                      <a:tailEnd type="none" w="med" len="med"/>
+                    </a:lnB>
+                    <a:solidFill>
+                      <a:schemeClr val="tx2">
+                        <a:lumMod val="20000"/>
+                        <a:lumOff val="80000"/>
+                      </a:schemeClr>
+                    </a:solidFill>
+                  </a:tcPr>
+                </a:tc>
+                <a:tc>
+                  <a:txBody>
+                    <a:bodyPr/>
+                    <a:lstStyle/>
+                    <a:p>
+                      <a:endParaRPr lang="en-US" sz="1600" dirty="0">
+                        <a:latin typeface="Arial Narrow" pitchFamily="34" charset="0"/>
+                      </a:endParaRPr>
+                    </a:p>
+                  </a:txBody>
+                  <a:tcPr marL="101672" marR="101672" marT="50836" marB="50836">
+                    <a:lnL w="19050" cap="flat" cmpd="sng" algn="ctr">
+                      <a:solidFill>
+                        <a:schemeClr val="bg1"/>
+                      </a:solidFill>
+                      <a:prstDash val="solid"/>
+                      <a:round/>
+                      <a:headEnd type="none" w="med" len="med"/>
+                      <a:tailEnd type="none" w="med" len="med"/>
+                    </a:lnL>
+                    <a:lnR w="19050" cap="flat" cmpd="sng" algn="ctr">
+                      <a:solidFill>
+                        <a:schemeClr val="bg1"/>
+                      </a:solidFill>
+                      <a:prstDash val="solid"/>
+                      <a:round/>
+                      <a:headEnd type="none" w="med" len="med"/>
+                      <a:tailEnd type="none" w="med" len="med"/>
+                    </a:lnR>
+                    <a:lnT w="19050" cap="flat" cmpd="sng" algn="ctr">
+                      <a:solidFill>
+                        <a:schemeClr val="bg1"/>
+                      </a:solidFill>
+                      <a:prstDash val="solid"/>
+                      <a:round/>
+                      <a:headEnd type="none" w="med" len="med"/>
+                      <a:tailEnd type="none" w="med" len="med"/>
+                    </a:lnT>
+                    <a:lnB w="19050" cap="flat" cmpd="sng" algn="ctr">
+                      <a:solidFill>
+                        <a:schemeClr val="bg1"/>
+                      </a:solidFill>
+                      <a:prstDash val="solid"/>
+                      <a:round/>
+                      <a:headEnd type="none" w="med" len="med"/>
+                      <a:tailEnd type="none" w="med" len="med"/>
+                    </a:lnB>
+                    <a:solidFill>
+                      <a:schemeClr val="tx2">
+                        <a:lumMod val="20000"/>
+                        <a:lumOff val="80000"/>
+                      </a:schemeClr>
+                    </a:solidFill>
+                  </a:tcPr>
+                </a:tc>
+                <a:tc>
+                  <a:txBody>
+                    <a:bodyPr/>
+                    <a:lstStyle/>
+                    <a:p>
+                      <a:endParaRPr lang="en-US" sz="1600" dirty="0">
+                        <a:latin typeface="Arial Narrow" pitchFamily="34" charset="0"/>
+                      </a:endParaRPr>
+                    </a:p>
+                  </a:txBody>
+                  <a:tcPr marL="101672" marR="101672" marT="50836" marB="50836">
+                    <a:lnL w="19050" cap="flat" cmpd="sng" algn="ctr">
+                      <a:solidFill>
+                        <a:schemeClr val="bg1"/>
+                      </a:solidFill>
+                      <a:prstDash val="solid"/>
+                      <a:round/>
+                      <a:headEnd type="none" w="med" len="med"/>
+                      <a:tailEnd type="none" w="med" len="med"/>
+                    </a:lnL>
+                    <a:lnR w="19050" cap="flat" cmpd="sng" algn="ctr">
+                      <a:solidFill>
+                        <a:schemeClr val="bg1"/>
+                      </a:solidFill>
+                      <a:prstDash val="solid"/>
+                      <a:round/>
+                      <a:headEnd type="none" w="med" len="med"/>
+                      <a:tailEnd type="none" w="med" len="med"/>
+                    </a:lnR>
+                    <a:lnT w="19050" cap="flat" cmpd="sng" algn="ctr">
+                      <a:solidFill>
+                        <a:schemeClr val="bg1"/>
+                      </a:solidFill>
+                      <a:prstDash val="solid"/>
+                      <a:round/>
+                      <a:headEnd type="none" w="med" len="med"/>
+                      <a:tailEnd type="none" w="med" len="med"/>
+                    </a:lnT>
+                    <a:lnB w="19050" cap="flat" cmpd="sng" algn="ctr">
+                      <a:solidFill>
+                        <a:schemeClr val="bg1"/>
+                      </a:solidFill>
+                      <a:prstDash val="solid"/>
+                      <a:round/>
+                      <a:headEnd type="none" w="med" len="med"/>
+                      <a:tailEnd type="none" w="med" len="med"/>
+                    </a:lnB>
+                    <a:solidFill>
+                      <a:schemeClr val="tx2">
+                        <a:lumMod val="20000"/>
+                        <a:lumOff val="80000"/>
+                      </a:schemeClr>
+                    </a:solidFill>
+                  </a:tcPr>
+                </a:tc>
+                <a:tc>
+                  <a:txBody>
+                    <a:bodyPr/>
+                    <a:lstStyle/>
+                    <a:p>
+                      <a:endParaRPr lang="en-US" sz="1600" dirty="0">
+                        <a:latin typeface="Arial Narrow" pitchFamily="34" charset="0"/>
+                      </a:endParaRPr>
+                    </a:p>
+                  </a:txBody>
+                  <a:tcPr marL="101672" marR="101672" marT="50836" marB="50836">
+                    <a:lnL w="19050" cap="flat" cmpd="sng" algn="ctr">
+                      <a:solidFill>
+                        <a:schemeClr val="bg1"/>
+                      </a:solidFill>
+                      <a:prstDash val="solid"/>
+                      <a:round/>
+                      <a:headEnd type="none" w="med" len="med"/>
+                      <a:tailEnd type="none" w="med" len="med"/>
+                    </a:lnL>
+                    <a:lnR w="19050" cap="flat" cmpd="sng" algn="ctr">
+                      <a:solidFill>
+                        <a:schemeClr val="bg1"/>
+                      </a:solidFill>
+                      <a:prstDash val="solid"/>
+                      <a:round/>
+                      <a:headEnd type="none" w="med" len="med"/>
+                      <a:tailEnd type="none" w="med" len="med"/>
+                    </a:lnR>
+                    <a:lnT w="19050" cap="flat" cmpd="sng" algn="ctr">
+                      <a:solidFill>
+                        <a:schemeClr val="bg1"/>
+                      </a:solidFill>
+                      <a:prstDash val="solid"/>
+                      <a:round/>
+                      <a:headEnd type="none" w="med" len="med"/>
+                      <a:tailEnd type="none" w="med" len="med"/>
+                    </a:lnT>
+                    <a:lnB w="19050" cap="flat" cmpd="sng" algn="ctr">
+                      <a:solidFill>
+                        <a:schemeClr val="bg1"/>
+                      </a:solidFill>
+                      <a:prstDash val="solid"/>
+                      <a:round/>
+                      <a:headEnd type="none" w="med" len="med"/>
+                      <a:tailEnd type="none" w="med" len="med"/>
+                    </a:lnB>
+                    <a:solidFill>
+                      <a:schemeClr val="tx2">
+                        <a:lumMod val="20000"/>
+                        <a:lumOff val="80000"/>
+                      </a:schemeClr>
+                    </a:solidFill>
+                  </a:tcPr>
+                </a:tc>
+                <a:tc>
+                  <a:txBody>
+                    <a:bodyPr/>
+                    <a:lstStyle/>
+                    <a:p>
+                      <a:endParaRPr lang="en-US" sz="1600" dirty="0">
+                        <a:latin typeface="Arial Narrow" pitchFamily="34" charset="0"/>
+                      </a:endParaRPr>
+                    </a:p>
+                  </a:txBody>
+                  <a:tcPr marL="101672" marR="101672" marT="50836" marB="50836">
+                    <a:lnL w="19050" cap="flat" cmpd="sng" algn="ctr">
+                      <a:solidFill>
+                        <a:schemeClr val="bg1"/>
+                      </a:solidFill>
+                      <a:prstDash val="solid"/>
+                      <a:round/>
+                      <a:headEnd type="none" w="med" len="med"/>
+                      <a:tailEnd type="none" w="med" len="med"/>
+                    </a:lnL>
+                    <a:lnR w="19050" cap="flat" cmpd="sng" algn="ctr">
+                      <a:solidFill>
+                        <a:schemeClr val="bg1"/>
+                      </a:solidFill>
+                      <a:prstDash val="solid"/>
+                      <a:round/>
+                      <a:headEnd type="none" w="med" len="med"/>
+                      <a:tailEnd type="none" w="med" len="med"/>
+                    </a:lnR>
+                    <a:lnT w="19050" cap="flat" cmpd="sng" algn="ctr">
+                      <a:solidFill>
+                        <a:schemeClr val="bg1"/>
+                      </a:solidFill>
+                      <a:prstDash val="solid"/>
+                      <a:round/>
+                      <a:headEnd type="none" w="med" len="med"/>
+                      <a:tailEnd type="none" w="med" len="med"/>
+                    </a:lnT>
+                    <a:lnB w="19050" cap="flat" cmpd="sng" algn="ctr">
+                      <a:solidFill>
+                        <a:schemeClr val="bg1"/>
+                      </a:solidFill>
+                      <a:prstDash val="solid"/>
+                      <a:round/>
+                      <a:headEnd type="none" w="med" len="med"/>
+                      <a:tailEnd type="none" w="med" len="med"/>
+                    </a:lnB>
+                    <a:solidFill>
+                      <a:schemeClr val="tx2">
+                        <a:lumMod val="20000"/>
+                        <a:lumOff val="80000"/>
+                      </a:schemeClr>
+                    </a:solidFill>
+                  </a:tcPr>
+                </a:tc>
+                <a:tc>
+                  <a:txBody>
+                    <a:bodyPr/>
+                    <a:lstStyle/>
+                    <a:p>
+                      <a:endParaRPr lang="en-US" sz="1600" dirty="0">
+                        <a:latin typeface="Arial Narrow" pitchFamily="34" charset="0"/>
+                      </a:endParaRPr>
+                    </a:p>
+                  </a:txBody>
+                  <a:tcPr marL="101672" marR="101672" marT="50836" marB="50836">
+                    <a:lnL w="19050" cap="flat" cmpd="sng" algn="ctr">
+                      <a:solidFill>
+                        <a:schemeClr val="bg1"/>
+                      </a:solidFill>
+                      <a:prstDash val="solid"/>
+                      <a:round/>
+                      <a:headEnd type="none" w="med" len="med"/>
+                      <a:tailEnd type="none" w="med" len="med"/>
+                    </a:lnL>
+                    <a:lnR w="19050" cap="flat" cmpd="sng" algn="ctr">
+                      <a:solidFill>
+                        <a:schemeClr val="bg1"/>
+                      </a:solidFill>
+                      <a:prstDash val="solid"/>
+                      <a:round/>
+                      <a:headEnd type="none" w="med" len="med"/>
+                      <a:tailEnd type="none" w="med" len="med"/>
+                    </a:lnR>
+                    <a:lnT w="19050" cap="flat" cmpd="sng" algn="ctr">
+                      <a:solidFill>
+                        <a:schemeClr val="bg1"/>
+                      </a:solidFill>
+                      <a:prstDash val="solid"/>
+                      <a:round/>
+                      <a:headEnd type="none" w="med" len="med"/>
+                      <a:tailEnd type="none" w="med" len="med"/>
+                    </a:lnT>
+                    <a:lnB w="19050" cap="flat" cmpd="sng" algn="ctr">
+                      <a:solidFill>
+                        <a:schemeClr val="bg1"/>
+                      </a:solidFill>
+                      <a:prstDash val="solid"/>
+                      <a:round/>
+                      <a:headEnd type="none" w="med" len="med"/>
+                      <a:tailEnd type="none" w="med" len="med"/>
+                    </a:lnB>
+                    <a:solidFill>
+                      <a:schemeClr val="tx2">
+                        <a:lumMod val="20000"/>
+                        <a:lumOff val="80000"/>
+                      </a:schemeClr>
+                    </a:solidFill>
+                  </a:tcPr>
+                </a:tc>
+                <a:tc>
+                  <a:txBody>
+                    <a:bodyPr/>
+                    <a:lstStyle/>
+                    <a:p>
+                      <a:endParaRPr lang="en-US" sz="1600" dirty="0">
+                        <a:latin typeface="Arial Narrow" pitchFamily="34" charset="0"/>
+                      </a:endParaRPr>
+                    </a:p>
+                  </a:txBody>
+                  <a:tcPr marL="101672" marR="101672" marT="50836" marB="50836">
+                    <a:lnL w="19050" cap="flat" cmpd="sng" algn="ctr">
+                      <a:solidFill>
+                        <a:schemeClr val="bg1"/>
+                      </a:solidFill>
+                      <a:prstDash val="solid"/>
+                      <a:round/>
+                      <a:headEnd type="none" w="med" len="med"/>
+                      <a:tailEnd type="none" w="med" len="med"/>
+                    </a:lnL>
+                    <a:lnR w="19050" cap="flat" cmpd="sng" algn="ctr">
+                      <a:solidFill>
+                        <a:schemeClr val="bg1"/>
+                      </a:solidFill>
+                      <a:prstDash val="solid"/>
+                      <a:round/>
+                      <a:headEnd type="none" w="med" len="med"/>
+                      <a:tailEnd type="none" w="med" len="med"/>
+                    </a:lnR>
+                    <a:lnT w="19050" cap="flat" cmpd="sng" algn="ctr">
+                      <a:solidFill>
+                        <a:schemeClr val="bg1"/>
+                      </a:solidFill>
+                      <a:prstDash val="solid"/>
+                      <a:round/>
+                      <a:headEnd type="none" w="med" len="med"/>
+                      <a:tailEnd type="none" w="med" len="med"/>
+                    </a:lnT>
+                    <a:lnB w="19050" cap="flat" cmpd="sng" algn="ctr">
+                      <a:solidFill>
+                        <a:schemeClr val="bg1"/>
+                      </a:solidFill>
+                      <a:prstDash val="solid"/>
+                      <a:round/>
+                      <a:headEnd type="none" w="med" len="med"/>
+                      <a:tailEnd type="none" w="med" len="med"/>
+                    </a:lnB>
+                    <a:solidFill>
+                      <a:schemeClr val="tx2">
+                        <a:lumMod val="20000"/>
+                        <a:lumOff val="80000"/>
+                      </a:schemeClr>
+                    </a:solidFill>
+                  </a:tcPr>
+                </a:tc>
+                <a:tc>
+                  <a:txBody>
+                    <a:bodyPr/>
+                    <a:lstStyle/>
+                    <a:p>
+                      <a:endParaRPr lang="en-US" sz="1600" dirty="0">
+                        <a:latin typeface="Arial Narrow" pitchFamily="34" charset="0"/>
+                      </a:endParaRPr>
+                    </a:p>
+                  </a:txBody>
+                  <a:tcPr marL="101672" marR="101672" marT="50836" marB="50836">
+                    <a:lnL w="19050" cap="flat" cmpd="sng" algn="ctr">
+                      <a:solidFill>
+                        <a:schemeClr val="bg1"/>
+                      </a:solidFill>
+                      <a:prstDash val="solid"/>
+                      <a:round/>
+                      <a:headEnd type="none" w="med" len="med"/>
+                      <a:tailEnd type="none" w="med" len="med"/>
+                    </a:lnL>
+                    <a:lnR w="19050" cap="flat" cmpd="sng" algn="ctr">
+                      <a:solidFill>
+                        <a:schemeClr val="bg1"/>
+                      </a:solidFill>
+                      <a:prstDash val="solid"/>
+                      <a:round/>
+                      <a:headEnd type="none" w="med" len="med"/>
+                      <a:tailEnd type="none" w="med" len="med"/>
+                    </a:lnR>
+                    <a:lnT w="19050" cap="flat" cmpd="sng" algn="ctr">
+                      <a:solidFill>
+                        <a:schemeClr val="bg1"/>
+                      </a:solidFill>
+                      <a:prstDash val="solid"/>
+                      <a:round/>
+                      <a:headEnd type="none" w="med" len="med"/>
+                      <a:tailEnd type="none" w="med" len="med"/>
+                    </a:lnT>
+                    <a:lnB w="19050" cap="flat" cmpd="sng" algn="ctr">
+                      <a:solidFill>
+                        <a:schemeClr val="bg1"/>
+                      </a:solidFill>
+                      <a:prstDash val="solid"/>
+                      <a:round/>
+                      <a:headEnd type="none" w="med" len="med"/>
+                      <a:tailEnd type="none" w="med" len="med"/>
+                    </a:lnB>
+                    <a:solidFill>
+                      <a:schemeClr val="tx2">
+                        <a:lumMod val="20000"/>
+                        <a:lumOff val="80000"/>
+                      </a:schemeClr>
+                    </a:solidFill>
+                  </a:tcPr>
+                </a:tc>
+                <a:tc>
+                  <a:txBody>
+                    <a:bodyPr/>
+                    <a:lstStyle/>
+                    <a:p>
+                      <a:endParaRPr lang="en-US" sz="1600" dirty="0">
+                        <a:latin typeface="Arial Narrow" pitchFamily="34" charset="0"/>
+                      </a:endParaRPr>
+                    </a:p>
+                  </a:txBody>
+                  <a:tcPr marL="101672" marR="101672" marT="50836" marB="50836">
+                    <a:lnL w="19050" cap="flat" cmpd="sng" algn="ctr">
+                      <a:solidFill>
+                        <a:schemeClr val="bg1"/>
+                      </a:solidFill>
+                      <a:prstDash val="solid"/>
+                      <a:round/>
+                      <a:headEnd type="none" w="med" len="med"/>
+                      <a:tailEnd type="none" w="med" len="med"/>
+                    </a:lnL>
+                    <a:lnR w="19050" cap="flat" cmpd="sng" algn="ctr">
+                      <a:solidFill>
+                        <a:schemeClr val="bg1"/>
+                      </a:solidFill>
+                      <a:prstDash val="solid"/>
+                      <a:round/>
+                      <a:headEnd type="none" w="med" len="med"/>
+                      <a:tailEnd type="none" w="med" len="med"/>
+                    </a:lnR>
+                    <a:lnT w="19050" cap="flat" cmpd="sng" algn="ctr">
+                      <a:solidFill>
+                        <a:schemeClr val="bg1"/>
+                      </a:solidFill>
+                      <a:prstDash val="solid"/>
+                      <a:round/>
+                      <a:headEnd type="none" w="med" len="med"/>
+                      <a:tailEnd type="none" w="med" len="med"/>
+                    </a:lnT>
+                    <a:lnB w="19050" cap="flat" cmpd="sng" algn="ctr">
+                      <a:solidFill>
+                        <a:schemeClr val="bg1"/>
+                      </a:solidFill>
+                      <a:prstDash val="solid"/>
+                      <a:round/>
+                      <a:headEnd type="none" w="med" len="med"/>
+                      <a:tailEnd type="none" w="med" len="med"/>
+                    </a:lnB>
+                    <a:solidFill>
+                      <a:schemeClr val="tx2">
+                        <a:lumMod val="20000"/>
+                        <a:lumOff val="80000"/>
+                      </a:schemeClr>
+                    </a:solidFill>
+                  </a:tcPr>
+                </a:tc>
+                <a:tc>
+                  <a:txBody>
+                    <a:bodyPr/>
+                    <a:lstStyle/>
+                    <a:p>
+                      <a:pPr marL="0" algn="r" defTabSz="914400" rtl="0" eaLnBrk="1" latinLnBrk="0" hangingPunct="1"/>
+                      <a:endParaRPr lang="en-US" sz="1400" kern="1200" dirty="0">
+                        <a:solidFill>
+                          <a:schemeClr val="accent4"/>
+                        </a:solidFill>
+                        <a:latin typeface="Arial Narrow" pitchFamily="34" charset="0"/>
+                        <a:ea typeface="+mn-ea"/>
+                        <a:cs typeface="+mn-cs"/>
+                      </a:endParaRPr>
+                    </a:p>
+                  </a:txBody>
+                  <a:tcPr marL="101672" marR="101672" marT="50836" marB="50836">
+                    <a:lnL w="19050" cap="flat" cmpd="sng" algn="ctr">
+                      <a:solidFill>
+                        <a:schemeClr val="bg1"/>
+                      </a:solidFill>
+                      <a:prstDash val="solid"/>
+                      <a:round/>
+                      <a:headEnd type="none" w="med" len="med"/>
+                      <a:tailEnd type="none" w="med" len="med"/>
+                    </a:lnL>
+                    <a:lnR w="19050" cap="flat" cmpd="sng" algn="ctr">
+                      <a:solidFill>
+                        <a:schemeClr val="bg1"/>
+                      </a:solidFill>
+                      <a:prstDash val="solid"/>
+                      <a:round/>
+                      <a:headEnd type="none" w="med" len="med"/>
+                      <a:tailEnd type="none" w="med" len="med"/>
+                    </a:lnR>
+                    <a:lnT w="19050" cap="flat" cmpd="sng" algn="ctr">
+                      <a:solidFill>
+                        <a:schemeClr val="bg1"/>
+                      </a:solidFill>
+                      <a:prstDash val="solid"/>
+                      <a:round/>
+                      <a:headEnd type="none" w="med" len="med"/>
+                      <a:tailEnd type="none" w="med" len="med"/>
+                    </a:lnT>
+                    <a:lnB w="19050" cap="flat" cmpd="sng" algn="ctr">
+                      <a:solidFill>
+                        <a:schemeClr val="bg1"/>
+                      </a:solidFill>
+                      <a:prstDash val="solid"/>
+                      <a:round/>
+                      <a:headEnd type="none" w="med" len="med"/>
+                      <a:tailEnd type="none" w="med" len="med"/>
+                    </a:lnB>
+                    <a:solidFill>
+                      <a:schemeClr val="tx2">
+                        <a:lumMod val="20000"/>
+                        <a:lumOff val="80000"/>
+                      </a:schemeClr>
+                    </a:solidFill>
+                  </a:tcPr>
+                </a:tc>
+                <a:tc>
+                  <a:txBody>
+                    <a:bodyPr/>
+                    <a:lstStyle/>
+                    <a:p>
+                      <a:pPr marL="0" algn="r" defTabSz="914400" rtl="0" eaLnBrk="1" latinLnBrk="0" hangingPunct="1"/>
+                      <a:endParaRPr lang="en-US" sz="1400" kern="1200" dirty="0">
+                        <a:solidFill>
+                          <a:schemeClr val="accent4"/>
+                        </a:solidFill>
+                        <a:latin typeface="Arial Narrow" pitchFamily="34" charset="0"/>
+                        <a:ea typeface="+mn-ea"/>
+                        <a:cs typeface="+mn-cs"/>
+                      </a:endParaRPr>
+                    </a:p>
+                  </a:txBody>
+                  <a:tcPr marL="101672" marR="101672" marT="50836" marB="50836">
+                    <a:lnL w="19050" cap="flat" cmpd="sng" algn="ctr">
+                      <a:solidFill>
+                        <a:schemeClr val="bg1"/>
+                      </a:solidFill>
+                      <a:prstDash val="solid"/>
+                      <a:round/>
+                      <a:headEnd type="none" w="med" len="med"/>
+                      <a:tailEnd type="none" w="med" len="med"/>
+                    </a:lnL>
+                    <a:lnR w="19050" cap="flat" cmpd="sng" algn="ctr">
+                      <a:solidFill>
+                        <a:schemeClr val="bg1"/>
+                      </a:solidFill>
+                      <a:prstDash val="solid"/>
+                      <a:round/>
+                      <a:headEnd type="none" w="med" len="med"/>
+                      <a:tailEnd type="none" w="med" len="med"/>
+                    </a:lnR>
+                    <a:lnT w="19050" cap="flat" cmpd="sng" algn="ctr">
+                      <a:solidFill>
+                        <a:schemeClr val="bg1"/>
+                      </a:solidFill>
+                      <a:prstDash val="solid"/>
+                      <a:round/>
+                      <a:headEnd type="none" w="med" len="med"/>
+                      <a:tailEnd type="none" w="med" len="med"/>
+                    </a:lnT>
+                    <a:lnB w="19050" cap="flat" cmpd="sng" algn="ctr">
+                      <a:solidFill>
+                        <a:schemeClr val="bg1"/>
+                      </a:solidFill>
+                      <a:prstDash val="solid"/>
+                      <a:round/>
+                      <a:headEnd type="none" w="med" len="med"/>
+                      <a:tailEnd type="none" w="med" len="med"/>
+                    </a:lnB>
+                    <a:solidFill>
+                      <a:schemeClr val="tx2">
+                        <a:lumMod val="20000"/>
+                        <a:lumOff val="80000"/>
+                      </a:schemeClr>
+                    </a:solidFill>
+                  </a:tcPr>
+                </a:tc>
+                <a:tc>
+                  <a:txBody>
+                    <a:bodyPr/>
+                    <a:lstStyle/>
+                    <a:p>
+                      <a:pPr marL="0" algn="r" defTabSz="914400" rtl="0" eaLnBrk="1" latinLnBrk="0" hangingPunct="1"/>
+                      <a:endParaRPr lang="en-US" sz="1400" kern="1200" dirty="0">
+                        <a:solidFill>
+                          <a:schemeClr val="accent4"/>
+                        </a:solidFill>
+                        <a:latin typeface="Arial Narrow" pitchFamily="34" charset="0"/>
+                        <a:ea typeface="+mn-ea"/>
+                        <a:cs typeface="+mn-cs"/>
+                      </a:endParaRPr>
+                    </a:p>
+                  </a:txBody>
+                  <a:tcPr marL="101672" marR="101672" marT="50836" marB="50836">
+                    <a:lnL w="19050" cap="flat" cmpd="sng" algn="ctr">
+                      <a:solidFill>
+                        <a:schemeClr val="bg1"/>
+                      </a:solidFill>
+                      <a:prstDash val="solid"/>
+                      <a:round/>
+                      <a:headEnd type="none" w="med" len="med"/>
+                      <a:tailEnd type="none" w="med" len="med"/>
+                    </a:lnL>
+                    <a:lnR w="19050" cap="flat" cmpd="sng" algn="ctr">
+                      <a:solidFill>
+                        <a:schemeClr val="bg1"/>
+                      </a:solidFill>
+                      <a:prstDash val="solid"/>
+                      <a:round/>
+                      <a:headEnd type="none" w="med" len="med"/>
+                      <a:tailEnd type="none" w="med" len="med"/>
+                    </a:lnR>
+                    <a:lnT w="19050" cap="flat" cmpd="sng" algn="ctr">
+                      <a:solidFill>
+                        <a:schemeClr val="bg1"/>
+                      </a:solidFill>
+                      <a:prstDash val="solid"/>
+                      <a:round/>
+                      <a:headEnd type="none" w="med" len="med"/>
+                      <a:tailEnd type="none" w="med" len="med"/>
+                    </a:lnT>
+                    <a:lnB w="19050" cap="flat" cmpd="sng" algn="ctr">
+                      <a:solidFill>
+                        <a:schemeClr val="bg1"/>
+                      </a:solidFill>
+                      <a:prstDash val="solid"/>
+                      <a:round/>
+                      <a:headEnd type="none" w="med" len="med"/>
+                      <a:tailEnd type="none" w="med" len="med"/>
+                    </a:lnB>
+                    <a:solidFill>
+                      <a:schemeClr val="tx2">
+                        <a:lumMod val="20000"/>
+                        <a:lumOff val="80000"/>
+                      </a:schemeClr>
+                    </a:solidFill>
+                  </a:tcPr>
+                </a:tc>
+                <a:tc>
+                  <a:txBody>
+                    <a:bodyPr/>
+                    <a:lstStyle/>
+                    <a:p>
+                      <a:pPr marL="0" algn="r" defTabSz="914400" rtl="0" eaLnBrk="1" latinLnBrk="0" hangingPunct="1"/>
+                      <a:endParaRPr lang="en-US" sz="1400" kern="1200" dirty="0">
+                        <a:solidFill>
+                          <a:schemeClr val="accent4"/>
+                        </a:solidFill>
+                        <a:latin typeface="Arial Narrow" pitchFamily="34" charset="0"/>
+                        <a:ea typeface="+mn-ea"/>
+                        <a:cs typeface="+mn-cs"/>
+                      </a:endParaRPr>
+                    </a:p>
+                  </a:txBody>
+                  <a:tcPr marL="101672" marR="101672" marT="50836" marB="50836">
+                    <a:lnL w="19050" cap="flat" cmpd="sng" algn="ctr">
+                      <a:solidFill>
+                        <a:schemeClr val="bg1"/>
+                      </a:solidFill>
+                      <a:prstDash val="solid"/>
+                      <a:round/>
+                      <a:headEnd type="none" w="med" len="med"/>
+                      <a:tailEnd type="none" w="med" len="med"/>
+                    </a:lnL>
+                    <a:lnR w="19050" cap="flat" cmpd="sng" algn="ctr">
+                      <a:solidFill>
+                        <a:schemeClr val="bg1"/>
+                      </a:solidFill>
+                      <a:prstDash val="solid"/>
+                      <a:round/>
+                      <a:headEnd type="none" w="med" len="med"/>
+                      <a:tailEnd type="none" w="med" len="med"/>
+                    </a:lnR>
+                    <a:lnT w="19050" cap="flat" cmpd="sng" algn="ctr">
+                      <a:solidFill>
+                        <a:schemeClr val="bg1"/>
+                      </a:solidFill>
+                      <a:prstDash val="solid"/>
+                      <a:round/>
+                      <a:headEnd type="none" w="med" len="med"/>
+                      <a:tailEnd type="none" w="med" len="med"/>
+                    </a:lnT>
+                    <a:lnB w="19050" cap="flat" cmpd="sng" algn="ctr">
+                      <a:solidFill>
+                        <a:schemeClr val="bg1"/>
+                      </a:solidFill>
+                      <a:prstDash val="solid"/>
+                      <a:round/>
+                      <a:headEnd type="none" w="med" len="med"/>
+                      <a:tailEnd type="none" w="med" len="med"/>
+                    </a:lnB>
+                    <a:solidFill>
+                      <a:schemeClr val="tx2">
+                        <a:lumMod val="20000"/>
+                        <a:lumOff val="80000"/>
+                      </a:schemeClr>
+                    </a:solidFill>
+                  </a:tcPr>
+                </a:tc>
+                <a:tc>
+                  <a:txBody>
+                    <a:bodyPr/>
+                    <a:lstStyle/>
+                    <a:p>
+                      <a:pPr marL="0" algn="r" defTabSz="914400" rtl="0" eaLnBrk="1" latinLnBrk="0" hangingPunct="1"/>
+                      <a:endParaRPr lang="en-US" sz="1400" kern="1200" dirty="0">
+                        <a:solidFill>
+                          <a:schemeClr val="accent4"/>
+                        </a:solidFill>
+                        <a:latin typeface="Arial Narrow" pitchFamily="34" charset="0"/>
+                        <a:ea typeface="+mn-ea"/>
+                        <a:cs typeface="+mn-cs"/>
+                      </a:endParaRPr>
+                    </a:p>
+                  </a:txBody>
+                  <a:tcPr marL="101672" marR="101672" marT="50836" marB="50836">
+                    <a:lnL w="19050" cap="flat" cmpd="sng" algn="ctr">
+                      <a:solidFill>
+                        <a:schemeClr val="bg1"/>
+                      </a:solidFill>
+                      <a:prstDash val="solid"/>
+                      <a:round/>
+                      <a:headEnd type="none" w="med" len="med"/>
+                      <a:tailEnd type="none" w="med" len="med"/>
+                    </a:lnL>
+                    <a:lnR w="19050" cap="flat" cmpd="sng" algn="ctr">
+                      <a:solidFill>
+                        <a:schemeClr val="bg1"/>
+                      </a:solidFill>
+                      <a:prstDash val="solid"/>
+                      <a:round/>
+                      <a:headEnd type="none" w="med" len="med"/>
+                      <a:tailEnd type="none" w="med" len="med"/>
+                    </a:lnR>
+                    <a:lnT w="19050" cap="flat" cmpd="sng" algn="ctr">
+                      <a:solidFill>
+                        <a:schemeClr val="bg1"/>
+                      </a:solidFill>
+                      <a:prstDash val="solid"/>
+                      <a:round/>
+                      <a:headEnd type="none" w="med" len="med"/>
+                      <a:tailEnd type="none" w="med" len="med"/>
+                    </a:lnT>
+                    <a:lnB w="19050" cap="flat" cmpd="sng" algn="ctr">
+                      <a:solidFill>
+                        <a:schemeClr val="bg1"/>
+                      </a:solidFill>
+                      <a:prstDash val="solid"/>
+                      <a:round/>
+                      <a:headEnd type="none" w="med" len="med"/>
+                      <a:tailEnd type="none" w="med" len="med"/>
+                    </a:lnB>
+                    <a:solidFill>
+                      <a:schemeClr val="tx2">
+                        <a:lumMod val="20000"/>
+                        <a:lumOff val="80000"/>
+                      </a:schemeClr>
+                    </a:solidFill>
+                  </a:tcPr>
+                </a:tc>
+                <a:tc>
+                  <a:txBody>
+                    <a:bodyPr/>
+                    <a:lstStyle/>
+                    <a:p>
+                      <a:pPr marL="0" algn="r" defTabSz="914400" rtl="0" eaLnBrk="1" latinLnBrk="0" hangingPunct="1"/>
+                      <a:endParaRPr lang="en-US" sz="1400" kern="1200" dirty="0">
+                        <a:solidFill>
+                          <a:schemeClr val="accent4"/>
+                        </a:solidFill>
+                        <a:latin typeface="Arial Narrow" pitchFamily="34" charset="0"/>
+                        <a:ea typeface="+mn-ea"/>
+                        <a:cs typeface="+mn-cs"/>
+                      </a:endParaRPr>
+                    </a:p>
+                  </a:txBody>
+                  <a:tcPr marL="101672" marR="101672" marT="50836" marB="50836">
+                    <a:lnL w="19050" cap="flat" cmpd="sng" algn="ctr">
+                      <a:solidFill>
+                        <a:schemeClr val="bg1"/>
+                      </a:solidFill>
+                      <a:prstDash val="solid"/>
+                      <a:round/>
+                      <a:headEnd type="none" w="med" len="med"/>
+                      <a:tailEnd type="none" w="med" len="med"/>
+                    </a:lnL>
+                    <a:lnR w="19050" cap="flat" cmpd="sng" algn="ctr">
+                      <a:solidFill>
+                        <a:schemeClr val="bg1"/>
+                      </a:solidFill>
+                      <a:prstDash val="solid"/>
+                      <a:round/>
+                      <a:headEnd type="none" w="med" len="med"/>
+                      <a:tailEnd type="none" w="med" len="med"/>
+                    </a:lnR>
+                    <a:lnT w="19050" cap="flat" cmpd="sng" algn="ctr">
+                      <a:solidFill>
+                        <a:schemeClr val="bg1"/>
+                      </a:solidFill>
+                      <a:prstDash val="solid"/>
+                      <a:round/>
+                      <a:headEnd type="none" w="med" len="med"/>
+                      <a:tailEnd type="none" w="med" len="med"/>
+                    </a:lnT>
+                    <a:lnB w="19050" cap="flat" cmpd="sng" algn="ctr">
+                      <a:solidFill>
+                        <a:schemeClr val="bg1"/>
+                      </a:solidFill>
+                      <a:prstDash val="solid"/>
+                      <a:round/>
+                      <a:headEnd type="none" w="med" len="med"/>
+                      <a:tailEnd type="none" w="med" len="med"/>
+                    </a:lnB>
+                    <a:solidFill>
+                      <a:schemeClr val="tx2">
+                        <a:lumMod val="20000"/>
+                        <a:lumOff val="80000"/>
+                      </a:schemeClr>
+                    </a:solidFill>
+                  </a:tcPr>
+                </a:tc>
+                <a:tc>
+                  <a:txBody>
+                    <a:bodyPr/>
+                    <a:lstStyle/>
+                    <a:p>
+                      <a:pPr marL="0" algn="r" defTabSz="914400" rtl="0" eaLnBrk="1" latinLnBrk="0" hangingPunct="1"/>
+                      <a:endParaRPr lang="en-US" sz="1400" kern="1200" dirty="0">
+                        <a:solidFill>
+                          <a:schemeClr val="accent4"/>
+                        </a:solidFill>
+                        <a:latin typeface="Arial Narrow" pitchFamily="34" charset="0"/>
+                        <a:ea typeface="+mn-ea"/>
+                        <a:cs typeface="+mn-cs"/>
+                      </a:endParaRPr>
+                    </a:p>
+                  </a:txBody>
+                  <a:tcPr marL="101672" marR="101672" marT="50836" marB="50836">
+                    <a:lnL w="19050" cap="flat" cmpd="sng" algn="ctr">
+                      <a:solidFill>
+                        <a:schemeClr val="bg1"/>
+                      </a:solidFill>
+                      <a:prstDash val="solid"/>
+                      <a:round/>
+                      <a:headEnd type="none" w="med" len="med"/>
+                      <a:tailEnd type="none" w="med" len="med"/>
+                    </a:lnL>
+                    <a:lnR w="19050" cap="flat" cmpd="sng" algn="ctr">
+                      <a:solidFill>
+                        <a:schemeClr val="bg1"/>
+                      </a:solidFill>
+                      <a:prstDash val="solid"/>
+                      <a:round/>
+                      <a:headEnd type="none" w="med" len="med"/>
+                      <a:tailEnd type="none" w="med" len="med"/>
+                    </a:lnR>
+                    <a:lnT w="19050" cap="flat" cmpd="sng" algn="ctr">
+                      <a:solidFill>
+                        <a:schemeClr val="bg1"/>
+                      </a:solidFill>
+                      <a:prstDash val="solid"/>
+                      <a:round/>
+                      <a:headEnd type="none" w="med" len="med"/>
+                      <a:tailEnd type="none" w="med" len="med"/>
+                    </a:lnT>
+                    <a:lnB w="19050" cap="flat" cmpd="sng" algn="ctr">
+                      <a:solidFill>
+                        <a:schemeClr val="bg1"/>
+                      </a:solidFill>
+                      <a:prstDash val="solid"/>
+                      <a:round/>
+                      <a:headEnd type="none" w="med" len="med"/>
+                      <a:tailEnd type="none" w="med" len="med"/>
+                    </a:lnB>
+                    <a:solidFill>
+                      <a:schemeClr val="tx2">
+                        <a:lumMod val="20000"/>
+                        <a:lumOff val="80000"/>
+                      </a:schemeClr>
+                    </a:solidFill>
+                  </a:tcPr>
+                </a:tc>
+                <a:tc>
+                  <a:txBody>
+                    <a:bodyPr/>
+                    <a:lstStyle/>
+                    <a:p>
+                      <a:pPr marL="0" algn="r" defTabSz="914400" rtl="0" eaLnBrk="1" latinLnBrk="0" hangingPunct="1"/>
+                      <a:endParaRPr lang="en-US" sz="1400" kern="1200" dirty="0">
+                        <a:solidFill>
+                          <a:schemeClr val="accent4"/>
+                        </a:solidFill>
+                        <a:latin typeface="Arial Narrow" pitchFamily="34" charset="0"/>
+                        <a:ea typeface="+mn-ea"/>
+                        <a:cs typeface="+mn-cs"/>
+                      </a:endParaRPr>
+                    </a:p>
+                  </a:txBody>
+                  <a:tcPr marL="101672" marR="101672" marT="50836" marB="50836">
+                    <a:lnL w="19050" cap="flat" cmpd="sng" algn="ctr">
+                      <a:solidFill>
+                        <a:schemeClr val="bg1"/>
+                      </a:solidFill>
+                      <a:prstDash val="solid"/>
+                      <a:round/>
+                      <a:headEnd type="none" w="med" len="med"/>
+                      <a:tailEnd type="none" w="med" len="med"/>
+                    </a:lnL>
+                    <a:lnR w="19050" cap="flat" cmpd="sng" algn="ctr">
+                      <a:solidFill>
+                        <a:schemeClr val="bg1"/>
+                      </a:solidFill>
+                      <a:prstDash val="solid"/>
+                      <a:round/>
+                      <a:headEnd type="none" w="med" len="med"/>
+                      <a:tailEnd type="none" w="med" len="med"/>
+                    </a:lnR>
+                    <a:lnT w="19050" cap="flat" cmpd="sng" algn="ctr">
+                      <a:solidFill>
+                        <a:schemeClr val="bg1"/>
+                      </a:solidFill>
+                      <a:prstDash val="solid"/>
+                      <a:round/>
+                      <a:headEnd type="none" w="med" len="med"/>
+                      <a:tailEnd type="none" w="med" len="med"/>
+                    </a:lnT>
+                    <a:lnB w="19050" cap="flat" cmpd="sng" algn="ctr">
+                      <a:solidFill>
+                        <a:schemeClr val="bg1"/>
+                      </a:solidFill>
+                      <a:prstDash val="solid"/>
+                      <a:round/>
+                      <a:headEnd type="none" w="med" len="med"/>
+                      <a:tailEnd type="none" w="med" len="med"/>
+                    </a:lnB>
+                    <a:solidFill>
+                      <a:schemeClr val="tx2">
+                        <a:lumMod val="20000"/>
+                        <a:lumOff val="80000"/>
+                      </a:schemeClr>
+                    </a:solidFill>
+                  </a:tcPr>
+                </a:tc>
+                <a:tc>
+                  <a:txBody>
+                    <a:bodyPr/>
+                    <a:lstStyle/>
+                    <a:p>
+                      <a:pPr marL="0" algn="r" defTabSz="914400" rtl="0" eaLnBrk="1" latinLnBrk="0" hangingPunct="1"/>
+                      <a:endParaRPr lang="en-US" sz="1400" kern="1200" dirty="0">
+                        <a:solidFill>
+                          <a:schemeClr val="accent4"/>
+                        </a:solidFill>
+                        <a:latin typeface="Arial Narrow" pitchFamily="34" charset="0"/>
+                        <a:ea typeface="+mn-ea"/>
+                        <a:cs typeface="+mn-cs"/>
+                      </a:endParaRPr>
+                    </a:p>
+                  </a:txBody>
+                  <a:tcPr marL="101672" marR="101672" marT="50836" marB="50836">
+                    <a:lnL w="19050" cap="flat" cmpd="sng" algn="ctr">
+                      <a:solidFill>
+                        <a:schemeClr val="bg1"/>
+                      </a:solidFill>
+                      <a:prstDash val="solid"/>
+                      <a:round/>
+                      <a:headEnd type="none" w="med" len="med"/>
+                      <a:tailEnd type="none" w="med" len="med"/>
+                    </a:lnL>
+                    <a:lnR w="19050" cap="flat" cmpd="sng" algn="ctr">
+                      <a:solidFill>
+                        <a:schemeClr val="bg1"/>
+                      </a:solidFill>
+                      <a:prstDash val="solid"/>
+                      <a:round/>
+                      <a:headEnd type="none" w="med" len="med"/>
+                      <a:tailEnd type="none" w="med" len="med"/>
+                    </a:lnR>
+                    <a:lnT w="19050" cap="flat" cmpd="sng" algn="ctr">
+                      <a:solidFill>
+                        <a:schemeClr val="bg1"/>
+                      </a:solidFill>
+                      <a:prstDash val="solid"/>
+                      <a:round/>
+                      <a:headEnd type="none" w="med" len="med"/>
+                      <a:tailEnd type="none" w="med" len="med"/>
+                    </a:lnT>
+                    <a:lnB w="19050" cap="flat" cmpd="sng" algn="ctr">
+                      <a:solidFill>
+                        <a:schemeClr val="bg1"/>
+                      </a:solidFill>
+                      <a:prstDash val="solid"/>
+                      <a:round/>
+                      <a:headEnd type="none" w="med" len="med"/>
+                      <a:tailEnd type="none" w="med" len="med"/>
+                    </a:lnB>
+                    <a:solidFill>
+                      <a:schemeClr val="tx2">
+                        <a:lumMod val="20000"/>
+                        <a:lumOff val="80000"/>
+                      </a:schemeClr>
+                    </a:solidFill>
+                  </a:tcPr>
+                </a:tc>
+                <a:tc>
+                  <a:txBody>
+                    <a:bodyPr/>
+                    <a:lstStyle/>
+                    <a:p>
+                      <a:pPr marL="0" algn="r" defTabSz="914400" rtl="0" eaLnBrk="1" latinLnBrk="0" hangingPunct="1"/>
+                      <a:endParaRPr lang="en-US" sz="1400" kern="1200" dirty="0">
+                        <a:solidFill>
+                          <a:schemeClr val="accent4"/>
+                        </a:solidFill>
+                        <a:latin typeface="Arial Narrow" pitchFamily="34" charset="0"/>
+                        <a:ea typeface="+mn-ea"/>
+                        <a:cs typeface="+mn-cs"/>
+                      </a:endParaRPr>
+                    </a:p>
+                  </a:txBody>
+                  <a:tcPr marL="101672" marR="101672" marT="50836" marB="50836">
+                    <a:lnL w="19050" cap="flat" cmpd="sng" algn="ctr">
+                      <a:solidFill>
+                        <a:schemeClr val="bg1"/>
+                      </a:solidFill>
+                      <a:prstDash val="solid"/>
+                      <a:round/>
+                      <a:headEnd type="none" w="med" len="med"/>
+                      <a:tailEnd type="none" w="med" len="med"/>
+                    </a:lnL>
+                    <a:lnR w="19050" cap="flat" cmpd="sng" algn="ctr">
+                      <a:solidFill>
+                        <a:schemeClr val="bg1"/>
+                      </a:solidFill>
+                      <a:prstDash val="solid"/>
+                      <a:round/>
+                      <a:headEnd type="none" w="med" len="med"/>
+                      <a:tailEnd type="none" w="med" len="med"/>
+                    </a:lnR>
+                    <a:lnT w="19050" cap="flat" cmpd="sng" algn="ctr">
+                      <a:solidFill>
+                        <a:schemeClr val="bg1"/>
+                      </a:solidFill>
+                      <a:prstDash val="solid"/>
+                      <a:round/>
+                      <a:headEnd type="none" w="med" len="med"/>
+                      <a:tailEnd type="none" w="med" len="med"/>
+                    </a:lnT>
+                    <a:lnB w="19050" cap="flat" cmpd="sng" algn="ctr">
+                      <a:solidFill>
+                        <a:schemeClr val="bg1"/>
+                      </a:solidFill>
+                      <a:prstDash val="solid"/>
+                      <a:round/>
+                      <a:headEnd type="none" w="med" len="med"/>
+                      <a:tailEnd type="none" w="med" len="med"/>
+                    </a:lnB>
+                    <a:solidFill>
+                      <a:schemeClr val="accent5">
+                        <a:lumMod val="20000"/>
+                        <a:lumOff val="80000"/>
+                      </a:schemeClr>
+                    </a:solidFill>
+                  </a:tcPr>
+                </a:tc>
+                <a:tc>
+                  <a:txBody>
+                    <a:bodyPr/>
+                    <a:lstStyle/>
+                    <a:p>
+                      <a:pPr marL="0" algn="r" defTabSz="914400" rtl="0" eaLnBrk="1" latinLnBrk="0" hangingPunct="1"/>
+                      <a:endParaRPr lang="en-US" sz="1400" kern="1200" dirty="0">
+                        <a:solidFill>
+                          <a:schemeClr val="accent4"/>
+                        </a:solidFill>
+                        <a:latin typeface="Arial Narrow" pitchFamily="34" charset="0"/>
+                        <a:ea typeface="+mn-ea"/>
+                        <a:cs typeface="+mn-cs"/>
+                      </a:endParaRPr>
+                    </a:p>
+                  </a:txBody>
+                  <a:tcPr marL="101672" marR="101672" marT="50836" marB="50836">
+                    <a:lnL w="19050" cap="flat" cmpd="sng" algn="ctr">
+                      <a:solidFill>
+                        <a:schemeClr val="bg1"/>
+                      </a:solidFill>
+                      <a:prstDash val="solid"/>
+                      <a:round/>
+                      <a:headEnd type="none" w="med" len="med"/>
+                      <a:tailEnd type="none" w="med" len="med"/>
+                    </a:lnL>
+                    <a:lnR w="19050" cap="flat" cmpd="sng" algn="ctr">
+                      <a:solidFill>
+                        <a:schemeClr val="bg1"/>
+                      </a:solidFill>
+                      <a:prstDash val="solid"/>
+                      <a:round/>
+                      <a:headEnd type="none" w="med" len="med"/>
+                      <a:tailEnd type="none" w="med" len="med"/>
+                    </a:lnR>
+                    <a:lnT w="19050" cap="flat" cmpd="sng" algn="ctr">
+                      <a:solidFill>
+                        <a:schemeClr val="bg1"/>
+                      </a:solidFill>
+                      <a:prstDash val="solid"/>
+                      <a:round/>
+                      <a:headEnd type="none" w="med" len="med"/>
+                      <a:tailEnd type="none" w="med" len="med"/>
+                    </a:lnT>
+                    <a:lnB w="19050" cap="flat" cmpd="sng" algn="ctr">
+                      <a:solidFill>
+                        <a:schemeClr val="bg1"/>
+                      </a:solidFill>
+                      <a:prstDash val="solid"/>
+                      <a:round/>
+                      <a:headEnd type="none" w="med" len="med"/>
+                      <a:tailEnd type="none" w="med" len="med"/>
+                    </a:lnB>
+                    <a:solidFill>
+                      <a:schemeClr val="accent5">
+                        <a:lumMod val="20000"/>
+                        <a:lumOff val="80000"/>
+                      </a:schemeClr>
+                    </a:solidFill>
+                  </a:tcPr>
+                </a:tc>
+                <a:tc>
+                  <a:txBody>
+                    <a:bodyPr/>
+                    <a:lstStyle/>
+                    <a:p>
+                      <a:pPr marL="0" algn="r" defTabSz="914400" rtl="0" eaLnBrk="1" latinLnBrk="0" hangingPunct="1"/>
+                      <a:endParaRPr lang="en-US" sz="1400" kern="1200" dirty="0">
+                        <a:solidFill>
+                          <a:schemeClr val="accent4"/>
+                        </a:solidFill>
+                        <a:latin typeface="Arial Narrow" pitchFamily="34" charset="0"/>
+                        <a:ea typeface="+mn-ea"/>
+                        <a:cs typeface="+mn-cs"/>
+                      </a:endParaRPr>
+                    </a:p>
+                  </a:txBody>
+                  <a:tcPr marL="101672" marR="101672" marT="50836" marB="50836">
+                    <a:lnL w="19050" cap="flat" cmpd="sng" algn="ctr">
+                      <a:solidFill>
+                        <a:schemeClr val="bg1"/>
+                      </a:solidFill>
+                      <a:prstDash val="solid"/>
+                      <a:round/>
+                      <a:headEnd type="none" w="med" len="med"/>
+                      <a:tailEnd type="none" w="med" len="med"/>
+                    </a:lnL>
+                    <a:lnR w="19050" cap="flat" cmpd="sng" algn="ctr">
+                      <a:solidFill>
+                        <a:schemeClr val="bg1"/>
+                      </a:solidFill>
+                      <a:prstDash val="solid"/>
+                      <a:round/>
+                      <a:headEnd type="none" w="med" len="med"/>
+                      <a:tailEnd type="none" w="med" len="med"/>
+                    </a:lnR>
+                    <a:lnT w="19050" cap="flat" cmpd="sng" algn="ctr">
+                      <a:solidFill>
+                        <a:schemeClr val="bg1"/>
+                      </a:solidFill>
+                      <a:prstDash val="solid"/>
+                      <a:round/>
+                      <a:headEnd type="none" w="med" len="med"/>
+                      <a:tailEnd type="none" w="med" len="med"/>
+                    </a:lnT>
+                    <a:lnB w="19050" cap="flat" cmpd="sng" algn="ctr">
+                      <a:solidFill>
+                        <a:schemeClr val="bg1"/>
+                      </a:solidFill>
+                      <a:prstDash val="solid"/>
+                      <a:round/>
+                      <a:headEnd type="none" w="med" len="med"/>
+                      <a:tailEnd type="none" w="med" len="med"/>
+                    </a:lnB>
+                    <a:solidFill>
+                      <a:schemeClr val="accent5">
+                        <a:lumMod val="20000"/>
+                        <a:lumOff val="80000"/>
+                      </a:schemeClr>
+                    </a:solidFill>
+                  </a:tcPr>
+                </a:tc>
+                <a:tc>
+                  <a:txBody>
+                    <a:bodyPr/>
+                    <a:lstStyle/>
+                    <a:p>
+                      <a:pPr marL="0" algn="r" defTabSz="914400" rtl="0" eaLnBrk="1" latinLnBrk="0" hangingPunct="1"/>
+                      <a:endParaRPr lang="en-US" sz="1400" kern="1200" dirty="0">
+                        <a:solidFill>
+                          <a:schemeClr val="accent4"/>
+                        </a:solidFill>
+                        <a:latin typeface="Arial Narrow" pitchFamily="34" charset="0"/>
+                        <a:ea typeface="+mn-ea"/>
+                        <a:cs typeface="+mn-cs"/>
+                      </a:endParaRPr>
+                    </a:p>
+                  </a:txBody>
+                  <a:tcPr marL="101672" marR="101672" marT="50836" marB="50836">
+                    <a:lnL w="19050" cap="flat" cmpd="sng" algn="ctr">
+                      <a:solidFill>
+                        <a:schemeClr val="bg1"/>
+                      </a:solidFill>
+                      <a:prstDash val="solid"/>
+                      <a:round/>
+                      <a:headEnd type="none" w="med" len="med"/>
+                      <a:tailEnd type="none" w="med" len="med"/>
+                    </a:lnL>
+                    <a:lnR w="19050" cap="flat" cmpd="sng" algn="ctr">
+                      <a:solidFill>
+                        <a:schemeClr val="bg1"/>
+                      </a:solidFill>
+                      <a:prstDash val="solid"/>
+                      <a:round/>
+                      <a:headEnd type="none" w="med" len="med"/>
+                      <a:tailEnd type="none" w="med" len="med"/>
+                    </a:lnR>
+                    <a:lnT w="19050" cap="flat" cmpd="sng" algn="ctr">
+                      <a:solidFill>
+                        <a:schemeClr val="bg1"/>
+                      </a:solidFill>
+                      <a:prstDash val="solid"/>
+                      <a:round/>
+                      <a:headEnd type="none" w="med" len="med"/>
+                      <a:tailEnd type="none" w="med" len="med"/>
+                    </a:lnT>
+                    <a:lnB w="19050" cap="flat" cmpd="sng" algn="ctr">
+                      <a:solidFill>
+                        <a:schemeClr val="bg1"/>
+                      </a:solidFill>
+                      <a:prstDash val="solid"/>
+                      <a:round/>
+                      <a:headEnd type="none" w="med" len="med"/>
+                      <a:tailEnd type="none" w="med" len="med"/>
+                    </a:lnB>
+                    <a:solidFill>
+                      <a:schemeClr val="accent5">
+                        <a:lumMod val="20000"/>
+                        <a:lumOff val="80000"/>
+                      </a:schemeClr>
+                    </a:solidFill>
+                  </a:tcPr>
+                </a:tc>
+                <a:extLst>
+                  <a:ext uri="{0D108BD9-81ED-4DB2-BD59-A6C34878D82A}">
+                    <a16:rowId xmlns:a16="http://schemas.microsoft.com/office/drawing/2014/main" val="2403926597"/>
+                  </a:ext>
+                </a:extLst>
+              </a:tr>
+              <a:tr h="345512">
+                <a:tc>
+                  <a:txBody>
+                    <a:bodyPr/>
+                    <a:lstStyle/>
+                    <a:p>
+                      <a:pPr marL="117475" marR="0" indent="0" algn="l" defTabSz="914400" rtl="0" eaLnBrk="1" fontAlgn="auto" latinLnBrk="0" hangingPunct="1">
+                        <a:lnSpc>
+                          <a:spcPct val="100000"/>
+                        </a:lnSpc>
+                        <a:spcBef>
+                          <a:spcPts val="0"/>
+                        </a:spcBef>
+                        <a:spcAft>
+                          <a:spcPts val="0"/>
+                        </a:spcAft>
+                        <a:buClrTx/>
+                        <a:buSzTx/>
+                        <a:buFontTx/>
+                        <a:buNone/>
+                        <a:tabLst/>
+                        <a:defRPr/>
+                      </a:pPr>
+                      <a:r>
                         <a:rPr lang="en-US" sz="1050" b="1" dirty="0">
                           <a:solidFill>
                             <a:schemeClr val="tx1"/>
@@ -15916,7 +17590,7 @@
                     <a:bodyPr/>
                     <a:lstStyle/>
                     <a:p>
-                      <a:endParaRPr lang="en-US" sz="1600">
+                      <a:endParaRPr lang="en-US" sz="1600" dirty="0">
                         <a:latin typeface="Arial Narrow" pitchFamily="34" charset="0"/>
                       </a:endParaRPr>
                     </a:p>
@@ -19282,7 +20956,7 @@
                     <a:bodyPr/>
                     <a:lstStyle/>
                     <a:p>
-                      <a:endParaRPr lang="en-US" sz="1600">
+                      <a:endParaRPr lang="en-US" sz="1600" dirty="0">
                         <a:latin typeface="Arial Narrow" pitchFamily="34" charset="0"/>
                       </a:endParaRPr>
                     </a:p>
@@ -19392,7 +21066,7 @@
                     <a:bodyPr/>
                     <a:lstStyle/>
                     <a:p>
-                      <a:endParaRPr lang="en-US" sz="1600">
+                      <a:endParaRPr lang="en-US" sz="1600" dirty="0">
                         <a:latin typeface="Arial Narrow" pitchFamily="34" charset="0"/>
                       </a:endParaRPr>
                     </a:p>
@@ -22502,650 +24176,666 @@
           </a:p>
         </p:txBody>
       </p:sp>
-      <p:sp>
-        <p:nvSpPr>
-          <p:cNvPr id="25" name="Star: 4 Points 24">
+      <p:grpSp>
+        <p:nvGrpSpPr>
+          <p:cNvPr id="51" name="Group 50">
             <a:extLst>
               <a:ext uri="{FF2B5EF4-FFF2-40B4-BE49-F238E27FC236}">
-                <a16:creationId xmlns:a16="http://schemas.microsoft.com/office/drawing/2014/main" id="{28025BD7-ECEB-687F-B605-C9D4D1990D05}"/>
+                <a16:creationId xmlns:a16="http://schemas.microsoft.com/office/drawing/2014/main" id="{AA5070D7-7FF2-5CCD-0EA4-8F4FC26F50A6}"/>
               </a:ext>
             </a:extLst>
           </p:cNvPr>
-          <p:cNvSpPr/>
+          <p:cNvGrpSpPr/>
           <p:nvPr/>
-        </p:nvSpPr>
-        <p:spPr>
+        </p:nvGrpSpPr>
+        <p:grpSpPr>
           <a:xfrm>
-            <a:off x="8023790" y="3461121"/>
-            <a:ext cx="183684" cy="189242"/>
+            <a:off x="7346494" y="4252515"/>
+            <a:ext cx="2734201" cy="197149"/>
+            <a:chOff x="7317974" y="3834622"/>
+            <a:chExt cx="2734201" cy="197149"/>
           </a:xfrm>
-          <a:prstGeom prst="star4">
-            <a:avLst>
-              <a:gd name="adj" fmla="val 14625"/>
-            </a:avLst>
-          </a:prstGeom>
-          <a:solidFill>
-            <a:srgbClr val="FF0000"/>
-          </a:solidFill>
-          <a:ln>
+        </p:grpSpPr>
+        <p:sp>
+          <p:nvSpPr>
+            <p:cNvPr id="27" name="Rounded Rectangle 48">
+              <a:extLst>
+                <a:ext uri="{FF2B5EF4-FFF2-40B4-BE49-F238E27FC236}">
+                  <a16:creationId xmlns:a16="http://schemas.microsoft.com/office/drawing/2014/main" id="{5241C950-FF83-065A-087D-B7D1D24E3DE1}"/>
+                </a:ext>
+              </a:extLst>
+            </p:cNvPr>
+            <p:cNvSpPr/>
+            <p:nvPr/>
+          </p:nvSpPr>
+          <p:spPr>
+            <a:xfrm>
+              <a:off x="7317974" y="3840929"/>
+              <a:ext cx="1676764" cy="190842"/>
+            </a:xfrm>
+            <a:prstGeom prst="roundRect">
+              <a:avLst>
+                <a:gd name="adj" fmla="val 48717"/>
+              </a:avLst>
+            </a:prstGeom>
+            <a:solidFill>
+              <a:schemeClr val="accent5">
+                <a:lumMod val="60000"/>
+                <a:lumOff val="40000"/>
+              </a:schemeClr>
+            </a:solidFill>
+            <a:ln>
+              <a:solidFill>
+                <a:schemeClr val="tx1"/>
+              </a:solidFill>
+            </a:ln>
+          </p:spPr>
+          <p:style>
+            <a:lnRef idx="0">
+              <a:scrgbClr r="0" g="0" b="0"/>
+            </a:lnRef>
+            <a:fillRef idx="0">
+              <a:scrgbClr r="0" g="0" b="0"/>
+            </a:fillRef>
+            <a:effectRef idx="0">
+              <a:scrgbClr r="0" g="0" b="0"/>
+            </a:effectRef>
+            <a:fontRef idx="minor">
+              <a:schemeClr val="lt1"/>
+            </a:fontRef>
+          </p:style>
+          <p:txBody>
+            <a:bodyPr lIns="18288" tIns="18288" rIns="18288" bIns="18288" anchor="ctr" anchorCtr="1"/>
+            <a:lstStyle/>
+            <a:p>
+              <a:pPr algn="ctr">
+                <a:lnSpc>
+                  <a:spcPct val="85000"/>
+                </a:lnSpc>
+                <a:spcBef>
+                  <a:spcPct val="20000"/>
+                </a:spcBef>
+              </a:pPr>
+              <a:endParaRPr lang="en-US" sz="1600" b="1" dirty="0">
+                <a:latin typeface="Tahoma" panose="020B0604030504040204" pitchFamily="34" charset="0"/>
+                <a:ea typeface="Tahoma" panose="020B0604030504040204" pitchFamily="34" charset="0"/>
+                <a:cs typeface="Tahoma" panose="020B0604030504040204" pitchFamily="34" charset="0"/>
+              </a:endParaRPr>
+            </a:p>
+          </p:txBody>
+        </p:sp>
+        <p:sp>
+          <p:nvSpPr>
+            <p:cNvPr id="28" name="OTLSHAPE_SLT_5b87359c2c954ae4906972a3b70de9e6_JoinedDate">
+              <a:extLst>
+                <a:ext uri="{FF2B5EF4-FFF2-40B4-BE49-F238E27FC236}">
+                  <a16:creationId xmlns:a16="http://schemas.microsoft.com/office/drawing/2014/main" id="{2F9F722C-C0DB-3AB3-AD9B-77FEF2A00BB2}"/>
+                </a:ext>
+              </a:extLst>
+            </p:cNvPr>
+            <p:cNvSpPr txBox="1"/>
+            <p:nvPr>
+              <p:custDataLst>
+                <p:tags r:id="rId13"/>
+              </p:custDataLst>
+            </p:nvPr>
+          </p:nvSpPr>
+          <p:spPr>
+            <a:xfrm>
+              <a:off x="8994738" y="3834622"/>
+              <a:ext cx="1057437" cy="161583"/>
+            </a:xfrm>
+            <a:prstGeom prst="rect">
+              <a:avLst/>
+            </a:prstGeom>
+            <a:noFill/>
+          </p:spPr>
+          <p:txBody>
+            <a:bodyPr vert="horz" wrap="square" lIns="0" tIns="0" rIns="0" bIns="0" rtlCol="0" anchor="ctr" anchorCtr="0">
+              <a:spAutoFit/>
+            </a:bodyPr>
+            <a:lstStyle/>
+            <a:p>
+              <a:pPr algn="r"/>
+              <a:r>
+                <a:rPr lang="en-US" altLang="zh-CN" sz="1050" spc="-6" dirty="0">
+                  <a:latin typeface="Tahoma" panose="020B0604030504040204" pitchFamily="34" charset="0"/>
+                  <a:ea typeface="Tahoma" panose="020B0604030504040204" pitchFamily="34" charset="0"/>
+                  <a:cs typeface="Tahoma" panose="020B0604030504040204" pitchFamily="34" charset="0"/>
+                </a:rPr>
+                <a:t>Apr 1 – Apr 15</a:t>
+              </a:r>
+              <a:endParaRPr lang="zh-CN" altLang="en-US" sz="1050" spc="-6" dirty="0">
+                <a:latin typeface="Tahoma" panose="020B0604030504040204" pitchFamily="34" charset="0"/>
+                <a:cs typeface="Tahoma" panose="020B0604030504040204" pitchFamily="34" charset="0"/>
+              </a:endParaRPr>
+            </a:p>
+          </p:txBody>
+        </p:sp>
+      </p:grpSp>
+      <p:grpSp>
+        <p:nvGrpSpPr>
+          <p:cNvPr id="54" name="Group 53">
+            <a:extLst>
+              <a:ext uri="{FF2B5EF4-FFF2-40B4-BE49-F238E27FC236}">
+                <a16:creationId xmlns:a16="http://schemas.microsoft.com/office/drawing/2014/main" id="{FA1FA5E9-7842-2849-FA53-AC5BFCD81491}"/>
+              </a:ext>
+            </a:extLst>
+          </p:cNvPr>
+          <p:cNvGrpSpPr/>
+          <p:nvPr/>
+        </p:nvGrpSpPr>
+        <p:grpSpPr>
+          <a:xfrm>
+            <a:off x="8735227" y="4618401"/>
+            <a:ext cx="1787037" cy="190842"/>
+            <a:chOff x="8706707" y="4200508"/>
+            <a:chExt cx="1787037" cy="190842"/>
+          </a:xfrm>
+        </p:grpSpPr>
+        <p:sp>
+          <p:nvSpPr>
+            <p:cNvPr id="29" name="Rounded Rectangle 48">
+              <a:extLst>
+                <a:ext uri="{FF2B5EF4-FFF2-40B4-BE49-F238E27FC236}">
+                  <a16:creationId xmlns:a16="http://schemas.microsoft.com/office/drawing/2014/main" id="{A8CA9680-8ED6-EA60-BD43-5491876377A4}"/>
+                </a:ext>
+              </a:extLst>
+            </p:cNvPr>
+            <p:cNvSpPr/>
+            <p:nvPr/>
+          </p:nvSpPr>
+          <p:spPr>
+            <a:xfrm>
+              <a:off x="8706707" y="4200508"/>
+              <a:ext cx="504056" cy="190842"/>
+            </a:xfrm>
+            <a:prstGeom prst="roundRect">
+              <a:avLst>
+                <a:gd name="adj" fmla="val 48717"/>
+              </a:avLst>
+            </a:prstGeom>
+            <a:solidFill>
+              <a:schemeClr val="accent5">
+                <a:lumMod val="60000"/>
+                <a:lumOff val="40000"/>
+              </a:schemeClr>
+            </a:solidFill>
+            <a:ln>
+              <a:solidFill>
+                <a:schemeClr val="tx1"/>
+              </a:solidFill>
+            </a:ln>
+          </p:spPr>
+          <p:style>
+            <a:lnRef idx="0">
+              <a:scrgbClr r="0" g="0" b="0"/>
+            </a:lnRef>
+            <a:fillRef idx="0">
+              <a:scrgbClr r="0" g="0" b="0"/>
+            </a:fillRef>
+            <a:effectRef idx="0">
+              <a:scrgbClr r="0" g="0" b="0"/>
+            </a:effectRef>
+            <a:fontRef idx="minor">
+              <a:schemeClr val="lt1"/>
+            </a:fontRef>
+          </p:style>
+          <p:txBody>
+            <a:bodyPr lIns="18288" tIns="18288" rIns="18288" bIns="18288" anchor="ctr" anchorCtr="1"/>
+            <a:lstStyle/>
+            <a:p>
+              <a:pPr algn="ctr">
+                <a:lnSpc>
+                  <a:spcPct val="85000"/>
+                </a:lnSpc>
+                <a:spcBef>
+                  <a:spcPct val="20000"/>
+                </a:spcBef>
+              </a:pPr>
+              <a:endParaRPr lang="en-US" sz="1600" b="1" dirty="0">
+                <a:latin typeface="Tahoma" panose="020B0604030504040204" pitchFamily="34" charset="0"/>
+                <a:ea typeface="Tahoma" panose="020B0604030504040204" pitchFamily="34" charset="0"/>
+                <a:cs typeface="Tahoma" panose="020B0604030504040204" pitchFamily="34" charset="0"/>
+              </a:endParaRPr>
+            </a:p>
+          </p:txBody>
+        </p:sp>
+        <p:sp>
+          <p:nvSpPr>
+            <p:cNvPr id="30" name="OTLSHAPE_SLT_5b87359c2c954ae4906972a3b70de9e6_JoinedDate">
+              <a:extLst>
+                <a:ext uri="{FF2B5EF4-FFF2-40B4-BE49-F238E27FC236}">
+                  <a16:creationId xmlns:a16="http://schemas.microsoft.com/office/drawing/2014/main" id="{999B27BA-EC60-E1A2-DBE6-DF3F3A1502FD}"/>
+                </a:ext>
+              </a:extLst>
+            </p:cNvPr>
+            <p:cNvSpPr txBox="1"/>
+            <p:nvPr>
+              <p:custDataLst>
+                <p:tags r:id="rId12"/>
+              </p:custDataLst>
+            </p:nvPr>
+          </p:nvSpPr>
+          <p:spPr>
+            <a:xfrm>
+              <a:off x="9210763" y="4200508"/>
+              <a:ext cx="1282981" cy="161583"/>
+            </a:xfrm>
+            <a:prstGeom prst="rect">
+              <a:avLst/>
+            </a:prstGeom>
+            <a:noFill/>
+          </p:spPr>
+          <p:txBody>
+            <a:bodyPr vert="horz" wrap="square" lIns="0" tIns="0" rIns="0" bIns="0" rtlCol="0" anchor="ctr" anchorCtr="0">
+              <a:spAutoFit/>
+            </a:bodyPr>
+            <a:lstStyle/>
+            <a:p>
+              <a:pPr algn="r"/>
+              <a:r>
+                <a:rPr lang="en-US" altLang="zh-CN" sz="1050" spc="-6" dirty="0">
+                  <a:latin typeface="Tahoma" panose="020B0604030504040204" pitchFamily="34" charset="0"/>
+                  <a:ea typeface="Tahoma" panose="020B0604030504040204" pitchFamily="34" charset="0"/>
+                  <a:cs typeface="Tahoma" panose="020B0604030504040204" pitchFamily="34" charset="0"/>
+                </a:rPr>
+                <a:t>Apr 13 – Apr 17</a:t>
+              </a:r>
+              <a:endParaRPr lang="zh-CN" altLang="en-US" sz="1050" spc="-6" dirty="0">
+                <a:latin typeface="Tahoma" panose="020B0604030504040204" pitchFamily="34" charset="0"/>
+                <a:cs typeface="Tahoma" panose="020B0604030504040204" pitchFamily="34" charset="0"/>
+              </a:endParaRPr>
+            </a:p>
+          </p:txBody>
+        </p:sp>
+      </p:grpSp>
+      <p:grpSp>
+        <p:nvGrpSpPr>
+          <p:cNvPr id="57" name="Group 56">
+            <a:extLst>
+              <a:ext uri="{FF2B5EF4-FFF2-40B4-BE49-F238E27FC236}">
+                <a16:creationId xmlns:a16="http://schemas.microsoft.com/office/drawing/2014/main" id="{E6CCA144-BFD4-FDF2-6EC9-A979E5A8A30A}"/>
+              </a:ext>
+            </a:extLst>
+          </p:cNvPr>
+          <p:cNvGrpSpPr/>
+          <p:nvPr/>
+        </p:nvGrpSpPr>
+        <p:grpSpPr>
+          <a:xfrm>
+            <a:off x="9039466" y="4977500"/>
+            <a:ext cx="2048107" cy="191322"/>
+            <a:chOff x="9010946" y="4559607"/>
+            <a:chExt cx="2048107" cy="191322"/>
+          </a:xfrm>
+        </p:grpSpPr>
+        <p:sp>
+          <p:nvSpPr>
+            <p:cNvPr id="31" name="Rounded Rectangle 48">
+              <a:extLst>
+                <a:ext uri="{FF2B5EF4-FFF2-40B4-BE49-F238E27FC236}">
+                  <a16:creationId xmlns:a16="http://schemas.microsoft.com/office/drawing/2014/main" id="{F75872B3-53C9-71CF-141F-042C4AD1533E}"/>
+                </a:ext>
+              </a:extLst>
+            </p:cNvPr>
+            <p:cNvSpPr/>
+            <p:nvPr/>
+          </p:nvSpPr>
+          <p:spPr>
+            <a:xfrm>
+              <a:off x="9010946" y="4560087"/>
+              <a:ext cx="648071" cy="190842"/>
+            </a:xfrm>
+            <a:prstGeom prst="roundRect">
+              <a:avLst>
+                <a:gd name="adj" fmla="val 48717"/>
+              </a:avLst>
+            </a:prstGeom>
+            <a:solidFill>
+              <a:schemeClr val="accent5">
+                <a:lumMod val="60000"/>
+                <a:lumOff val="40000"/>
+              </a:schemeClr>
+            </a:solidFill>
+            <a:ln>
+              <a:solidFill>
+                <a:schemeClr val="tx1"/>
+              </a:solidFill>
+            </a:ln>
+          </p:spPr>
+          <p:style>
+            <a:lnRef idx="0">
+              <a:scrgbClr r="0" g="0" b="0"/>
+            </a:lnRef>
+            <a:fillRef idx="0">
+              <a:scrgbClr r="0" g="0" b="0"/>
+            </a:fillRef>
+            <a:effectRef idx="0">
+              <a:scrgbClr r="0" g="0" b="0"/>
+            </a:effectRef>
+            <a:fontRef idx="minor">
+              <a:schemeClr val="lt1"/>
+            </a:fontRef>
+          </p:style>
+          <p:txBody>
+            <a:bodyPr lIns="18288" tIns="18288" rIns="18288" bIns="18288" anchor="ctr" anchorCtr="1"/>
+            <a:lstStyle/>
+            <a:p>
+              <a:pPr algn="ctr">
+                <a:lnSpc>
+                  <a:spcPct val="85000"/>
+                </a:lnSpc>
+                <a:spcBef>
+                  <a:spcPct val="20000"/>
+                </a:spcBef>
+              </a:pPr>
+              <a:endParaRPr lang="en-US" sz="1600" b="1" dirty="0">
+                <a:latin typeface="Tahoma" panose="020B0604030504040204" pitchFamily="34" charset="0"/>
+                <a:ea typeface="Tahoma" panose="020B0604030504040204" pitchFamily="34" charset="0"/>
+                <a:cs typeface="Tahoma" panose="020B0604030504040204" pitchFamily="34" charset="0"/>
+              </a:endParaRPr>
+            </a:p>
+          </p:txBody>
+        </p:sp>
+        <p:sp>
+          <p:nvSpPr>
+            <p:cNvPr id="32" name="OTLSHAPE_SLT_5b87359c2c954ae4906972a3b70de9e6_JoinedDate">
+              <a:extLst>
+                <a:ext uri="{FF2B5EF4-FFF2-40B4-BE49-F238E27FC236}">
+                  <a16:creationId xmlns:a16="http://schemas.microsoft.com/office/drawing/2014/main" id="{22BA6371-C6E0-7E49-E00E-1537BC266F6E}"/>
+                </a:ext>
+              </a:extLst>
+            </p:cNvPr>
+            <p:cNvSpPr txBox="1"/>
+            <p:nvPr>
+              <p:custDataLst>
+                <p:tags r:id="rId11"/>
+              </p:custDataLst>
+            </p:nvPr>
+          </p:nvSpPr>
+          <p:spPr>
+            <a:xfrm>
+              <a:off x="10022208" y="4574716"/>
+              <a:ext cx="1036845" cy="161583"/>
+            </a:xfrm>
+            <a:prstGeom prst="rect">
+              <a:avLst/>
+            </a:prstGeom>
+            <a:noFill/>
+          </p:spPr>
+          <p:txBody>
+            <a:bodyPr vert="horz" wrap="square" lIns="0" tIns="0" rIns="0" bIns="0" rtlCol="0" anchor="ctr" anchorCtr="0">
+              <a:spAutoFit/>
+            </a:bodyPr>
+            <a:lstStyle/>
+            <a:p>
+              <a:pPr algn="r"/>
+              <a:r>
+                <a:rPr lang="en-US" altLang="zh-CN" sz="1050" spc="-6" dirty="0">
+                  <a:latin typeface="Tahoma" panose="020B0604030504040204" pitchFamily="34" charset="0"/>
+                  <a:ea typeface="Tahoma" panose="020B0604030504040204" pitchFamily="34" charset="0"/>
+                  <a:cs typeface="Tahoma" panose="020B0604030504040204" pitchFamily="34" charset="0"/>
+                </a:rPr>
+                <a:t>Apr 18 – Apr 25</a:t>
+              </a:r>
+              <a:endParaRPr lang="zh-CN" altLang="en-US" sz="1050" spc="-6" dirty="0">
+                <a:latin typeface="Tahoma" panose="020B0604030504040204" pitchFamily="34" charset="0"/>
+                <a:cs typeface="Tahoma" panose="020B0604030504040204" pitchFamily="34" charset="0"/>
+              </a:endParaRPr>
+            </a:p>
+          </p:txBody>
+        </p:sp>
+        <p:sp>
+          <p:nvSpPr>
+            <p:cNvPr id="33" name="Star: 4 Points 32">
+              <a:extLst>
+                <a:ext uri="{FF2B5EF4-FFF2-40B4-BE49-F238E27FC236}">
+                  <a16:creationId xmlns:a16="http://schemas.microsoft.com/office/drawing/2014/main" id="{2A4EF71C-8DC9-B38E-C984-7A0325164A73}"/>
+                </a:ext>
+              </a:extLst>
+            </p:cNvPr>
+            <p:cNvSpPr/>
+            <p:nvPr/>
+          </p:nvSpPr>
+          <p:spPr>
+            <a:xfrm>
+              <a:off x="9762699" y="4559607"/>
+              <a:ext cx="183684" cy="189242"/>
+            </a:xfrm>
+            <a:prstGeom prst="star4">
+              <a:avLst>
+                <a:gd name="adj" fmla="val 14625"/>
+              </a:avLst>
+            </a:prstGeom>
             <a:solidFill>
               <a:srgbClr val="FF0000"/>
             </a:solidFill>
-          </a:ln>
-        </p:spPr>
-        <p:style>
-          <a:lnRef idx="2">
-            <a:schemeClr val="accent1">
-              <a:shade val="50000"/>
-            </a:schemeClr>
-          </a:lnRef>
-          <a:fillRef idx="1">
-            <a:schemeClr val="accent1"/>
-          </a:fillRef>
-          <a:effectRef idx="0">
-            <a:schemeClr val="accent1"/>
-          </a:effectRef>
-          <a:fontRef idx="minor">
-            <a:schemeClr val="lt1"/>
-          </a:fontRef>
-        </p:style>
-        <p:txBody>
-          <a:bodyPr rtlCol="0" anchor="ctr"/>
-          <a:lstStyle/>
-          <a:p>
-            <a:pPr algn="ctr"/>
-            <a:endParaRPr lang="zh-CN" altLang="en-US"/>
-          </a:p>
-        </p:txBody>
-      </p:sp>
-      <p:sp>
-        <p:nvSpPr>
-          <p:cNvPr id="26" name="OTLSHAPE_SLT_5b87359c2c954ae4906972a3b70de9e6_JoinedDate">
+            <a:ln>
+              <a:solidFill>
+                <a:srgbClr val="FF0000"/>
+              </a:solidFill>
+            </a:ln>
+          </p:spPr>
+          <p:style>
+            <a:lnRef idx="2">
+              <a:schemeClr val="accent1">
+                <a:shade val="50000"/>
+              </a:schemeClr>
+            </a:lnRef>
+            <a:fillRef idx="1">
+              <a:schemeClr val="accent1"/>
+            </a:fillRef>
+            <a:effectRef idx="0">
+              <a:schemeClr val="accent1"/>
+            </a:effectRef>
+            <a:fontRef idx="minor">
+              <a:schemeClr val="lt1"/>
+            </a:fontRef>
+          </p:style>
+          <p:txBody>
+            <a:bodyPr rtlCol="0" anchor="ctr"/>
+            <a:lstStyle/>
+            <a:p>
+              <a:pPr algn="ctr"/>
+              <a:endParaRPr lang="zh-CN" altLang="en-US"/>
+            </a:p>
+          </p:txBody>
+        </p:sp>
+      </p:grpSp>
+      <p:grpSp>
+        <p:nvGrpSpPr>
+          <p:cNvPr id="48" name="Group 47">
             <a:extLst>
               <a:ext uri="{FF2B5EF4-FFF2-40B4-BE49-F238E27FC236}">
-                <a16:creationId xmlns:a16="http://schemas.microsoft.com/office/drawing/2014/main" id="{D7D5C0E7-E95A-3B01-36E9-51AABD4FD3C3}"/>
+                <a16:creationId xmlns:a16="http://schemas.microsoft.com/office/drawing/2014/main" id="{F67C9BFB-8686-D70F-3BA5-6979B7B325DF}"/>
               </a:ext>
             </a:extLst>
           </p:cNvPr>
-          <p:cNvSpPr txBox="1"/>
-          <p:nvPr>
-            <p:custDataLst>
-              <p:tags r:id="rId7"/>
-            </p:custDataLst>
-          </p:nvPr>
-        </p:nvSpPr>
-        <p:spPr>
+          <p:cNvGrpSpPr/>
+          <p:nvPr/>
+        </p:nvGrpSpPr>
+        <p:grpSpPr>
           <a:xfrm>
-            <a:off x="8436716" y="3496961"/>
-            <a:ext cx="994949" cy="161583"/>
+            <a:off x="7232936" y="3871000"/>
+            <a:ext cx="2156606" cy="197256"/>
+            <a:chOff x="7204416" y="3453107"/>
+            <a:chExt cx="2156606" cy="197256"/>
           </a:xfrm>
-          <a:prstGeom prst="rect">
-            <a:avLst/>
-          </a:prstGeom>
-          <a:noFill/>
-        </p:spPr>
-        <p:txBody>
-          <a:bodyPr vert="horz" wrap="square" lIns="0" tIns="0" rIns="0" bIns="0" rtlCol="0" anchor="ctr" anchorCtr="0">
-            <a:spAutoFit/>
-          </a:bodyPr>
-          <a:lstStyle/>
-          <a:p>
-            <a:pPr algn="r"/>
-            <a:r>
-              <a:rPr lang="en-US" altLang="zh-CN" sz="1050" spc="-6" dirty="0">
+        </p:grpSpPr>
+        <p:sp>
+          <p:nvSpPr>
+            <p:cNvPr id="25" name="Star: 4 Points 24">
+              <a:extLst>
+                <a:ext uri="{FF2B5EF4-FFF2-40B4-BE49-F238E27FC236}">
+                  <a16:creationId xmlns:a16="http://schemas.microsoft.com/office/drawing/2014/main" id="{28025BD7-ECEB-687F-B605-C9D4D1990D05}"/>
+                </a:ext>
+              </a:extLst>
+            </p:cNvPr>
+            <p:cNvSpPr/>
+            <p:nvPr/>
+          </p:nvSpPr>
+          <p:spPr>
+            <a:xfrm>
+              <a:off x="8023790" y="3461121"/>
+              <a:ext cx="183684" cy="189242"/>
+            </a:xfrm>
+            <a:prstGeom prst="star4">
+              <a:avLst>
+                <a:gd name="adj" fmla="val 14625"/>
+              </a:avLst>
+            </a:prstGeom>
+            <a:solidFill>
+              <a:srgbClr val="FF0000"/>
+            </a:solidFill>
+            <a:ln>
+              <a:solidFill>
+                <a:srgbClr val="FF0000"/>
+              </a:solidFill>
+            </a:ln>
+          </p:spPr>
+          <p:style>
+            <a:lnRef idx="2">
+              <a:schemeClr val="accent1">
+                <a:shade val="50000"/>
+              </a:schemeClr>
+            </a:lnRef>
+            <a:fillRef idx="1">
+              <a:schemeClr val="accent1"/>
+            </a:fillRef>
+            <a:effectRef idx="0">
+              <a:schemeClr val="accent1"/>
+            </a:effectRef>
+            <a:fontRef idx="minor">
+              <a:schemeClr val="lt1"/>
+            </a:fontRef>
+          </p:style>
+          <p:txBody>
+            <a:bodyPr rtlCol="0" anchor="ctr"/>
+            <a:lstStyle/>
+            <a:p>
+              <a:pPr algn="ctr"/>
+              <a:endParaRPr lang="zh-CN" altLang="en-US"/>
+            </a:p>
+          </p:txBody>
+        </p:sp>
+        <p:sp>
+          <p:nvSpPr>
+            <p:cNvPr id="26" name="OTLSHAPE_SLT_5b87359c2c954ae4906972a3b70de9e6_JoinedDate">
+              <a:extLst>
+                <a:ext uri="{FF2B5EF4-FFF2-40B4-BE49-F238E27FC236}">
+                  <a16:creationId xmlns:a16="http://schemas.microsoft.com/office/drawing/2014/main" id="{D7D5C0E7-E95A-3B01-36E9-51AABD4FD3C3}"/>
+                </a:ext>
+              </a:extLst>
+            </p:cNvPr>
+            <p:cNvSpPr txBox="1"/>
+            <p:nvPr>
+              <p:custDataLst>
+                <p:tags r:id="rId10"/>
+              </p:custDataLst>
+            </p:nvPr>
+          </p:nvSpPr>
+          <p:spPr>
+            <a:xfrm>
+              <a:off x="8366073" y="3459941"/>
+              <a:ext cx="994949" cy="161583"/>
+            </a:xfrm>
+            <a:prstGeom prst="rect">
+              <a:avLst/>
+            </a:prstGeom>
+            <a:noFill/>
+          </p:spPr>
+          <p:txBody>
+            <a:bodyPr vert="horz" wrap="square" lIns="0" tIns="0" rIns="0" bIns="0" rtlCol="0" anchor="ctr" anchorCtr="0">
+              <a:spAutoFit/>
+            </a:bodyPr>
+            <a:lstStyle/>
+            <a:p>
+              <a:pPr algn="r"/>
+              <a:r>
+                <a:rPr lang="en-US" altLang="zh-CN" sz="1050" spc="-6" dirty="0">
+                  <a:latin typeface="Tahoma" panose="020B0604030504040204" pitchFamily="34" charset="0"/>
+                  <a:ea typeface="Tahoma" panose="020B0604030504040204" pitchFamily="34" charset="0"/>
+                  <a:cs typeface="Tahoma" panose="020B0604030504040204" pitchFamily="34" charset="0"/>
+                </a:rPr>
+                <a:t>Mar 31 – Apr 4 </a:t>
+              </a:r>
+              <a:endParaRPr lang="zh-CN" altLang="en-US" sz="1050" spc="-6" dirty="0">
+                <a:latin typeface="Tahoma" panose="020B0604030504040204" pitchFamily="34" charset="0"/>
+                <a:cs typeface="Tahoma" panose="020B0604030504040204" pitchFamily="34" charset="0"/>
+              </a:endParaRPr>
+            </a:p>
+          </p:txBody>
+        </p:sp>
+        <p:sp>
+          <p:nvSpPr>
+            <p:cNvPr id="38" name="Rounded Rectangle 48">
+              <a:extLst>
+                <a:ext uri="{FF2B5EF4-FFF2-40B4-BE49-F238E27FC236}">
+                  <a16:creationId xmlns:a16="http://schemas.microsoft.com/office/drawing/2014/main" id="{CD5737A8-7E1F-B419-8B2D-2A2D571BE8E8}"/>
+                </a:ext>
+              </a:extLst>
+            </p:cNvPr>
+            <p:cNvSpPr/>
+            <p:nvPr/>
+          </p:nvSpPr>
+          <p:spPr>
+            <a:xfrm>
+              <a:off x="7204416" y="3453107"/>
+              <a:ext cx="717971" cy="190842"/>
+            </a:xfrm>
+            <a:prstGeom prst="roundRect">
+              <a:avLst>
+                <a:gd name="adj" fmla="val 48717"/>
+              </a:avLst>
+            </a:prstGeom>
+            <a:solidFill>
+              <a:schemeClr val="accent2">
+                <a:lumMod val="60000"/>
+                <a:lumOff val="40000"/>
+              </a:schemeClr>
+            </a:solidFill>
+            <a:ln>
+              <a:solidFill>
+                <a:schemeClr val="tx1"/>
+              </a:solidFill>
+            </a:ln>
+          </p:spPr>
+          <p:style>
+            <a:lnRef idx="0">
+              <a:scrgbClr r="0" g="0" b="0"/>
+            </a:lnRef>
+            <a:fillRef idx="0">
+              <a:scrgbClr r="0" g="0" b="0"/>
+            </a:fillRef>
+            <a:effectRef idx="0">
+              <a:scrgbClr r="0" g="0" b="0"/>
+            </a:effectRef>
+            <a:fontRef idx="minor">
+              <a:schemeClr val="lt1"/>
+            </a:fontRef>
+          </p:style>
+          <p:txBody>
+            <a:bodyPr lIns="18288" tIns="18288" rIns="18288" bIns="18288" anchor="ctr" anchorCtr="1"/>
+            <a:lstStyle/>
+            <a:p>
+              <a:pPr algn="ctr">
+                <a:lnSpc>
+                  <a:spcPct val="85000"/>
+                </a:lnSpc>
+                <a:spcBef>
+                  <a:spcPct val="20000"/>
+                </a:spcBef>
+              </a:pPr>
+              <a:endParaRPr lang="en-US" sz="1600" b="1" dirty="0">
                 <a:latin typeface="Tahoma" panose="020B0604030504040204" pitchFamily="34" charset="0"/>
                 <a:ea typeface="Tahoma" panose="020B0604030504040204" pitchFamily="34" charset="0"/>
                 <a:cs typeface="Tahoma" panose="020B0604030504040204" pitchFamily="34" charset="0"/>
-              </a:rPr>
-              <a:t>Mar 31 – Apr 4 </a:t>
-            </a:r>
-            <a:endParaRPr lang="zh-CN" altLang="en-US" sz="1050" spc="-6" dirty="0">
-              <a:latin typeface="Tahoma" panose="020B0604030504040204" pitchFamily="34" charset="0"/>
-              <a:cs typeface="Tahoma" panose="020B0604030504040204" pitchFamily="34" charset="0"/>
-            </a:endParaRPr>
-          </a:p>
-        </p:txBody>
-      </p:sp>
-      <p:sp>
-        <p:nvSpPr>
-          <p:cNvPr id="27" name="Rounded Rectangle 48">
-            <a:extLst>
-              <a:ext uri="{FF2B5EF4-FFF2-40B4-BE49-F238E27FC236}">
-                <a16:creationId xmlns:a16="http://schemas.microsoft.com/office/drawing/2014/main" id="{5241C950-FF83-065A-087D-B7D1D24E3DE1}"/>
-              </a:ext>
-            </a:extLst>
-          </p:cNvPr>
-          <p:cNvSpPr/>
-          <p:nvPr/>
-        </p:nvSpPr>
-        <p:spPr>
-          <a:xfrm>
-            <a:off x="7317974" y="3840929"/>
-            <a:ext cx="1676764" cy="190842"/>
-          </a:xfrm>
-          <a:prstGeom prst="roundRect">
-            <a:avLst>
-              <a:gd name="adj" fmla="val 48717"/>
-            </a:avLst>
-          </a:prstGeom>
-          <a:solidFill>
-            <a:schemeClr val="accent5">
-              <a:lumMod val="60000"/>
-              <a:lumOff val="40000"/>
-            </a:schemeClr>
-          </a:solidFill>
-          <a:ln>
-            <a:solidFill>
-              <a:schemeClr val="tx1"/>
-            </a:solidFill>
-          </a:ln>
-        </p:spPr>
-        <p:style>
-          <a:lnRef idx="0">
-            <a:scrgbClr r="0" g="0" b="0"/>
-          </a:lnRef>
-          <a:fillRef idx="0">
-            <a:scrgbClr r="0" g="0" b="0"/>
-          </a:fillRef>
-          <a:effectRef idx="0">
-            <a:scrgbClr r="0" g="0" b="0"/>
-          </a:effectRef>
-          <a:fontRef idx="minor">
-            <a:schemeClr val="lt1"/>
-          </a:fontRef>
-        </p:style>
-        <p:txBody>
-          <a:bodyPr lIns="18288" tIns="18288" rIns="18288" bIns="18288" anchor="ctr" anchorCtr="1"/>
-          <a:lstStyle/>
-          <a:p>
-            <a:pPr algn="ctr">
-              <a:lnSpc>
-                <a:spcPct val="85000"/>
-              </a:lnSpc>
-              <a:spcBef>
-                <a:spcPct val="20000"/>
-              </a:spcBef>
-            </a:pPr>
-            <a:endParaRPr lang="en-US" sz="1600" b="1" dirty="0">
-              <a:latin typeface="Tahoma" panose="020B0604030504040204" pitchFamily="34" charset="0"/>
-              <a:ea typeface="Tahoma" panose="020B0604030504040204" pitchFamily="34" charset="0"/>
-              <a:cs typeface="Tahoma" panose="020B0604030504040204" pitchFamily="34" charset="0"/>
-            </a:endParaRPr>
-          </a:p>
-        </p:txBody>
-      </p:sp>
-      <p:sp>
-        <p:nvSpPr>
-          <p:cNvPr id="28" name="OTLSHAPE_SLT_5b87359c2c954ae4906972a3b70de9e6_JoinedDate">
-            <a:extLst>
-              <a:ext uri="{FF2B5EF4-FFF2-40B4-BE49-F238E27FC236}">
-                <a16:creationId xmlns:a16="http://schemas.microsoft.com/office/drawing/2014/main" id="{2F9F722C-C0DB-3AB3-AD9B-77FEF2A00BB2}"/>
-              </a:ext>
-            </a:extLst>
-          </p:cNvPr>
-          <p:cNvSpPr txBox="1"/>
-          <p:nvPr>
-            <p:custDataLst>
-              <p:tags r:id="rId8"/>
-            </p:custDataLst>
-          </p:nvPr>
-        </p:nvSpPr>
-        <p:spPr>
-          <a:xfrm>
-            <a:off x="8994738" y="3834622"/>
-            <a:ext cx="1057437" cy="161583"/>
-          </a:xfrm>
-          <a:prstGeom prst="rect">
-            <a:avLst/>
-          </a:prstGeom>
-          <a:noFill/>
-        </p:spPr>
-        <p:txBody>
-          <a:bodyPr vert="horz" wrap="square" lIns="0" tIns="0" rIns="0" bIns="0" rtlCol="0" anchor="ctr" anchorCtr="0">
-            <a:spAutoFit/>
-          </a:bodyPr>
-          <a:lstStyle/>
-          <a:p>
-            <a:pPr algn="r"/>
-            <a:r>
-              <a:rPr lang="en-US" altLang="zh-CN" sz="1050" spc="-6" dirty="0">
-                <a:latin typeface="Tahoma" panose="020B0604030504040204" pitchFamily="34" charset="0"/>
-                <a:ea typeface="Tahoma" panose="020B0604030504040204" pitchFamily="34" charset="0"/>
-                <a:cs typeface="Tahoma" panose="020B0604030504040204" pitchFamily="34" charset="0"/>
-              </a:rPr>
-              <a:t>Apr 1 – Apr 15</a:t>
-            </a:r>
-            <a:endParaRPr lang="zh-CN" altLang="en-US" sz="1050" spc="-6" dirty="0">
-              <a:latin typeface="Tahoma" panose="020B0604030504040204" pitchFamily="34" charset="0"/>
-              <a:cs typeface="Tahoma" panose="020B0604030504040204" pitchFamily="34" charset="0"/>
-            </a:endParaRPr>
-          </a:p>
-        </p:txBody>
-      </p:sp>
-      <p:sp>
-        <p:nvSpPr>
-          <p:cNvPr id="29" name="Rounded Rectangle 48">
-            <a:extLst>
-              <a:ext uri="{FF2B5EF4-FFF2-40B4-BE49-F238E27FC236}">
-                <a16:creationId xmlns:a16="http://schemas.microsoft.com/office/drawing/2014/main" id="{A8CA9680-8ED6-EA60-BD43-5491876377A4}"/>
-              </a:ext>
-            </a:extLst>
-          </p:cNvPr>
-          <p:cNvSpPr/>
-          <p:nvPr/>
-        </p:nvSpPr>
-        <p:spPr>
-          <a:xfrm>
-            <a:off x="8706707" y="4200508"/>
-            <a:ext cx="504056" cy="190842"/>
-          </a:xfrm>
-          <a:prstGeom prst="roundRect">
-            <a:avLst>
-              <a:gd name="adj" fmla="val 48717"/>
-            </a:avLst>
-          </a:prstGeom>
-          <a:solidFill>
-            <a:schemeClr val="accent5">
-              <a:lumMod val="60000"/>
-              <a:lumOff val="40000"/>
-            </a:schemeClr>
-          </a:solidFill>
-          <a:ln>
-            <a:solidFill>
-              <a:schemeClr val="tx1"/>
-            </a:solidFill>
-          </a:ln>
-        </p:spPr>
-        <p:style>
-          <a:lnRef idx="0">
-            <a:scrgbClr r="0" g="0" b="0"/>
-          </a:lnRef>
-          <a:fillRef idx="0">
-            <a:scrgbClr r="0" g="0" b="0"/>
-          </a:fillRef>
-          <a:effectRef idx="0">
-            <a:scrgbClr r="0" g="0" b="0"/>
-          </a:effectRef>
-          <a:fontRef idx="minor">
-            <a:schemeClr val="lt1"/>
-          </a:fontRef>
-        </p:style>
-        <p:txBody>
-          <a:bodyPr lIns="18288" tIns="18288" rIns="18288" bIns="18288" anchor="ctr" anchorCtr="1"/>
-          <a:lstStyle/>
-          <a:p>
-            <a:pPr algn="ctr">
-              <a:lnSpc>
-                <a:spcPct val="85000"/>
-              </a:lnSpc>
-              <a:spcBef>
-                <a:spcPct val="20000"/>
-              </a:spcBef>
-            </a:pPr>
-            <a:endParaRPr lang="en-US" sz="1600" b="1" dirty="0">
-              <a:latin typeface="Tahoma" panose="020B0604030504040204" pitchFamily="34" charset="0"/>
-              <a:ea typeface="Tahoma" panose="020B0604030504040204" pitchFamily="34" charset="0"/>
-              <a:cs typeface="Tahoma" panose="020B0604030504040204" pitchFamily="34" charset="0"/>
-            </a:endParaRPr>
-          </a:p>
-        </p:txBody>
-      </p:sp>
-      <p:sp>
-        <p:nvSpPr>
-          <p:cNvPr id="30" name="OTLSHAPE_SLT_5b87359c2c954ae4906972a3b70de9e6_JoinedDate">
-            <a:extLst>
-              <a:ext uri="{FF2B5EF4-FFF2-40B4-BE49-F238E27FC236}">
-                <a16:creationId xmlns:a16="http://schemas.microsoft.com/office/drawing/2014/main" id="{999B27BA-EC60-E1A2-DBE6-DF3F3A1502FD}"/>
-              </a:ext>
-            </a:extLst>
-          </p:cNvPr>
-          <p:cNvSpPr txBox="1"/>
-          <p:nvPr>
-            <p:custDataLst>
-              <p:tags r:id="rId9"/>
-            </p:custDataLst>
-          </p:nvPr>
-        </p:nvSpPr>
-        <p:spPr>
-          <a:xfrm>
-            <a:off x="9210763" y="4200508"/>
-            <a:ext cx="1282981" cy="161583"/>
-          </a:xfrm>
-          <a:prstGeom prst="rect">
-            <a:avLst/>
-          </a:prstGeom>
-          <a:noFill/>
-        </p:spPr>
-        <p:txBody>
-          <a:bodyPr vert="horz" wrap="square" lIns="0" tIns="0" rIns="0" bIns="0" rtlCol="0" anchor="ctr" anchorCtr="0">
-            <a:spAutoFit/>
-          </a:bodyPr>
-          <a:lstStyle/>
-          <a:p>
-            <a:pPr algn="r"/>
-            <a:r>
-              <a:rPr lang="en-US" altLang="zh-CN" sz="1050" spc="-6" dirty="0">
-                <a:latin typeface="Tahoma" panose="020B0604030504040204" pitchFamily="34" charset="0"/>
-                <a:ea typeface="Tahoma" panose="020B0604030504040204" pitchFamily="34" charset="0"/>
-                <a:cs typeface="Tahoma" panose="020B0604030504040204" pitchFamily="34" charset="0"/>
-              </a:rPr>
-              <a:t>Apr 13 – Apr 17</a:t>
-            </a:r>
-            <a:endParaRPr lang="zh-CN" altLang="en-US" sz="1050" spc="-6" dirty="0">
-              <a:latin typeface="Tahoma" panose="020B0604030504040204" pitchFamily="34" charset="0"/>
-              <a:cs typeface="Tahoma" panose="020B0604030504040204" pitchFamily="34" charset="0"/>
-            </a:endParaRPr>
-          </a:p>
-        </p:txBody>
-      </p:sp>
-      <p:sp>
-        <p:nvSpPr>
-          <p:cNvPr id="31" name="Rounded Rectangle 48">
-            <a:extLst>
-              <a:ext uri="{FF2B5EF4-FFF2-40B4-BE49-F238E27FC236}">
-                <a16:creationId xmlns:a16="http://schemas.microsoft.com/office/drawing/2014/main" id="{F75872B3-53C9-71CF-141F-042C4AD1533E}"/>
-              </a:ext>
-            </a:extLst>
-          </p:cNvPr>
-          <p:cNvSpPr/>
-          <p:nvPr/>
-        </p:nvSpPr>
-        <p:spPr>
-          <a:xfrm>
-            <a:off x="9010946" y="4560087"/>
-            <a:ext cx="648071" cy="190842"/>
-          </a:xfrm>
-          <a:prstGeom prst="roundRect">
-            <a:avLst>
-              <a:gd name="adj" fmla="val 48717"/>
-            </a:avLst>
-          </a:prstGeom>
-          <a:solidFill>
-            <a:schemeClr val="accent5">
-              <a:lumMod val="60000"/>
-              <a:lumOff val="40000"/>
-            </a:schemeClr>
-          </a:solidFill>
-          <a:ln>
-            <a:solidFill>
-              <a:schemeClr val="tx1"/>
-            </a:solidFill>
-          </a:ln>
-        </p:spPr>
-        <p:style>
-          <a:lnRef idx="0">
-            <a:scrgbClr r="0" g="0" b="0"/>
-          </a:lnRef>
-          <a:fillRef idx="0">
-            <a:scrgbClr r="0" g="0" b="0"/>
-          </a:fillRef>
-          <a:effectRef idx="0">
-            <a:scrgbClr r="0" g="0" b="0"/>
-          </a:effectRef>
-          <a:fontRef idx="minor">
-            <a:schemeClr val="lt1"/>
-          </a:fontRef>
-        </p:style>
-        <p:txBody>
-          <a:bodyPr lIns="18288" tIns="18288" rIns="18288" bIns="18288" anchor="ctr" anchorCtr="1"/>
-          <a:lstStyle/>
-          <a:p>
-            <a:pPr algn="ctr">
-              <a:lnSpc>
-                <a:spcPct val="85000"/>
-              </a:lnSpc>
-              <a:spcBef>
-                <a:spcPct val="20000"/>
-              </a:spcBef>
-            </a:pPr>
-            <a:endParaRPr lang="en-US" sz="1600" b="1" dirty="0">
-              <a:latin typeface="Tahoma" panose="020B0604030504040204" pitchFamily="34" charset="0"/>
-              <a:ea typeface="Tahoma" panose="020B0604030504040204" pitchFamily="34" charset="0"/>
-              <a:cs typeface="Tahoma" panose="020B0604030504040204" pitchFamily="34" charset="0"/>
-            </a:endParaRPr>
-          </a:p>
-        </p:txBody>
-      </p:sp>
-      <p:sp>
-        <p:nvSpPr>
-          <p:cNvPr id="32" name="OTLSHAPE_SLT_5b87359c2c954ae4906972a3b70de9e6_JoinedDate">
-            <a:extLst>
-              <a:ext uri="{FF2B5EF4-FFF2-40B4-BE49-F238E27FC236}">
-                <a16:creationId xmlns:a16="http://schemas.microsoft.com/office/drawing/2014/main" id="{22BA6371-C6E0-7E49-E00E-1537BC266F6E}"/>
-              </a:ext>
-            </a:extLst>
-          </p:cNvPr>
-          <p:cNvSpPr txBox="1"/>
-          <p:nvPr>
-            <p:custDataLst>
-              <p:tags r:id="rId10"/>
-            </p:custDataLst>
-          </p:nvPr>
-        </p:nvSpPr>
-        <p:spPr>
-          <a:xfrm>
-            <a:off x="10022208" y="4574716"/>
-            <a:ext cx="1036845" cy="161583"/>
-          </a:xfrm>
-          <a:prstGeom prst="rect">
-            <a:avLst/>
-          </a:prstGeom>
-          <a:noFill/>
-        </p:spPr>
-        <p:txBody>
-          <a:bodyPr vert="horz" wrap="square" lIns="0" tIns="0" rIns="0" bIns="0" rtlCol="0" anchor="ctr" anchorCtr="0">
-            <a:spAutoFit/>
-          </a:bodyPr>
-          <a:lstStyle/>
-          <a:p>
-            <a:pPr algn="r"/>
-            <a:r>
-              <a:rPr lang="en-US" altLang="zh-CN" sz="1050" spc="-6" dirty="0">
-                <a:latin typeface="Tahoma" panose="020B0604030504040204" pitchFamily="34" charset="0"/>
-                <a:ea typeface="Tahoma" panose="020B0604030504040204" pitchFamily="34" charset="0"/>
-                <a:cs typeface="Tahoma" panose="020B0604030504040204" pitchFamily="34" charset="0"/>
-              </a:rPr>
-              <a:t>Apr 18 – Apr 25</a:t>
-            </a:r>
-            <a:endParaRPr lang="zh-CN" altLang="en-US" sz="1050" spc="-6" dirty="0">
-              <a:latin typeface="Tahoma" panose="020B0604030504040204" pitchFamily="34" charset="0"/>
-              <a:cs typeface="Tahoma" panose="020B0604030504040204" pitchFamily="34" charset="0"/>
-            </a:endParaRPr>
-          </a:p>
-        </p:txBody>
-      </p:sp>
-      <p:sp>
-        <p:nvSpPr>
-          <p:cNvPr id="33" name="Star: 4 Points 32">
-            <a:extLst>
-              <a:ext uri="{FF2B5EF4-FFF2-40B4-BE49-F238E27FC236}">
-                <a16:creationId xmlns:a16="http://schemas.microsoft.com/office/drawing/2014/main" id="{2A4EF71C-8DC9-B38E-C984-7A0325164A73}"/>
-              </a:ext>
-            </a:extLst>
-          </p:cNvPr>
-          <p:cNvSpPr/>
-          <p:nvPr/>
-        </p:nvSpPr>
-        <p:spPr>
-          <a:xfrm>
-            <a:off x="9762699" y="4559607"/>
-            <a:ext cx="183684" cy="189242"/>
-          </a:xfrm>
-          <a:prstGeom prst="star4">
-            <a:avLst>
-              <a:gd name="adj" fmla="val 14625"/>
-            </a:avLst>
-          </a:prstGeom>
-          <a:solidFill>
-            <a:srgbClr val="FF0000"/>
-          </a:solidFill>
-          <a:ln>
-            <a:solidFill>
-              <a:srgbClr val="FF0000"/>
-            </a:solidFill>
-          </a:ln>
-        </p:spPr>
-        <p:style>
-          <a:lnRef idx="2">
-            <a:schemeClr val="accent1">
-              <a:shade val="50000"/>
-            </a:schemeClr>
-          </a:lnRef>
-          <a:fillRef idx="1">
-            <a:schemeClr val="accent1"/>
-          </a:fillRef>
-          <a:effectRef idx="0">
-            <a:schemeClr val="accent1"/>
-          </a:effectRef>
-          <a:fontRef idx="minor">
-            <a:schemeClr val="lt1"/>
-          </a:fontRef>
-        </p:style>
-        <p:txBody>
-          <a:bodyPr rtlCol="0" anchor="ctr"/>
-          <a:lstStyle/>
-          <a:p>
-            <a:pPr algn="ctr"/>
-            <a:endParaRPr lang="zh-CN" altLang="en-US"/>
-          </a:p>
-        </p:txBody>
-      </p:sp>
-      <p:sp>
-        <p:nvSpPr>
-          <p:cNvPr id="35" name="Rounded Rectangle 48">
-            <a:extLst>
-              <a:ext uri="{FF2B5EF4-FFF2-40B4-BE49-F238E27FC236}">
-                <a16:creationId xmlns:a16="http://schemas.microsoft.com/office/drawing/2014/main" id="{91F15228-3583-0718-0902-0B1FD28AB152}"/>
-              </a:ext>
-            </a:extLst>
-          </p:cNvPr>
-          <p:cNvSpPr/>
-          <p:nvPr/>
-        </p:nvSpPr>
-        <p:spPr>
-          <a:xfrm>
-            <a:off x="9570802" y="4975607"/>
-            <a:ext cx="1676764" cy="190842"/>
-          </a:xfrm>
-          <a:prstGeom prst="roundRect">
-            <a:avLst>
-              <a:gd name="adj" fmla="val 48717"/>
-            </a:avLst>
-          </a:prstGeom>
-          <a:solidFill>
-            <a:schemeClr val="accent6">
-              <a:lumMod val="60000"/>
-              <a:lumOff val="40000"/>
-            </a:schemeClr>
-          </a:solidFill>
-          <a:ln>
-            <a:solidFill>
-              <a:schemeClr val="tx1"/>
-            </a:solidFill>
-          </a:ln>
-        </p:spPr>
-        <p:style>
-          <a:lnRef idx="0">
-            <a:scrgbClr r="0" g="0" b="0"/>
-          </a:lnRef>
-          <a:fillRef idx="0">
-            <a:scrgbClr r="0" g="0" b="0"/>
-          </a:fillRef>
-          <a:effectRef idx="0">
-            <a:scrgbClr r="0" g="0" b="0"/>
-          </a:effectRef>
-          <a:fontRef idx="minor">
-            <a:schemeClr val="lt1"/>
-          </a:fontRef>
-        </p:style>
-        <p:txBody>
-          <a:bodyPr lIns="18288" tIns="18288" rIns="18288" bIns="18288" anchor="ctr" anchorCtr="1"/>
-          <a:lstStyle/>
-          <a:p>
-            <a:pPr algn="ctr">
-              <a:lnSpc>
-                <a:spcPct val="85000"/>
-              </a:lnSpc>
-              <a:spcBef>
-                <a:spcPct val="20000"/>
-              </a:spcBef>
-            </a:pPr>
-            <a:endParaRPr lang="en-US" sz="1600" b="1" dirty="0">
-              <a:latin typeface="Tahoma" panose="020B0604030504040204" pitchFamily="34" charset="0"/>
-              <a:ea typeface="Tahoma" panose="020B0604030504040204" pitchFamily="34" charset="0"/>
-              <a:cs typeface="Tahoma" panose="020B0604030504040204" pitchFamily="34" charset="0"/>
-            </a:endParaRPr>
-          </a:p>
-        </p:txBody>
-      </p:sp>
-      <p:sp>
-        <p:nvSpPr>
-          <p:cNvPr id="38" name="Rounded Rectangle 48">
-            <a:extLst>
-              <a:ext uri="{FF2B5EF4-FFF2-40B4-BE49-F238E27FC236}">
-                <a16:creationId xmlns:a16="http://schemas.microsoft.com/office/drawing/2014/main" id="{CD5737A8-7E1F-B419-8B2D-2A2D571BE8E8}"/>
-              </a:ext>
-            </a:extLst>
-          </p:cNvPr>
-          <p:cNvSpPr/>
-          <p:nvPr/>
-        </p:nvSpPr>
-        <p:spPr>
-          <a:xfrm>
-            <a:off x="7204416" y="3453107"/>
-            <a:ext cx="717971" cy="190842"/>
-          </a:xfrm>
-          <a:prstGeom prst="roundRect">
-            <a:avLst>
-              <a:gd name="adj" fmla="val 48717"/>
-            </a:avLst>
-          </a:prstGeom>
-          <a:solidFill>
-            <a:schemeClr val="accent2">
-              <a:lumMod val="60000"/>
-              <a:lumOff val="40000"/>
-            </a:schemeClr>
-          </a:solidFill>
-          <a:ln>
-            <a:solidFill>
-              <a:schemeClr val="tx1"/>
-            </a:solidFill>
-          </a:ln>
-        </p:spPr>
-        <p:style>
-          <a:lnRef idx="0">
-            <a:scrgbClr r="0" g="0" b="0"/>
-          </a:lnRef>
-          <a:fillRef idx="0">
-            <a:scrgbClr r="0" g="0" b="0"/>
-          </a:fillRef>
-          <a:effectRef idx="0">
-            <a:scrgbClr r="0" g="0" b="0"/>
-          </a:effectRef>
-          <a:fontRef idx="minor">
-            <a:schemeClr val="lt1"/>
-          </a:fontRef>
-        </p:style>
-        <p:txBody>
-          <a:bodyPr lIns="18288" tIns="18288" rIns="18288" bIns="18288" anchor="ctr" anchorCtr="1"/>
-          <a:lstStyle/>
-          <a:p>
-            <a:pPr algn="ctr">
-              <a:lnSpc>
-                <a:spcPct val="85000"/>
-              </a:lnSpc>
-              <a:spcBef>
-                <a:spcPct val="20000"/>
-              </a:spcBef>
-            </a:pPr>
-            <a:endParaRPr lang="en-US" sz="1600" b="1" dirty="0">
-              <a:latin typeface="Tahoma" panose="020B0604030504040204" pitchFamily="34" charset="0"/>
-              <a:ea typeface="Tahoma" panose="020B0604030504040204" pitchFamily="34" charset="0"/>
-              <a:cs typeface="Tahoma" panose="020B0604030504040204" pitchFamily="34" charset="0"/>
-            </a:endParaRPr>
-          </a:p>
-        </p:txBody>
-      </p:sp>
+              </a:endParaRPr>
+            </a:p>
+          </p:txBody>
+        </p:sp>
+      </p:grpSp>
       <p:sp>
         <p:nvSpPr>
           <p:cNvPr id="40" name="Rounded Rectangle 48">
@@ -23226,7 +24916,7 @@
           <p:cNvSpPr txBox="1"/>
           <p:nvPr>
             <p:custDataLst>
-              <p:tags r:id="rId11"/>
+              <p:tags r:id="rId7"/>
             </p:custDataLst>
           </p:nvPr>
         </p:nvSpPr>
@@ -23262,26 +24952,231 @@
           </a:p>
         </p:txBody>
       </p:sp>
+      <p:grpSp>
+        <p:nvGrpSpPr>
+          <p:cNvPr id="60" name="Group 59">
+            <a:extLst>
+              <a:ext uri="{FF2B5EF4-FFF2-40B4-BE49-F238E27FC236}">
+                <a16:creationId xmlns:a16="http://schemas.microsoft.com/office/drawing/2014/main" id="{FE3B5BB1-BCD4-7F7B-4876-2376B8370A3B}"/>
+              </a:ext>
+            </a:extLst>
+          </p:cNvPr>
+          <p:cNvGrpSpPr/>
+          <p:nvPr/>
+        </p:nvGrpSpPr>
+        <p:grpSpPr>
+          <a:xfrm>
+            <a:off x="9599322" y="5393500"/>
+            <a:ext cx="1676764" cy="190842"/>
+            <a:chOff x="9570802" y="4975607"/>
+            <a:chExt cx="1676764" cy="190842"/>
+          </a:xfrm>
+        </p:grpSpPr>
+        <p:sp>
+          <p:nvSpPr>
+            <p:cNvPr id="35" name="Rounded Rectangle 48">
+              <a:extLst>
+                <a:ext uri="{FF2B5EF4-FFF2-40B4-BE49-F238E27FC236}">
+                  <a16:creationId xmlns:a16="http://schemas.microsoft.com/office/drawing/2014/main" id="{91F15228-3583-0718-0902-0B1FD28AB152}"/>
+                </a:ext>
+              </a:extLst>
+            </p:cNvPr>
+            <p:cNvSpPr/>
+            <p:nvPr/>
+          </p:nvSpPr>
+          <p:spPr>
+            <a:xfrm>
+              <a:off x="9570802" y="4975607"/>
+              <a:ext cx="1676764" cy="190842"/>
+            </a:xfrm>
+            <a:prstGeom prst="roundRect">
+              <a:avLst>
+                <a:gd name="adj" fmla="val 48717"/>
+              </a:avLst>
+            </a:prstGeom>
+            <a:solidFill>
+              <a:schemeClr val="accent6">
+                <a:lumMod val="60000"/>
+                <a:lumOff val="40000"/>
+              </a:schemeClr>
+            </a:solidFill>
+            <a:ln>
+              <a:solidFill>
+                <a:schemeClr val="tx1"/>
+              </a:solidFill>
+            </a:ln>
+          </p:spPr>
+          <p:style>
+            <a:lnRef idx="0">
+              <a:scrgbClr r="0" g="0" b="0"/>
+            </a:lnRef>
+            <a:fillRef idx="0">
+              <a:scrgbClr r="0" g="0" b="0"/>
+            </a:fillRef>
+            <a:effectRef idx="0">
+              <a:scrgbClr r="0" g="0" b="0"/>
+            </a:effectRef>
+            <a:fontRef idx="minor">
+              <a:schemeClr val="lt1"/>
+            </a:fontRef>
+          </p:style>
+          <p:txBody>
+            <a:bodyPr lIns="18288" tIns="18288" rIns="18288" bIns="18288" anchor="ctr" anchorCtr="1"/>
+            <a:lstStyle/>
+            <a:p>
+              <a:pPr algn="ctr">
+                <a:lnSpc>
+                  <a:spcPct val="85000"/>
+                </a:lnSpc>
+                <a:spcBef>
+                  <a:spcPct val="20000"/>
+                </a:spcBef>
+              </a:pPr>
+              <a:endParaRPr lang="en-US" sz="1600" b="1" dirty="0">
+                <a:latin typeface="Tahoma" panose="020B0604030504040204" pitchFamily="34" charset="0"/>
+                <a:ea typeface="Tahoma" panose="020B0604030504040204" pitchFamily="34" charset="0"/>
+                <a:cs typeface="Tahoma" panose="020B0604030504040204" pitchFamily="34" charset="0"/>
+              </a:endParaRPr>
+            </a:p>
+          </p:txBody>
+        </p:sp>
+        <p:sp>
+          <p:nvSpPr>
+            <p:cNvPr id="45" name="OTLSHAPE_SLT_5b87359c2c954ae4906972a3b70de9e6_JoinedDate">
+              <a:extLst>
+                <a:ext uri="{FF2B5EF4-FFF2-40B4-BE49-F238E27FC236}">
+                  <a16:creationId xmlns:a16="http://schemas.microsoft.com/office/drawing/2014/main" id="{481E9D13-9193-ABCA-1B46-94D0C2735E04}"/>
+                </a:ext>
+              </a:extLst>
+            </p:cNvPr>
+            <p:cNvSpPr txBox="1"/>
+            <p:nvPr>
+              <p:custDataLst>
+                <p:tags r:id="rId9"/>
+              </p:custDataLst>
+            </p:nvPr>
+          </p:nvSpPr>
+          <p:spPr>
+            <a:xfrm>
+              <a:off x="9852253" y="4975607"/>
+              <a:ext cx="1036845" cy="161583"/>
+            </a:xfrm>
+            <a:prstGeom prst="rect">
+              <a:avLst/>
+            </a:prstGeom>
+            <a:noFill/>
+          </p:spPr>
+          <p:txBody>
+            <a:bodyPr vert="horz" wrap="square" lIns="0" tIns="0" rIns="0" bIns="0" rtlCol="0" anchor="ctr" anchorCtr="0">
+              <a:spAutoFit/>
+            </a:bodyPr>
+            <a:lstStyle/>
+            <a:p>
+              <a:pPr algn="r"/>
+              <a:r>
+                <a:rPr lang="en-US" altLang="zh-CN" sz="1050" spc="-6" dirty="0">
+                  <a:latin typeface="Tahoma" panose="020B0604030504040204" pitchFamily="34" charset="0"/>
+                  <a:ea typeface="Tahoma" panose="020B0604030504040204" pitchFamily="34" charset="0"/>
+                  <a:cs typeface="Tahoma" panose="020B0604030504040204" pitchFamily="34" charset="0"/>
+                </a:rPr>
+                <a:t>Apr 25 – May 15</a:t>
+              </a:r>
+              <a:endParaRPr lang="zh-CN" altLang="en-US" sz="1050" spc="-6" dirty="0">
+                <a:latin typeface="Tahoma" panose="020B0604030504040204" pitchFamily="34" charset="0"/>
+                <a:cs typeface="Tahoma" panose="020B0604030504040204" pitchFamily="34" charset="0"/>
+              </a:endParaRPr>
+            </a:p>
+          </p:txBody>
+        </p:sp>
+      </p:grpSp>
       <p:sp>
         <p:nvSpPr>
-          <p:cNvPr id="45" name="OTLSHAPE_SLT_5b87359c2c954ae4906972a3b70de9e6_JoinedDate">
+          <p:cNvPr id="65" name="Rounded Rectangle 48">
             <a:extLst>
               <a:ext uri="{FF2B5EF4-FFF2-40B4-BE49-F238E27FC236}">
-                <a16:creationId xmlns:a16="http://schemas.microsoft.com/office/drawing/2014/main" id="{481E9D13-9193-ABCA-1B46-94D0C2735E04}"/>
+                <a16:creationId xmlns:a16="http://schemas.microsoft.com/office/drawing/2014/main" id="{0213E8FD-4C98-5B2D-8E83-3D183AE9E249}"/>
+              </a:ext>
+            </a:extLst>
+          </p:cNvPr>
+          <p:cNvSpPr/>
+          <p:nvPr/>
+        </p:nvSpPr>
+        <p:spPr>
+          <a:xfrm>
+            <a:off x="6974683" y="3480388"/>
+            <a:ext cx="258253" cy="190842"/>
+          </a:xfrm>
+          <a:prstGeom prst="roundRect">
+            <a:avLst>
+              <a:gd name="adj" fmla="val 48717"/>
+            </a:avLst>
+          </a:prstGeom>
+          <a:solidFill>
+            <a:schemeClr val="accent2">
+              <a:lumMod val="60000"/>
+              <a:lumOff val="40000"/>
+            </a:schemeClr>
+          </a:solidFill>
+          <a:ln>
+            <a:solidFill>
+              <a:schemeClr val="tx1"/>
+            </a:solidFill>
+          </a:ln>
+        </p:spPr>
+        <p:style>
+          <a:lnRef idx="0">
+            <a:scrgbClr r="0" g="0" b="0"/>
+          </a:lnRef>
+          <a:fillRef idx="0">
+            <a:scrgbClr r="0" g="0" b="0"/>
+          </a:fillRef>
+          <a:effectRef idx="0">
+            <a:scrgbClr r="0" g="0" b="0"/>
+          </a:effectRef>
+          <a:fontRef idx="minor">
+            <a:schemeClr val="lt1"/>
+          </a:fontRef>
+        </p:style>
+        <p:txBody>
+          <a:bodyPr lIns="18288" tIns="18288" rIns="18288" bIns="18288" anchor="ctr" anchorCtr="1"/>
+          <a:lstStyle/>
+          <a:p>
+            <a:pPr algn="ctr">
+              <a:lnSpc>
+                <a:spcPct val="85000"/>
+              </a:lnSpc>
+              <a:spcBef>
+                <a:spcPct val="20000"/>
+              </a:spcBef>
+            </a:pPr>
+            <a:endParaRPr lang="en-US" sz="1600" b="1" dirty="0">
+              <a:latin typeface="Tahoma" panose="020B0604030504040204" pitchFamily="34" charset="0"/>
+              <a:ea typeface="Tahoma" panose="020B0604030504040204" pitchFamily="34" charset="0"/>
+              <a:cs typeface="Tahoma" panose="020B0604030504040204" pitchFamily="34" charset="0"/>
+            </a:endParaRPr>
+          </a:p>
+        </p:txBody>
+      </p:sp>
+      <p:sp>
+        <p:nvSpPr>
+          <p:cNvPr id="66" name="OTLSHAPE_SLT_5b87359c2c954ae4906972a3b70de9e6_JoinedDate">
+            <a:extLst>
+              <a:ext uri="{FF2B5EF4-FFF2-40B4-BE49-F238E27FC236}">
+                <a16:creationId xmlns:a16="http://schemas.microsoft.com/office/drawing/2014/main" id="{897F13D1-7572-D651-5FB1-7342C72BB912}"/>
               </a:ext>
             </a:extLst>
           </p:cNvPr>
           <p:cNvSpPr txBox="1"/>
           <p:nvPr>
             <p:custDataLst>
-              <p:tags r:id="rId12"/>
+              <p:tags r:id="rId8"/>
             </p:custDataLst>
           </p:nvPr>
         </p:nvSpPr>
         <p:spPr>
           <a:xfrm>
-            <a:off x="9852253" y="4975607"/>
-            <a:ext cx="1036845" cy="161583"/>
+            <a:off x="7410819" y="3495017"/>
+            <a:ext cx="1282981" cy="161583"/>
           </a:xfrm>
           <a:prstGeom prst="rect">
             <a:avLst/>
@@ -23301,7 +25196,7 @@
                 <a:ea typeface="Tahoma" panose="020B0604030504040204" pitchFamily="34" charset="0"/>
                 <a:cs typeface="Tahoma" panose="020B0604030504040204" pitchFamily="34" charset="0"/>
               </a:rPr>
-              <a:t>Apr 25 – May 15</a:t>
+              <a:t>Mar 27 – Mar 30</a:t>
             </a:r>
             <a:endParaRPr lang="zh-CN" altLang="en-US" sz="1050" spc="-6" dirty="0">
               <a:latin typeface="Tahoma" panose="020B0604030504040204" pitchFamily="34" charset="0"/>
@@ -24144,6 +26039,12 @@
 </file>
 
 <file path=ppt/tags/tag12.xml><?xml version="1.0" encoding="utf-8"?>
+<p:tagLst xmlns:a="http://schemas.openxmlformats.org/drawingml/2006/main" xmlns:r="http://schemas.openxmlformats.org/officeDocument/2006/relationships" xmlns:p="http://schemas.openxmlformats.org/presentationml/2006/main">
+  <p:tag name="OTLMARKERSHAPE" val="OTL"/>
+</p:tagLst>
+</file>
+
+<file path=ppt/tags/tag13.xml><?xml version="1.0" encoding="utf-8"?>
 <p:tagLst xmlns:a="http://schemas.openxmlformats.org/drawingml/2006/main" xmlns:r="http://schemas.openxmlformats.org/officeDocument/2006/relationships" xmlns:p="http://schemas.openxmlformats.org/presentationml/2006/main">
   <p:tag name="OTLMARKERSHAPE" val="OTL"/>
 </p:tagLst>

--- a/Docs/timeline.pptx
+++ b/Docs/timeline.pptx
@@ -145,17 +145,49 @@
 <pc:chgInfo xmlns:a="http://schemas.openxmlformats.org/drawingml/2006/main" xmlns:r="http://schemas.openxmlformats.org/officeDocument/2006/relationships" xmlns:ac="http://schemas.microsoft.com/office/drawing/2013/main/command" xmlns:pc="http://schemas.microsoft.com/office/powerpoint/2013/main/command">
   <pc:docChgLst>
     <pc:chgData name="张 嘉铭" userId="3511580ec5cbb87e" providerId="LiveId" clId="{12EB5F59-6BAF-4F09-B6E4-8D5D7D126F55}"/>
-    <pc:docChg chg="modSld">
-      <pc:chgData name="张 嘉铭" userId="3511580ec5cbb87e" providerId="LiveId" clId="{12EB5F59-6BAF-4F09-B6E4-8D5D7D126F55}" dt="2023-02-21T03:24:03.960" v="23" actId="1076"/>
+    <pc:docChg chg="custSel modSld">
+      <pc:chgData name="张 嘉铭" userId="3511580ec5cbb87e" providerId="LiveId" clId="{12EB5F59-6BAF-4F09-B6E4-8D5D7D126F55}" dt="2023-02-21T04:49:20.801" v="37" actId="1076"/>
       <pc:docMkLst>
         <pc:docMk/>
       </pc:docMkLst>
-      <pc:sldChg chg="addSp modSp mod">
-        <pc:chgData name="张 嘉铭" userId="3511580ec5cbb87e" providerId="LiveId" clId="{12EB5F59-6BAF-4F09-B6E4-8D5D7D126F55}" dt="2023-02-21T03:24:03.960" v="23" actId="1076"/>
+      <pc:sldChg chg="addSp delSp modSp mod">
+        <pc:chgData name="张 嘉铭" userId="3511580ec5cbb87e" providerId="LiveId" clId="{12EB5F59-6BAF-4F09-B6E4-8D5D7D126F55}" dt="2023-02-21T04:49:20.801" v="37" actId="1076"/>
         <pc:sldMkLst>
           <pc:docMk/>
           <pc:sldMk cId="0" sldId="262"/>
         </pc:sldMkLst>
+        <pc:spChg chg="del">
+          <ac:chgData name="张 嘉铭" userId="3511580ec5cbb87e" providerId="LiveId" clId="{12EB5F59-6BAF-4F09-B6E4-8D5D7D126F55}" dt="2023-02-21T04:48:23.109" v="25" actId="478"/>
+          <ac:spMkLst>
+            <pc:docMk/>
+            <pc:sldMk cId="0" sldId="262"/>
+            <ac:spMk id="17" creationId="{FE318BB1-4CF2-5896-54D3-C446C9C929CA}"/>
+          </ac:spMkLst>
+        </pc:spChg>
+        <pc:spChg chg="del">
+          <ac:chgData name="张 嘉铭" userId="3511580ec5cbb87e" providerId="LiveId" clId="{12EB5F59-6BAF-4F09-B6E4-8D5D7D126F55}" dt="2023-02-21T04:48:27.720" v="26" actId="478"/>
+          <ac:spMkLst>
+            <pc:docMk/>
+            <pc:sldMk cId="0" sldId="262"/>
+            <ac:spMk id="19" creationId="{72744D9B-BDE6-FC6F-EEA6-190A8439332A}"/>
+          </ac:spMkLst>
+        </pc:spChg>
+        <pc:spChg chg="mod">
+          <ac:chgData name="张 嘉铭" userId="3511580ec5cbb87e" providerId="LiveId" clId="{12EB5F59-6BAF-4F09-B6E4-8D5D7D126F55}" dt="2023-02-21T04:49:07.055" v="30" actId="1076"/>
+          <ac:spMkLst>
+            <pc:docMk/>
+            <pc:sldMk cId="0" sldId="262"/>
+            <ac:spMk id="22" creationId="{E5983DB5-CFC9-66D0-A297-6237E980274F}"/>
+          </ac:spMkLst>
+        </pc:spChg>
+        <pc:spChg chg="mod">
+          <ac:chgData name="张 嘉铭" userId="3511580ec5cbb87e" providerId="LiveId" clId="{12EB5F59-6BAF-4F09-B6E4-8D5D7D126F55}" dt="2023-02-21T04:49:20.801" v="37" actId="1076"/>
+          <ac:spMkLst>
+            <pc:docMk/>
+            <pc:sldMk cId="0" sldId="262"/>
+            <ac:spMk id="23" creationId="{F939EABD-EADE-AB49-FD8C-AC915C718605}"/>
+          </ac:spMkLst>
+        </pc:spChg>
         <pc:spChg chg="mod">
           <ac:chgData name="张 嘉铭" userId="3511580ec5cbb87e" providerId="LiveId" clId="{12EB5F59-6BAF-4F09-B6E4-8D5D7D126F55}" dt="2023-02-21T03:16:20.670" v="2" actId="164"/>
           <ac:spMkLst>
@@ -245,6 +277,22 @@
           </ac:spMkLst>
         </pc:spChg>
         <pc:spChg chg="mod">
+          <ac:chgData name="张 嘉铭" userId="3511580ec5cbb87e" providerId="LiveId" clId="{12EB5F59-6BAF-4F09-B6E4-8D5D7D126F55}" dt="2023-02-21T04:48:39.665" v="27" actId="1076"/>
+          <ac:spMkLst>
+            <pc:docMk/>
+            <pc:sldMk cId="0" sldId="262"/>
+            <ac:spMk id="40" creationId="{B45D20C6-0E21-C7BA-7BE3-E9489A540E60}"/>
+          </ac:spMkLst>
+        </pc:spChg>
+        <pc:spChg chg="mod">
+          <ac:chgData name="张 嘉铭" userId="3511580ec5cbb87e" providerId="LiveId" clId="{12EB5F59-6BAF-4F09-B6E4-8D5D7D126F55}" dt="2023-02-21T04:48:39.665" v="27" actId="1076"/>
+          <ac:spMkLst>
+            <pc:docMk/>
+            <pc:sldMk cId="0" sldId="262"/>
+            <ac:spMk id="42" creationId="{EC30EF55-B43D-2FC5-D242-E62FD2C46E9F}"/>
+          </ac:spMkLst>
+        </pc:spChg>
+        <pc:spChg chg="mod">
           <ac:chgData name="张 嘉铭" userId="3511580ec5cbb87e" providerId="LiveId" clId="{12EB5F59-6BAF-4F09-B6E4-8D5D7D126F55}" dt="2023-02-21T03:17:30.092" v="6" actId="164"/>
           <ac:spMkLst>
             <pc:docMk/>
@@ -253,7 +301,7 @@
           </ac:spMkLst>
         </pc:spChg>
         <pc:spChg chg="add mod">
-          <ac:chgData name="张 嘉铭" userId="3511580ec5cbb87e" providerId="LiveId" clId="{12EB5F59-6BAF-4F09-B6E4-8D5D7D126F55}" dt="2023-02-21T03:23:40.071" v="16" actId="14100"/>
+          <ac:chgData name="张 嘉铭" userId="3511580ec5cbb87e" providerId="LiveId" clId="{12EB5F59-6BAF-4F09-B6E4-8D5D7D126F55}" dt="2023-02-21T04:48:57.759" v="29" actId="1036"/>
           <ac:spMkLst>
             <pc:docMk/>
             <pc:sldMk cId="0" sldId="262"/>
@@ -261,7 +309,7 @@
           </ac:spMkLst>
         </pc:spChg>
         <pc:spChg chg="add mod">
-          <ac:chgData name="张 嘉铭" userId="3511580ec5cbb87e" providerId="LiveId" clId="{12EB5F59-6BAF-4F09-B6E4-8D5D7D126F55}" dt="2023-02-21T03:24:03.960" v="23" actId="1076"/>
+          <ac:chgData name="张 嘉铭" userId="3511580ec5cbb87e" providerId="LiveId" clId="{12EB5F59-6BAF-4F09-B6E4-8D5D7D126F55}" dt="2023-02-21T04:48:39.665" v="27" actId="1076"/>
           <ac:spMkLst>
             <pc:docMk/>
             <pc:sldMk cId="0" sldId="262"/>
@@ -269,7 +317,7 @@
           </ac:spMkLst>
         </pc:spChg>
         <pc:grpChg chg="add mod">
-          <ac:chgData name="张 嘉铭" userId="3511580ec5cbb87e" providerId="LiveId" clId="{12EB5F59-6BAF-4F09-B6E4-8D5D7D126F55}" dt="2023-02-21T03:23:22.597" v="13" actId="1076"/>
+          <ac:chgData name="张 嘉铭" userId="3511580ec5cbb87e" providerId="LiveId" clId="{12EB5F59-6BAF-4F09-B6E4-8D5D7D126F55}" dt="2023-02-21T04:48:39.665" v="27" actId="1076"/>
           <ac:grpSpMkLst>
             <pc:docMk/>
             <pc:sldMk cId="0" sldId="262"/>
@@ -277,7 +325,7 @@
           </ac:grpSpMkLst>
         </pc:grpChg>
         <pc:grpChg chg="add mod">
-          <ac:chgData name="张 嘉铭" userId="3511580ec5cbb87e" providerId="LiveId" clId="{12EB5F59-6BAF-4F09-B6E4-8D5D7D126F55}" dt="2023-02-21T03:23:22.597" v="13" actId="1076"/>
+          <ac:chgData name="张 嘉铭" userId="3511580ec5cbb87e" providerId="LiveId" clId="{12EB5F59-6BAF-4F09-B6E4-8D5D7D126F55}" dt="2023-02-21T04:48:39.665" v="27" actId="1076"/>
           <ac:grpSpMkLst>
             <pc:docMk/>
             <pc:sldMk cId="0" sldId="262"/>
@@ -285,7 +333,7 @@
           </ac:grpSpMkLst>
         </pc:grpChg>
         <pc:grpChg chg="add mod">
-          <ac:chgData name="张 嘉铭" userId="3511580ec5cbb87e" providerId="LiveId" clId="{12EB5F59-6BAF-4F09-B6E4-8D5D7D126F55}" dt="2023-02-21T03:23:22.597" v="13" actId="1076"/>
+          <ac:chgData name="张 嘉铭" userId="3511580ec5cbb87e" providerId="LiveId" clId="{12EB5F59-6BAF-4F09-B6E4-8D5D7D126F55}" dt="2023-02-21T04:48:39.665" v="27" actId="1076"/>
           <ac:grpSpMkLst>
             <pc:docMk/>
             <pc:sldMk cId="0" sldId="262"/>
@@ -293,7 +341,7 @@
           </ac:grpSpMkLst>
         </pc:grpChg>
         <pc:grpChg chg="add mod">
-          <ac:chgData name="张 嘉铭" userId="3511580ec5cbb87e" providerId="LiveId" clId="{12EB5F59-6BAF-4F09-B6E4-8D5D7D126F55}" dt="2023-02-21T03:23:22.597" v="13" actId="1076"/>
+          <ac:chgData name="张 嘉铭" userId="3511580ec5cbb87e" providerId="LiveId" clId="{12EB5F59-6BAF-4F09-B6E4-8D5D7D126F55}" dt="2023-02-21T04:48:39.665" v="27" actId="1076"/>
           <ac:grpSpMkLst>
             <pc:docMk/>
             <pc:sldMk cId="0" sldId="262"/>
@@ -301,7 +349,7 @@
           </ac:grpSpMkLst>
         </pc:grpChg>
         <pc:grpChg chg="add mod">
-          <ac:chgData name="张 嘉铭" userId="3511580ec5cbb87e" providerId="LiveId" clId="{12EB5F59-6BAF-4F09-B6E4-8D5D7D126F55}" dt="2023-02-21T03:23:22.597" v="13" actId="1076"/>
+          <ac:chgData name="张 嘉铭" userId="3511580ec5cbb87e" providerId="LiveId" clId="{12EB5F59-6BAF-4F09-B6E4-8D5D7D126F55}" dt="2023-02-21T04:48:39.665" v="27" actId="1076"/>
           <ac:grpSpMkLst>
             <pc:docMk/>
             <pc:sldMk cId="0" sldId="262"/>
@@ -309,7 +357,7 @@
           </ac:grpSpMkLst>
         </pc:grpChg>
         <pc:graphicFrameChg chg="mod modGraphic">
-          <ac:chgData name="张 嘉铭" userId="3511580ec5cbb87e" providerId="LiveId" clId="{12EB5F59-6BAF-4F09-B6E4-8D5D7D126F55}" dt="2023-02-21T03:22:52.406" v="12" actId="20577"/>
+          <ac:chgData name="张 嘉铭" userId="3511580ec5cbb87e" providerId="LiveId" clId="{12EB5F59-6BAF-4F09-B6E4-8D5D7D126F55}" dt="2023-02-21T04:48:16.691" v="24" actId="2165"/>
           <ac:graphicFrameMkLst>
             <pc:docMk/>
             <pc:sldMk cId="0" sldId="262"/>
@@ -2095,14 +2143,14 @@
           <p:nvPr>
             <p:extLst>
               <p:ext uri="{D42A27DB-BD31-4B8C-83A1-F6EECF244321}">
-                <p14:modId xmlns:p14="http://schemas.microsoft.com/office/powerpoint/2010/main" val="4127804489"/>
+                <p14:modId xmlns:p14="http://schemas.microsoft.com/office/powerpoint/2010/main" val="1591169995"/>
               </p:ext>
             </p:extLst>
           </p:nvPr>
         </p:nvGraphicFramePr>
         <p:xfrm>
           <a:off x="263352" y="516045"/>
-          <a:ext cx="15456752" cy="5141968"/>
+          <a:ext cx="15456752" cy="4796456"/>
         </p:xfrm>
         <a:graphic>
           <a:graphicData uri="http://schemas.openxmlformats.org/drawingml/2006/table">
@@ -11541,1499 +11589,6 @@
                         <a:defRPr/>
                       </a:pPr>
                       <a:r>
-                        <a:rPr lang="en-US" altLang="zh-CN" sz="1050" dirty="0">
-                          <a:solidFill>
-                            <a:schemeClr val="tx1"/>
-                          </a:solidFill>
-                          <a:latin typeface="Tahoma" panose="020B0604030504040204" pitchFamily="34" charset="0"/>
-                          <a:ea typeface="Tahoma" panose="020B0604030504040204" pitchFamily="34" charset="0"/>
-                          <a:cs typeface="Tahoma" panose="020B0604030504040204" pitchFamily="34" charset="0"/>
-                        </a:rPr>
-                        <a:t>Train the networks and get the pytorch file</a:t>
-                      </a:r>
-                      <a:endParaRPr lang="en-US" sz="1050" dirty="0">
-                        <a:solidFill>
-                          <a:schemeClr val="tx1"/>
-                        </a:solidFill>
-                        <a:latin typeface="Tahoma" panose="020B0604030504040204" pitchFamily="34" charset="0"/>
-                        <a:ea typeface="Tahoma" panose="020B0604030504040204" pitchFamily="34" charset="0"/>
-                        <a:cs typeface="Tahoma" panose="020B0604030504040204" pitchFamily="34" charset="0"/>
-                      </a:endParaRPr>
-                    </a:p>
-                  </a:txBody>
-                  <a:tcPr marL="0" marR="101672" marT="50836" marB="50836" anchor="ctr">
-                    <a:lnL w="19050" cap="flat" cmpd="sng" algn="ctr">
-                      <a:solidFill>
-                        <a:schemeClr val="bg1"/>
-                      </a:solidFill>
-                      <a:prstDash val="solid"/>
-                      <a:round/>
-                      <a:headEnd type="none" w="med" len="med"/>
-                      <a:tailEnd type="none" w="med" len="med"/>
-                    </a:lnL>
-                    <a:lnR w="19050" cap="flat" cmpd="sng" algn="ctr">
-                      <a:solidFill>
-                        <a:schemeClr val="bg1"/>
-                      </a:solidFill>
-                      <a:prstDash val="solid"/>
-                      <a:round/>
-                      <a:headEnd type="none" w="med" len="med"/>
-                      <a:tailEnd type="none" w="med" len="med"/>
-                    </a:lnR>
-                    <a:lnT w="19050" cap="flat" cmpd="sng" algn="ctr">
-                      <a:solidFill>
-                        <a:schemeClr val="bg1"/>
-                      </a:solidFill>
-                      <a:prstDash val="solid"/>
-                      <a:round/>
-                      <a:headEnd type="none" w="med" len="med"/>
-                      <a:tailEnd type="none" w="med" len="med"/>
-                    </a:lnT>
-                    <a:lnB w="19050" cap="flat" cmpd="sng" algn="ctr">
-                      <a:solidFill>
-                        <a:schemeClr val="bg1"/>
-                      </a:solidFill>
-                      <a:prstDash val="solid"/>
-                      <a:round/>
-                      <a:headEnd type="none" w="med" len="med"/>
-                      <a:tailEnd type="none" w="med" len="med"/>
-                    </a:lnB>
-                    <a:solidFill>
-                      <a:schemeClr val="accent2">
-                        <a:lumMod val="60000"/>
-                        <a:lumOff val="40000"/>
-                      </a:schemeClr>
-                    </a:solidFill>
-                  </a:tcPr>
-                </a:tc>
-                <a:tc>
-                  <a:txBody>
-                    <a:bodyPr/>
-                    <a:lstStyle/>
-                    <a:p>
-                      <a:endParaRPr lang="en-US" sz="1600" dirty="0">
-                        <a:latin typeface="Arial Narrow" pitchFamily="34" charset="0"/>
-                      </a:endParaRPr>
-                    </a:p>
-                  </a:txBody>
-                  <a:tcPr marL="101672" marR="101672" marT="50836" marB="50836">
-                    <a:lnL w="19050" cap="flat" cmpd="sng" algn="ctr">
-                      <a:solidFill>
-                        <a:schemeClr val="bg1"/>
-                      </a:solidFill>
-                      <a:prstDash val="solid"/>
-                      <a:round/>
-                      <a:headEnd type="none" w="med" len="med"/>
-                      <a:tailEnd type="none" w="med" len="med"/>
-                    </a:lnL>
-                    <a:lnR w="19050" cap="flat" cmpd="sng" algn="ctr">
-                      <a:solidFill>
-                        <a:schemeClr val="bg1"/>
-                      </a:solidFill>
-                      <a:prstDash val="solid"/>
-                      <a:round/>
-                      <a:headEnd type="none" w="med" len="med"/>
-                      <a:tailEnd type="none" w="med" len="med"/>
-                    </a:lnR>
-                    <a:lnT w="19050" cap="flat" cmpd="sng" algn="ctr">
-                      <a:solidFill>
-                        <a:schemeClr val="bg1"/>
-                      </a:solidFill>
-                      <a:prstDash val="solid"/>
-                      <a:round/>
-                      <a:headEnd type="none" w="med" len="med"/>
-                      <a:tailEnd type="none" w="med" len="med"/>
-                    </a:lnT>
-                    <a:lnB w="19050" cap="flat" cmpd="sng" algn="ctr">
-                      <a:solidFill>
-                        <a:schemeClr val="bg1"/>
-                      </a:solidFill>
-                      <a:prstDash val="solid"/>
-                      <a:round/>
-                      <a:headEnd type="none" w="med" len="med"/>
-                      <a:tailEnd type="none" w="med" len="med"/>
-                    </a:lnB>
-                    <a:solidFill>
-                      <a:schemeClr val="tx2">
-                        <a:lumMod val="20000"/>
-                        <a:lumOff val="80000"/>
-                      </a:schemeClr>
-                    </a:solidFill>
-                  </a:tcPr>
-                </a:tc>
-                <a:tc>
-                  <a:txBody>
-                    <a:bodyPr/>
-                    <a:lstStyle/>
-                    <a:p>
-                      <a:endParaRPr lang="en-US" sz="1600" dirty="0">
-                        <a:latin typeface="Arial Narrow" pitchFamily="34" charset="0"/>
-                      </a:endParaRPr>
-                    </a:p>
-                  </a:txBody>
-                  <a:tcPr marL="101672" marR="101672" marT="50836" marB="50836">
-                    <a:lnL w="19050" cap="flat" cmpd="sng" algn="ctr">
-                      <a:solidFill>
-                        <a:schemeClr val="bg1"/>
-                      </a:solidFill>
-                      <a:prstDash val="solid"/>
-                      <a:round/>
-                      <a:headEnd type="none" w="med" len="med"/>
-                      <a:tailEnd type="none" w="med" len="med"/>
-                    </a:lnL>
-                    <a:lnR w="19050" cap="flat" cmpd="sng" algn="ctr">
-                      <a:solidFill>
-                        <a:schemeClr val="bg1"/>
-                      </a:solidFill>
-                      <a:prstDash val="solid"/>
-                      <a:round/>
-                      <a:headEnd type="none" w="med" len="med"/>
-                      <a:tailEnd type="none" w="med" len="med"/>
-                    </a:lnR>
-                    <a:lnT w="19050" cap="flat" cmpd="sng" algn="ctr">
-                      <a:solidFill>
-                        <a:schemeClr val="bg1"/>
-                      </a:solidFill>
-                      <a:prstDash val="solid"/>
-                      <a:round/>
-                      <a:headEnd type="none" w="med" len="med"/>
-                      <a:tailEnd type="none" w="med" len="med"/>
-                    </a:lnT>
-                    <a:lnB w="19050" cap="flat" cmpd="sng" algn="ctr">
-                      <a:solidFill>
-                        <a:schemeClr val="bg1"/>
-                      </a:solidFill>
-                      <a:prstDash val="solid"/>
-                      <a:round/>
-                      <a:headEnd type="none" w="med" len="med"/>
-                      <a:tailEnd type="none" w="med" len="med"/>
-                    </a:lnB>
-                    <a:solidFill>
-                      <a:schemeClr val="tx2">
-                        <a:lumMod val="20000"/>
-                        <a:lumOff val="80000"/>
-                      </a:schemeClr>
-                    </a:solidFill>
-                  </a:tcPr>
-                </a:tc>
-                <a:tc>
-                  <a:txBody>
-                    <a:bodyPr/>
-                    <a:lstStyle/>
-                    <a:p>
-                      <a:endParaRPr lang="en-US" sz="1600" dirty="0">
-                        <a:latin typeface="Arial Narrow" pitchFamily="34" charset="0"/>
-                      </a:endParaRPr>
-                    </a:p>
-                  </a:txBody>
-                  <a:tcPr marL="101672" marR="101672" marT="50836" marB="50836">
-                    <a:lnL w="19050" cap="flat" cmpd="sng" algn="ctr">
-                      <a:solidFill>
-                        <a:schemeClr val="bg1"/>
-                      </a:solidFill>
-                      <a:prstDash val="solid"/>
-                      <a:round/>
-                      <a:headEnd type="none" w="med" len="med"/>
-                      <a:tailEnd type="none" w="med" len="med"/>
-                    </a:lnL>
-                    <a:lnR w="19050" cap="flat" cmpd="sng" algn="ctr">
-                      <a:solidFill>
-                        <a:schemeClr val="bg1"/>
-                      </a:solidFill>
-                      <a:prstDash val="solid"/>
-                      <a:round/>
-                      <a:headEnd type="none" w="med" len="med"/>
-                      <a:tailEnd type="none" w="med" len="med"/>
-                    </a:lnR>
-                    <a:lnT w="19050" cap="flat" cmpd="sng" algn="ctr">
-                      <a:solidFill>
-                        <a:schemeClr val="bg1"/>
-                      </a:solidFill>
-                      <a:prstDash val="solid"/>
-                      <a:round/>
-                      <a:headEnd type="none" w="med" len="med"/>
-                      <a:tailEnd type="none" w="med" len="med"/>
-                    </a:lnT>
-                    <a:lnB w="19050" cap="flat" cmpd="sng" algn="ctr">
-                      <a:solidFill>
-                        <a:schemeClr val="bg1"/>
-                      </a:solidFill>
-                      <a:prstDash val="solid"/>
-                      <a:round/>
-                      <a:headEnd type="none" w="med" len="med"/>
-                      <a:tailEnd type="none" w="med" len="med"/>
-                    </a:lnB>
-                    <a:solidFill>
-                      <a:schemeClr val="tx2">
-                        <a:lumMod val="20000"/>
-                        <a:lumOff val="80000"/>
-                      </a:schemeClr>
-                    </a:solidFill>
-                  </a:tcPr>
-                </a:tc>
-                <a:tc>
-                  <a:txBody>
-                    <a:bodyPr/>
-                    <a:lstStyle/>
-                    <a:p>
-                      <a:endParaRPr lang="en-US" sz="1600" dirty="0">
-                        <a:latin typeface="Arial Narrow" pitchFamily="34" charset="0"/>
-                      </a:endParaRPr>
-                    </a:p>
-                  </a:txBody>
-                  <a:tcPr marL="101672" marR="101672" marT="50836" marB="50836">
-                    <a:lnL w="19050" cap="flat" cmpd="sng" algn="ctr">
-                      <a:solidFill>
-                        <a:schemeClr val="bg1"/>
-                      </a:solidFill>
-                      <a:prstDash val="solid"/>
-                      <a:round/>
-                      <a:headEnd type="none" w="med" len="med"/>
-                      <a:tailEnd type="none" w="med" len="med"/>
-                    </a:lnL>
-                    <a:lnR w="19050" cap="flat" cmpd="sng" algn="ctr">
-                      <a:solidFill>
-                        <a:schemeClr val="bg1"/>
-                      </a:solidFill>
-                      <a:prstDash val="solid"/>
-                      <a:round/>
-                      <a:headEnd type="none" w="med" len="med"/>
-                      <a:tailEnd type="none" w="med" len="med"/>
-                    </a:lnR>
-                    <a:lnT w="19050" cap="flat" cmpd="sng" algn="ctr">
-                      <a:solidFill>
-                        <a:schemeClr val="bg1"/>
-                      </a:solidFill>
-                      <a:prstDash val="solid"/>
-                      <a:round/>
-                      <a:headEnd type="none" w="med" len="med"/>
-                      <a:tailEnd type="none" w="med" len="med"/>
-                    </a:lnT>
-                    <a:lnB w="19050" cap="flat" cmpd="sng" algn="ctr">
-                      <a:solidFill>
-                        <a:schemeClr val="bg1"/>
-                      </a:solidFill>
-                      <a:prstDash val="solid"/>
-                      <a:round/>
-                      <a:headEnd type="none" w="med" len="med"/>
-                      <a:tailEnd type="none" w="med" len="med"/>
-                    </a:lnB>
-                    <a:solidFill>
-                      <a:schemeClr val="tx2">
-                        <a:lumMod val="20000"/>
-                        <a:lumOff val="80000"/>
-                      </a:schemeClr>
-                    </a:solidFill>
-                  </a:tcPr>
-                </a:tc>
-                <a:tc>
-                  <a:txBody>
-                    <a:bodyPr/>
-                    <a:lstStyle/>
-                    <a:p>
-                      <a:endParaRPr lang="en-US" sz="1600" dirty="0">
-                        <a:latin typeface="Arial Narrow" pitchFamily="34" charset="0"/>
-                      </a:endParaRPr>
-                    </a:p>
-                  </a:txBody>
-                  <a:tcPr marL="101672" marR="101672" marT="50836" marB="50836">
-                    <a:lnL w="19050" cap="flat" cmpd="sng" algn="ctr">
-                      <a:solidFill>
-                        <a:schemeClr val="bg1"/>
-                      </a:solidFill>
-                      <a:prstDash val="solid"/>
-                      <a:round/>
-                      <a:headEnd type="none" w="med" len="med"/>
-                      <a:tailEnd type="none" w="med" len="med"/>
-                    </a:lnL>
-                    <a:lnR w="19050" cap="flat" cmpd="sng" algn="ctr">
-                      <a:solidFill>
-                        <a:schemeClr val="bg1"/>
-                      </a:solidFill>
-                      <a:prstDash val="solid"/>
-                      <a:round/>
-                      <a:headEnd type="none" w="med" len="med"/>
-                      <a:tailEnd type="none" w="med" len="med"/>
-                    </a:lnR>
-                    <a:lnT w="19050" cap="flat" cmpd="sng" algn="ctr">
-                      <a:solidFill>
-                        <a:schemeClr val="bg1"/>
-                      </a:solidFill>
-                      <a:prstDash val="solid"/>
-                      <a:round/>
-                      <a:headEnd type="none" w="med" len="med"/>
-                      <a:tailEnd type="none" w="med" len="med"/>
-                    </a:lnT>
-                    <a:lnB w="19050" cap="flat" cmpd="sng" algn="ctr">
-                      <a:solidFill>
-                        <a:schemeClr val="bg1"/>
-                      </a:solidFill>
-                      <a:prstDash val="solid"/>
-                      <a:round/>
-                      <a:headEnd type="none" w="med" len="med"/>
-                      <a:tailEnd type="none" w="med" len="med"/>
-                    </a:lnB>
-                    <a:solidFill>
-                      <a:schemeClr val="tx2">
-                        <a:lumMod val="20000"/>
-                        <a:lumOff val="80000"/>
-                      </a:schemeClr>
-                    </a:solidFill>
-                  </a:tcPr>
-                </a:tc>
-                <a:tc>
-                  <a:txBody>
-                    <a:bodyPr/>
-                    <a:lstStyle/>
-                    <a:p>
-                      <a:endParaRPr lang="en-US" sz="1600" dirty="0">
-                        <a:latin typeface="Arial Narrow" pitchFamily="34" charset="0"/>
-                      </a:endParaRPr>
-                    </a:p>
-                  </a:txBody>
-                  <a:tcPr marL="101672" marR="101672" marT="50836" marB="50836">
-                    <a:lnL w="19050" cap="flat" cmpd="sng" algn="ctr">
-                      <a:solidFill>
-                        <a:schemeClr val="bg1"/>
-                      </a:solidFill>
-                      <a:prstDash val="solid"/>
-                      <a:round/>
-                      <a:headEnd type="none" w="med" len="med"/>
-                      <a:tailEnd type="none" w="med" len="med"/>
-                    </a:lnL>
-                    <a:lnR w="19050" cap="flat" cmpd="sng" algn="ctr">
-                      <a:solidFill>
-                        <a:schemeClr val="bg1"/>
-                      </a:solidFill>
-                      <a:prstDash val="solid"/>
-                      <a:round/>
-                      <a:headEnd type="none" w="med" len="med"/>
-                      <a:tailEnd type="none" w="med" len="med"/>
-                    </a:lnR>
-                    <a:lnT w="19050" cap="flat" cmpd="sng" algn="ctr">
-                      <a:solidFill>
-                        <a:schemeClr val="bg1"/>
-                      </a:solidFill>
-                      <a:prstDash val="solid"/>
-                      <a:round/>
-                      <a:headEnd type="none" w="med" len="med"/>
-                      <a:tailEnd type="none" w="med" len="med"/>
-                    </a:lnT>
-                    <a:lnB w="19050" cap="flat" cmpd="sng" algn="ctr">
-                      <a:solidFill>
-                        <a:schemeClr val="bg1"/>
-                      </a:solidFill>
-                      <a:prstDash val="solid"/>
-                      <a:round/>
-                      <a:headEnd type="none" w="med" len="med"/>
-                      <a:tailEnd type="none" w="med" len="med"/>
-                    </a:lnB>
-                    <a:solidFill>
-                      <a:schemeClr val="tx2">
-                        <a:lumMod val="20000"/>
-                        <a:lumOff val="80000"/>
-                      </a:schemeClr>
-                    </a:solidFill>
-                  </a:tcPr>
-                </a:tc>
-                <a:tc>
-                  <a:txBody>
-                    <a:bodyPr/>
-                    <a:lstStyle/>
-                    <a:p>
-                      <a:endParaRPr lang="en-US" sz="1600" dirty="0">
-                        <a:latin typeface="Arial Narrow" pitchFamily="34" charset="0"/>
-                      </a:endParaRPr>
-                    </a:p>
-                  </a:txBody>
-                  <a:tcPr marL="101672" marR="101672" marT="50836" marB="50836">
-                    <a:lnL w="19050" cap="flat" cmpd="sng" algn="ctr">
-                      <a:solidFill>
-                        <a:schemeClr val="bg1"/>
-                      </a:solidFill>
-                      <a:prstDash val="solid"/>
-                      <a:round/>
-                      <a:headEnd type="none" w="med" len="med"/>
-                      <a:tailEnd type="none" w="med" len="med"/>
-                    </a:lnL>
-                    <a:lnR w="19050" cap="flat" cmpd="sng" algn="ctr">
-                      <a:solidFill>
-                        <a:schemeClr val="bg1"/>
-                      </a:solidFill>
-                      <a:prstDash val="solid"/>
-                      <a:round/>
-                      <a:headEnd type="none" w="med" len="med"/>
-                      <a:tailEnd type="none" w="med" len="med"/>
-                    </a:lnR>
-                    <a:lnT w="19050" cap="flat" cmpd="sng" algn="ctr">
-                      <a:solidFill>
-                        <a:schemeClr val="bg1"/>
-                      </a:solidFill>
-                      <a:prstDash val="solid"/>
-                      <a:round/>
-                      <a:headEnd type="none" w="med" len="med"/>
-                      <a:tailEnd type="none" w="med" len="med"/>
-                    </a:lnT>
-                    <a:lnB w="19050" cap="flat" cmpd="sng" algn="ctr">
-                      <a:solidFill>
-                        <a:schemeClr val="bg1"/>
-                      </a:solidFill>
-                      <a:prstDash val="solid"/>
-                      <a:round/>
-                      <a:headEnd type="none" w="med" len="med"/>
-                      <a:tailEnd type="none" w="med" len="med"/>
-                    </a:lnB>
-                    <a:solidFill>
-                      <a:schemeClr val="tx2">
-                        <a:lumMod val="20000"/>
-                        <a:lumOff val="80000"/>
-                      </a:schemeClr>
-                    </a:solidFill>
-                  </a:tcPr>
-                </a:tc>
-                <a:tc>
-                  <a:txBody>
-                    <a:bodyPr/>
-                    <a:lstStyle/>
-                    <a:p>
-                      <a:endParaRPr lang="en-US" sz="1600" dirty="0">
-                        <a:latin typeface="Arial Narrow" pitchFamily="34" charset="0"/>
-                      </a:endParaRPr>
-                    </a:p>
-                  </a:txBody>
-                  <a:tcPr marL="101672" marR="101672" marT="50836" marB="50836">
-                    <a:lnL w="19050" cap="flat" cmpd="sng" algn="ctr">
-                      <a:solidFill>
-                        <a:schemeClr val="bg1"/>
-                      </a:solidFill>
-                      <a:prstDash val="solid"/>
-                      <a:round/>
-                      <a:headEnd type="none" w="med" len="med"/>
-                      <a:tailEnd type="none" w="med" len="med"/>
-                    </a:lnL>
-                    <a:lnR w="19050" cap="flat" cmpd="sng" algn="ctr">
-                      <a:solidFill>
-                        <a:schemeClr val="bg1"/>
-                      </a:solidFill>
-                      <a:prstDash val="solid"/>
-                      <a:round/>
-                      <a:headEnd type="none" w="med" len="med"/>
-                      <a:tailEnd type="none" w="med" len="med"/>
-                    </a:lnR>
-                    <a:lnT w="19050" cap="flat" cmpd="sng" algn="ctr">
-                      <a:solidFill>
-                        <a:schemeClr val="bg1"/>
-                      </a:solidFill>
-                      <a:prstDash val="solid"/>
-                      <a:round/>
-                      <a:headEnd type="none" w="med" len="med"/>
-                      <a:tailEnd type="none" w="med" len="med"/>
-                    </a:lnT>
-                    <a:lnB w="19050" cap="flat" cmpd="sng" algn="ctr">
-                      <a:solidFill>
-                        <a:schemeClr val="bg1"/>
-                      </a:solidFill>
-                      <a:prstDash val="solid"/>
-                      <a:round/>
-                      <a:headEnd type="none" w="med" len="med"/>
-                      <a:tailEnd type="none" w="med" len="med"/>
-                    </a:lnB>
-                    <a:solidFill>
-                      <a:schemeClr val="tx2">
-                        <a:lumMod val="20000"/>
-                        <a:lumOff val="80000"/>
-                      </a:schemeClr>
-                    </a:solidFill>
-                  </a:tcPr>
-                </a:tc>
-                <a:tc>
-                  <a:txBody>
-                    <a:bodyPr/>
-                    <a:lstStyle/>
-                    <a:p>
-                      <a:endParaRPr lang="en-US" sz="1600" dirty="0">
-                        <a:latin typeface="Arial Narrow" pitchFamily="34" charset="0"/>
-                      </a:endParaRPr>
-                    </a:p>
-                  </a:txBody>
-                  <a:tcPr marL="101672" marR="101672" marT="50836" marB="50836">
-                    <a:lnL w="19050" cap="flat" cmpd="sng" algn="ctr">
-                      <a:solidFill>
-                        <a:schemeClr val="bg1"/>
-                      </a:solidFill>
-                      <a:prstDash val="solid"/>
-                      <a:round/>
-                      <a:headEnd type="none" w="med" len="med"/>
-                      <a:tailEnd type="none" w="med" len="med"/>
-                    </a:lnL>
-                    <a:lnR w="19050" cap="flat" cmpd="sng" algn="ctr">
-                      <a:solidFill>
-                        <a:schemeClr val="bg1"/>
-                      </a:solidFill>
-                      <a:prstDash val="solid"/>
-                      <a:round/>
-                      <a:headEnd type="none" w="med" len="med"/>
-                      <a:tailEnd type="none" w="med" len="med"/>
-                    </a:lnR>
-                    <a:lnT w="19050" cap="flat" cmpd="sng" algn="ctr">
-                      <a:solidFill>
-                        <a:schemeClr val="bg1"/>
-                      </a:solidFill>
-                      <a:prstDash val="solid"/>
-                      <a:round/>
-                      <a:headEnd type="none" w="med" len="med"/>
-                      <a:tailEnd type="none" w="med" len="med"/>
-                    </a:lnT>
-                    <a:lnB w="19050" cap="flat" cmpd="sng" algn="ctr">
-                      <a:solidFill>
-                        <a:schemeClr val="bg1"/>
-                      </a:solidFill>
-                      <a:prstDash val="solid"/>
-                      <a:round/>
-                      <a:headEnd type="none" w="med" len="med"/>
-                      <a:tailEnd type="none" w="med" len="med"/>
-                    </a:lnB>
-                    <a:solidFill>
-                      <a:schemeClr val="tx2">
-                        <a:lumMod val="20000"/>
-                        <a:lumOff val="80000"/>
-                      </a:schemeClr>
-                    </a:solidFill>
-                  </a:tcPr>
-                </a:tc>
-                <a:tc>
-                  <a:txBody>
-                    <a:bodyPr/>
-                    <a:lstStyle/>
-                    <a:p>
-                      <a:endParaRPr lang="en-US" sz="1600" dirty="0">
-                        <a:latin typeface="Arial Narrow" pitchFamily="34" charset="0"/>
-                      </a:endParaRPr>
-                    </a:p>
-                  </a:txBody>
-                  <a:tcPr marL="101672" marR="101672" marT="50836" marB="50836">
-                    <a:lnL w="19050" cap="flat" cmpd="sng" algn="ctr">
-                      <a:solidFill>
-                        <a:schemeClr val="bg1"/>
-                      </a:solidFill>
-                      <a:prstDash val="solid"/>
-                      <a:round/>
-                      <a:headEnd type="none" w="med" len="med"/>
-                      <a:tailEnd type="none" w="med" len="med"/>
-                    </a:lnL>
-                    <a:lnR w="19050" cap="flat" cmpd="sng" algn="ctr">
-                      <a:solidFill>
-                        <a:schemeClr val="bg1"/>
-                      </a:solidFill>
-                      <a:prstDash val="solid"/>
-                      <a:round/>
-                      <a:headEnd type="none" w="med" len="med"/>
-                      <a:tailEnd type="none" w="med" len="med"/>
-                    </a:lnR>
-                    <a:lnT w="19050" cap="flat" cmpd="sng" algn="ctr">
-                      <a:solidFill>
-                        <a:schemeClr val="bg1"/>
-                      </a:solidFill>
-                      <a:prstDash val="solid"/>
-                      <a:round/>
-                      <a:headEnd type="none" w="med" len="med"/>
-                      <a:tailEnd type="none" w="med" len="med"/>
-                    </a:lnT>
-                    <a:lnB w="19050" cap="flat" cmpd="sng" algn="ctr">
-                      <a:solidFill>
-                        <a:schemeClr val="bg1"/>
-                      </a:solidFill>
-                      <a:prstDash val="solid"/>
-                      <a:round/>
-                      <a:headEnd type="none" w="med" len="med"/>
-                      <a:tailEnd type="none" w="med" len="med"/>
-                    </a:lnB>
-                    <a:solidFill>
-                      <a:schemeClr val="tx2">
-                        <a:lumMod val="20000"/>
-                        <a:lumOff val="80000"/>
-                      </a:schemeClr>
-                    </a:solidFill>
-                  </a:tcPr>
-                </a:tc>
-                <a:tc>
-                  <a:txBody>
-                    <a:bodyPr/>
-                    <a:lstStyle/>
-                    <a:p>
-                      <a:endParaRPr lang="en-US" sz="1600" dirty="0">
-                        <a:latin typeface="Arial Narrow" pitchFamily="34" charset="0"/>
-                      </a:endParaRPr>
-                    </a:p>
-                  </a:txBody>
-                  <a:tcPr marL="101672" marR="101672" marT="50836" marB="50836">
-                    <a:lnL w="19050" cap="flat" cmpd="sng" algn="ctr">
-                      <a:solidFill>
-                        <a:schemeClr val="bg1"/>
-                      </a:solidFill>
-                      <a:prstDash val="solid"/>
-                      <a:round/>
-                      <a:headEnd type="none" w="med" len="med"/>
-                      <a:tailEnd type="none" w="med" len="med"/>
-                    </a:lnL>
-                    <a:lnR w="19050" cap="flat" cmpd="sng" algn="ctr">
-                      <a:solidFill>
-                        <a:schemeClr val="bg1"/>
-                      </a:solidFill>
-                      <a:prstDash val="solid"/>
-                      <a:round/>
-                      <a:headEnd type="none" w="med" len="med"/>
-                      <a:tailEnd type="none" w="med" len="med"/>
-                    </a:lnR>
-                    <a:lnT w="19050" cap="flat" cmpd="sng" algn="ctr">
-                      <a:solidFill>
-                        <a:schemeClr val="bg1"/>
-                      </a:solidFill>
-                      <a:prstDash val="solid"/>
-                      <a:round/>
-                      <a:headEnd type="none" w="med" len="med"/>
-                      <a:tailEnd type="none" w="med" len="med"/>
-                    </a:lnT>
-                    <a:lnB w="19050" cap="flat" cmpd="sng" algn="ctr">
-                      <a:solidFill>
-                        <a:schemeClr val="bg1"/>
-                      </a:solidFill>
-                      <a:prstDash val="solid"/>
-                      <a:round/>
-                      <a:headEnd type="none" w="med" len="med"/>
-                      <a:tailEnd type="none" w="med" len="med"/>
-                    </a:lnB>
-                    <a:solidFill>
-                      <a:schemeClr val="tx2">
-                        <a:lumMod val="20000"/>
-                        <a:lumOff val="80000"/>
-                      </a:schemeClr>
-                    </a:solidFill>
-                  </a:tcPr>
-                </a:tc>
-                <a:tc>
-                  <a:txBody>
-                    <a:bodyPr/>
-                    <a:lstStyle/>
-                    <a:p>
-                      <a:pPr marL="0" algn="r" defTabSz="914400" rtl="0" eaLnBrk="1" latinLnBrk="0" hangingPunct="1"/>
-                      <a:endParaRPr lang="en-US" sz="1400" kern="1200" dirty="0">
-                        <a:solidFill>
-                          <a:schemeClr val="accent4"/>
-                        </a:solidFill>
-                        <a:latin typeface="Arial Narrow" pitchFamily="34" charset="0"/>
-                        <a:ea typeface="+mn-ea"/>
-                        <a:cs typeface="+mn-cs"/>
-                      </a:endParaRPr>
-                    </a:p>
-                  </a:txBody>
-                  <a:tcPr marL="101672" marR="101672" marT="50836" marB="50836">
-                    <a:lnL w="19050" cap="flat" cmpd="sng" algn="ctr">
-                      <a:solidFill>
-                        <a:schemeClr val="bg1"/>
-                      </a:solidFill>
-                      <a:prstDash val="solid"/>
-                      <a:round/>
-                      <a:headEnd type="none" w="med" len="med"/>
-                      <a:tailEnd type="none" w="med" len="med"/>
-                    </a:lnL>
-                    <a:lnR w="19050" cap="flat" cmpd="sng" algn="ctr">
-                      <a:solidFill>
-                        <a:schemeClr val="bg1"/>
-                      </a:solidFill>
-                      <a:prstDash val="solid"/>
-                      <a:round/>
-                      <a:headEnd type="none" w="med" len="med"/>
-                      <a:tailEnd type="none" w="med" len="med"/>
-                    </a:lnR>
-                    <a:lnT w="19050" cap="flat" cmpd="sng" algn="ctr">
-                      <a:solidFill>
-                        <a:schemeClr val="bg1"/>
-                      </a:solidFill>
-                      <a:prstDash val="solid"/>
-                      <a:round/>
-                      <a:headEnd type="none" w="med" len="med"/>
-                      <a:tailEnd type="none" w="med" len="med"/>
-                    </a:lnT>
-                    <a:lnB w="19050" cap="flat" cmpd="sng" algn="ctr">
-                      <a:solidFill>
-                        <a:schemeClr val="bg1"/>
-                      </a:solidFill>
-                      <a:prstDash val="solid"/>
-                      <a:round/>
-                      <a:headEnd type="none" w="med" len="med"/>
-                      <a:tailEnd type="none" w="med" len="med"/>
-                    </a:lnB>
-                    <a:solidFill>
-                      <a:schemeClr val="tx2">
-                        <a:lumMod val="20000"/>
-                        <a:lumOff val="80000"/>
-                      </a:schemeClr>
-                    </a:solidFill>
-                  </a:tcPr>
-                </a:tc>
-                <a:tc>
-                  <a:txBody>
-                    <a:bodyPr/>
-                    <a:lstStyle/>
-                    <a:p>
-                      <a:pPr marL="0" algn="r" defTabSz="914400" rtl="0" eaLnBrk="1" latinLnBrk="0" hangingPunct="1"/>
-                      <a:endParaRPr lang="en-US" sz="1400" kern="1200" dirty="0">
-                        <a:solidFill>
-                          <a:schemeClr val="accent4"/>
-                        </a:solidFill>
-                        <a:latin typeface="Arial Narrow" pitchFamily="34" charset="0"/>
-                        <a:ea typeface="+mn-ea"/>
-                        <a:cs typeface="+mn-cs"/>
-                      </a:endParaRPr>
-                    </a:p>
-                  </a:txBody>
-                  <a:tcPr marL="101672" marR="101672" marT="50836" marB="50836">
-                    <a:lnL w="19050" cap="flat" cmpd="sng" algn="ctr">
-                      <a:solidFill>
-                        <a:schemeClr val="bg1"/>
-                      </a:solidFill>
-                      <a:prstDash val="solid"/>
-                      <a:round/>
-                      <a:headEnd type="none" w="med" len="med"/>
-                      <a:tailEnd type="none" w="med" len="med"/>
-                    </a:lnL>
-                    <a:lnR w="19050" cap="flat" cmpd="sng" algn="ctr">
-                      <a:solidFill>
-                        <a:schemeClr val="bg1"/>
-                      </a:solidFill>
-                      <a:prstDash val="solid"/>
-                      <a:round/>
-                      <a:headEnd type="none" w="med" len="med"/>
-                      <a:tailEnd type="none" w="med" len="med"/>
-                    </a:lnR>
-                    <a:lnT w="19050" cap="flat" cmpd="sng" algn="ctr">
-                      <a:solidFill>
-                        <a:schemeClr val="bg1"/>
-                      </a:solidFill>
-                      <a:prstDash val="solid"/>
-                      <a:round/>
-                      <a:headEnd type="none" w="med" len="med"/>
-                      <a:tailEnd type="none" w="med" len="med"/>
-                    </a:lnT>
-                    <a:lnB w="19050" cap="flat" cmpd="sng" algn="ctr">
-                      <a:solidFill>
-                        <a:schemeClr val="bg1"/>
-                      </a:solidFill>
-                      <a:prstDash val="solid"/>
-                      <a:round/>
-                      <a:headEnd type="none" w="med" len="med"/>
-                      <a:tailEnd type="none" w="med" len="med"/>
-                    </a:lnB>
-                    <a:solidFill>
-                      <a:schemeClr val="tx2">
-                        <a:lumMod val="20000"/>
-                        <a:lumOff val="80000"/>
-                      </a:schemeClr>
-                    </a:solidFill>
-                  </a:tcPr>
-                </a:tc>
-                <a:tc>
-                  <a:txBody>
-                    <a:bodyPr/>
-                    <a:lstStyle/>
-                    <a:p>
-                      <a:pPr marL="0" algn="r" defTabSz="914400" rtl="0" eaLnBrk="1" latinLnBrk="0" hangingPunct="1"/>
-                      <a:endParaRPr lang="en-US" sz="1400" kern="1200" dirty="0">
-                        <a:solidFill>
-                          <a:schemeClr val="accent4"/>
-                        </a:solidFill>
-                        <a:latin typeface="Arial Narrow" pitchFamily="34" charset="0"/>
-                        <a:ea typeface="+mn-ea"/>
-                        <a:cs typeface="+mn-cs"/>
-                      </a:endParaRPr>
-                    </a:p>
-                  </a:txBody>
-                  <a:tcPr marL="101672" marR="101672" marT="50836" marB="50836">
-                    <a:lnL w="19050" cap="flat" cmpd="sng" algn="ctr">
-                      <a:solidFill>
-                        <a:schemeClr val="bg1"/>
-                      </a:solidFill>
-                      <a:prstDash val="solid"/>
-                      <a:round/>
-                      <a:headEnd type="none" w="med" len="med"/>
-                      <a:tailEnd type="none" w="med" len="med"/>
-                    </a:lnL>
-                    <a:lnR w="19050" cap="flat" cmpd="sng" algn="ctr">
-                      <a:solidFill>
-                        <a:schemeClr val="bg1"/>
-                      </a:solidFill>
-                      <a:prstDash val="solid"/>
-                      <a:round/>
-                      <a:headEnd type="none" w="med" len="med"/>
-                      <a:tailEnd type="none" w="med" len="med"/>
-                    </a:lnR>
-                    <a:lnT w="19050" cap="flat" cmpd="sng" algn="ctr">
-                      <a:solidFill>
-                        <a:schemeClr val="bg1"/>
-                      </a:solidFill>
-                      <a:prstDash val="solid"/>
-                      <a:round/>
-                      <a:headEnd type="none" w="med" len="med"/>
-                      <a:tailEnd type="none" w="med" len="med"/>
-                    </a:lnT>
-                    <a:lnB w="19050" cap="flat" cmpd="sng" algn="ctr">
-                      <a:solidFill>
-                        <a:schemeClr val="bg1"/>
-                      </a:solidFill>
-                      <a:prstDash val="solid"/>
-                      <a:round/>
-                      <a:headEnd type="none" w="med" len="med"/>
-                      <a:tailEnd type="none" w="med" len="med"/>
-                    </a:lnB>
-                    <a:solidFill>
-                      <a:schemeClr val="tx2">
-                        <a:lumMod val="20000"/>
-                        <a:lumOff val="80000"/>
-                      </a:schemeClr>
-                    </a:solidFill>
-                  </a:tcPr>
-                </a:tc>
-                <a:tc>
-                  <a:txBody>
-                    <a:bodyPr/>
-                    <a:lstStyle/>
-                    <a:p>
-                      <a:pPr marL="0" algn="r" defTabSz="914400" rtl="0" eaLnBrk="1" latinLnBrk="0" hangingPunct="1"/>
-                      <a:endParaRPr lang="en-US" sz="1400" kern="1200" dirty="0">
-                        <a:solidFill>
-                          <a:schemeClr val="accent4"/>
-                        </a:solidFill>
-                        <a:latin typeface="Arial Narrow" pitchFamily="34" charset="0"/>
-                        <a:ea typeface="+mn-ea"/>
-                        <a:cs typeface="+mn-cs"/>
-                      </a:endParaRPr>
-                    </a:p>
-                  </a:txBody>
-                  <a:tcPr marL="101672" marR="101672" marT="50836" marB="50836">
-                    <a:lnL w="19050" cap="flat" cmpd="sng" algn="ctr">
-                      <a:solidFill>
-                        <a:schemeClr val="bg1"/>
-                      </a:solidFill>
-                      <a:prstDash val="solid"/>
-                      <a:round/>
-                      <a:headEnd type="none" w="med" len="med"/>
-                      <a:tailEnd type="none" w="med" len="med"/>
-                    </a:lnL>
-                    <a:lnR w="19050" cap="flat" cmpd="sng" algn="ctr">
-                      <a:solidFill>
-                        <a:schemeClr val="bg1"/>
-                      </a:solidFill>
-                      <a:prstDash val="solid"/>
-                      <a:round/>
-                      <a:headEnd type="none" w="med" len="med"/>
-                      <a:tailEnd type="none" w="med" len="med"/>
-                    </a:lnR>
-                    <a:lnT w="19050" cap="flat" cmpd="sng" algn="ctr">
-                      <a:solidFill>
-                        <a:schemeClr val="bg1"/>
-                      </a:solidFill>
-                      <a:prstDash val="solid"/>
-                      <a:round/>
-                      <a:headEnd type="none" w="med" len="med"/>
-                      <a:tailEnd type="none" w="med" len="med"/>
-                    </a:lnT>
-                    <a:lnB w="19050" cap="flat" cmpd="sng" algn="ctr">
-                      <a:solidFill>
-                        <a:schemeClr val="bg1"/>
-                      </a:solidFill>
-                      <a:prstDash val="solid"/>
-                      <a:round/>
-                      <a:headEnd type="none" w="med" len="med"/>
-                      <a:tailEnd type="none" w="med" len="med"/>
-                    </a:lnB>
-                    <a:solidFill>
-                      <a:schemeClr val="tx2">
-                        <a:lumMod val="20000"/>
-                        <a:lumOff val="80000"/>
-                      </a:schemeClr>
-                    </a:solidFill>
-                  </a:tcPr>
-                </a:tc>
-                <a:tc>
-                  <a:txBody>
-                    <a:bodyPr/>
-                    <a:lstStyle/>
-                    <a:p>
-                      <a:pPr marL="0" algn="r" defTabSz="914400" rtl="0" eaLnBrk="1" latinLnBrk="0" hangingPunct="1"/>
-                      <a:endParaRPr lang="en-US" sz="1400" kern="1200" dirty="0">
-                        <a:solidFill>
-                          <a:schemeClr val="accent4"/>
-                        </a:solidFill>
-                        <a:latin typeface="Arial Narrow" pitchFamily="34" charset="0"/>
-                        <a:ea typeface="+mn-ea"/>
-                        <a:cs typeface="+mn-cs"/>
-                      </a:endParaRPr>
-                    </a:p>
-                  </a:txBody>
-                  <a:tcPr marL="101672" marR="101672" marT="50836" marB="50836">
-                    <a:lnL w="19050" cap="flat" cmpd="sng" algn="ctr">
-                      <a:solidFill>
-                        <a:schemeClr val="bg1"/>
-                      </a:solidFill>
-                      <a:prstDash val="solid"/>
-                      <a:round/>
-                      <a:headEnd type="none" w="med" len="med"/>
-                      <a:tailEnd type="none" w="med" len="med"/>
-                    </a:lnL>
-                    <a:lnR w="19050" cap="flat" cmpd="sng" algn="ctr">
-                      <a:solidFill>
-                        <a:schemeClr val="bg1"/>
-                      </a:solidFill>
-                      <a:prstDash val="solid"/>
-                      <a:round/>
-                      <a:headEnd type="none" w="med" len="med"/>
-                      <a:tailEnd type="none" w="med" len="med"/>
-                    </a:lnR>
-                    <a:lnT w="19050" cap="flat" cmpd="sng" algn="ctr">
-                      <a:solidFill>
-                        <a:schemeClr val="bg1"/>
-                      </a:solidFill>
-                      <a:prstDash val="solid"/>
-                      <a:round/>
-                      <a:headEnd type="none" w="med" len="med"/>
-                      <a:tailEnd type="none" w="med" len="med"/>
-                    </a:lnT>
-                    <a:lnB w="19050" cap="flat" cmpd="sng" algn="ctr">
-                      <a:solidFill>
-                        <a:schemeClr val="bg1"/>
-                      </a:solidFill>
-                      <a:prstDash val="solid"/>
-                      <a:round/>
-                      <a:headEnd type="none" w="med" len="med"/>
-                      <a:tailEnd type="none" w="med" len="med"/>
-                    </a:lnB>
-                    <a:solidFill>
-                      <a:schemeClr val="tx2">
-                        <a:lumMod val="20000"/>
-                        <a:lumOff val="80000"/>
-                      </a:schemeClr>
-                    </a:solidFill>
-                  </a:tcPr>
-                </a:tc>
-                <a:tc>
-                  <a:txBody>
-                    <a:bodyPr/>
-                    <a:lstStyle/>
-                    <a:p>
-                      <a:pPr marL="0" algn="r" defTabSz="914400" rtl="0" eaLnBrk="1" latinLnBrk="0" hangingPunct="1"/>
-                      <a:endParaRPr lang="en-US" sz="1400" kern="1200" dirty="0">
-                        <a:solidFill>
-                          <a:schemeClr val="accent4"/>
-                        </a:solidFill>
-                        <a:latin typeface="Arial Narrow" pitchFamily="34" charset="0"/>
-                        <a:ea typeface="+mn-ea"/>
-                        <a:cs typeface="+mn-cs"/>
-                      </a:endParaRPr>
-                    </a:p>
-                  </a:txBody>
-                  <a:tcPr marL="101672" marR="101672" marT="50836" marB="50836">
-                    <a:lnL w="19050" cap="flat" cmpd="sng" algn="ctr">
-                      <a:solidFill>
-                        <a:schemeClr val="bg1"/>
-                      </a:solidFill>
-                      <a:prstDash val="solid"/>
-                      <a:round/>
-                      <a:headEnd type="none" w="med" len="med"/>
-                      <a:tailEnd type="none" w="med" len="med"/>
-                    </a:lnL>
-                    <a:lnR w="19050" cap="flat" cmpd="sng" algn="ctr">
-                      <a:solidFill>
-                        <a:schemeClr val="bg1"/>
-                      </a:solidFill>
-                      <a:prstDash val="solid"/>
-                      <a:round/>
-                      <a:headEnd type="none" w="med" len="med"/>
-                      <a:tailEnd type="none" w="med" len="med"/>
-                    </a:lnR>
-                    <a:lnT w="19050" cap="flat" cmpd="sng" algn="ctr">
-                      <a:solidFill>
-                        <a:schemeClr val="bg1"/>
-                      </a:solidFill>
-                      <a:prstDash val="solid"/>
-                      <a:round/>
-                      <a:headEnd type="none" w="med" len="med"/>
-                      <a:tailEnd type="none" w="med" len="med"/>
-                    </a:lnT>
-                    <a:lnB w="19050" cap="flat" cmpd="sng" algn="ctr">
-                      <a:solidFill>
-                        <a:schemeClr val="bg1"/>
-                      </a:solidFill>
-                      <a:prstDash val="solid"/>
-                      <a:round/>
-                      <a:headEnd type="none" w="med" len="med"/>
-                      <a:tailEnd type="none" w="med" len="med"/>
-                    </a:lnB>
-                    <a:solidFill>
-                      <a:schemeClr val="tx2">
-                        <a:lumMod val="20000"/>
-                        <a:lumOff val="80000"/>
-                      </a:schemeClr>
-                    </a:solidFill>
-                  </a:tcPr>
-                </a:tc>
-                <a:tc>
-                  <a:txBody>
-                    <a:bodyPr/>
-                    <a:lstStyle/>
-                    <a:p>
-                      <a:pPr marL="0" algn="r" defTabSz="914400" rtl="0" eaLnBrk="1" latinLnBrk="0" hangingPunct="1"/>
-                      <a:endParaRPr lang="en-US" sz="1400" kern="1200" dirty="0">
-                        <a:solidFill>
-                          <a:schemeClr val="accent4"/>
-                        </a:solidFill>
-                        <a:latin typeface="Arial Narrow" pitchFamily="34" charset="0"/>
-                        <a:ea typeface="+mn-ea"/>
-                        <a:cs typeface="+mn-cs"/>
-                      </a:endParaRPr>
-                    </a:p>
-                  </a:txBody>
-                  <a:tcPr marL="101672" marR="101672" marT="50836" marB="50836">
-                    <a:lnL w="19050" cap="flat" cmpd="sng" algn="ctr">
-                      <a:solidFill>
-                        <a:schemeClr val="bg1"/>
-                      </a:solidFill>
-                      <a:prstDash val="solid"/>
-                      <a:round/>
-                      <a:headEnd type="none" w="med" len="med"/>
-                      <a:tailEnd type="none" w="med" len="med"/>
-                    </a:lnL>
-                    <a:lnR w="19050" cap="flat" cmpd="sng" algn="ctr">
-                      <a:solidFill>
-                        <a:schemeClr val="bg1"/>
-                      </a:solidFill>
-                      <a:prstDash val="solid"/>
-                      <a:round/>
-                      <a:headEnd type="none" w="med" len="med"/>
-                      <a:tailEnd type="none" w="med" len="med"/>
-                    </a:lnR>
-                    <a:lnT w="19050" cap="flat" cmpd="sng" algn="ctr">
-                      <a:solidFill>
-                        <a:schemeClr val="bg1"/>
-                      </a:solidFill>
-                      <a:prstDash val="solid"/>
-                      <a:round/>
-                      <a:headEnd type="none" w="med" len="med"/>
-                      <a:tailEnd type="none" w="med" len="med"/>
-                    </a:lnT>
-                    <a:lnB w="19050" cap="flat" cmpd="sng" algn="ctr">
-                      <a:solidFill>
-                        <a:schemeClr val="bg1"/>
-                      </a:solidFill>
-                      <a:prstDash val="solid"/>
-                      <a:round/>
-                      <a:headEnd type="none" w="med" len="med"/>
-                      <a:tailEnd type="none" w="med" len="med"/>
-                    </a:lnB>
-                    <a:solidFill>
-                      <a:schemeClr val="tx2">
-                        <a:lumMod val="20000"/>
-                        <a:lumOff val="80000"/>
-                      </a:schemeClr>
-                    </a:solidFill>
-                  </a:tcPr>
-                </a:tc>
-                <a:tc>
-                  <a:txBody>
-                    <a:bodyPr/>
-                    <a:lstStyle/>
-                    <a:p>
-                      <a:pPr marL="0" algn="r" defTabSz="914400" rtl="0" eaLnBrk="1" latinLnBrk="0" hangingPunct="1"/>
-                      <a:endParaRPr lang="en-US" sz="1400" kern="1200" dirty="0">
-                        <a:solidFill>
-                          <a:schemeClr val="accent4"/>
-                        </a:solidFill>
-                        <a:latin typeface="Arial Narrow" pitchFamily="34" charset="0"/>
-                        <a:ea typeface="+mn-ea"/>
-                        <a:cs typeface="+mn-cs"/>
-                      </a:endParaRPr>
-                    </a:p>
-                  </a:txBody>
-                  <a:tcPr marL="101672" marR="101672" marT="50836" marB="50836">
-                    <a:lnL w="19050" cap="flat" cmpd="sng" algn="ctr">
-                      <a:solidFill>
-                        <a:schemeClr val="bg1"/>
-                      </a:solidFill>
-                      <a:prstDash val="solid"/>
-                      <a:round/>
-                      <a:headEnd type="none" w="med" len="med"/>
-                      <a:tailEnd type="none" w="med" len="med"/>
-                    </a:lnL>
-                    <a:lnR w="19050" cap="flat" cmpd="sng" algn="ctr">
-                      <a:solidFill>
-                        <a:schemeClr val="bg1"/>
-                      </a:solidFill>
-                      <a:prstDash val="solid"/>
-                      <a:round/>
-                      <a:headEnd type="none" w="med" len="med"/>
-                      <a:tailEnd type="none" w="med" len="med"/>
-                    </a:lnR>
-                    <a:lnT w="19050" cap="flat" cmpd="sng" algn="ctr">
-                      <a:solidFill>
-                        <a:schemeClr val="bg1"/>
-                      </a:solidFill>
-                      <a:prstDash val="solid"/>
-                      <a:round/>
-                      <a:headEnd type="none" w="med" len="med"/>
-                      <a:tailEnd type="none" w="med" len="med"/>
-                    </a:lnT>
-                    <a:lnB w="19050" cap="flat" cmpd="sng" algn="ctr">
-                      <a:solidFill>
-                        <a:schemeClr val="bg1"/>
-                      </a:solidFill>
-                      <a:prstDash val="solid"/>
-                      <a:round/>
-                      <a:headEnd type="none" w="med" len="med"/>
-                      <a:tailEnd type="none" w="med" len="med"/>
-                    </a:lnB>
-                    <a:solidFill>
-                      <a:schemeClr val="tx2">
-                        <a:lumMod val="20000"/>
-                        <a:lumOff val="80000"/>
-                      </a:schemeClr>
-                    </a:solidFill>
-                  </a:tcPr>
-                </a:tc>
-                <a:tc>
-                  <a:txBody>
-                    <a:bodyPr/>
-                    <a:lstStyle/>
-                    <a:p>
-                      <a:pPr marL="0" algn="r" defTabSz="914400" rtl="0" eaLnBrk="1" latinLnBrk="0" hangingPunct="1"/>
-                      <a:endParaRPr lang="en-US" sz="1400" kern="1200" dirty="0">
-                        <a:solidFill>
-                          <a:schemeClr val="accent4"/>
-                        </a:solidFill>
-                        <a:latin typeface="Arial Narrow" pitchFamily="34" charset="0"/>
-                        <a:ea typeface="+mn-ea"/>
-                        <a:cs typeface="+mn-cs"/>
-                      </a:endParaRPr>
-                    </a:p>
-                  </a:txBody>
-                  <a:tcPr marL="101672" marR="101672" marT="50836" marB="50836">
-                    <a:lnL w="19050" cap="flat" cmpd="sng" algn="ctr">
-                      <a:solidFill>
-                        <a:schemeClr val="bg1"/>
-                      </a:solidFill>
-                      <a:prstDash val="solid"/>
-                      <a:round/>
-                      <a:headEnd type="none" w="med" len="med"/>
-                      <a:tailEnd type="none" w="med" len="med"/>
-                    </a:lnL>
-                    <a:lnR w="19050" cap="flat" cmpd="sng" algn="ctr">
-                      <a:solidFill>
-                        <a:schemeClr val="bg1"/>
-                      </a:solidFill>
-                      <a:prstDash val="solid"/>
-                      <a:round/>
-                      <a:headEnd type="none" w="med" len="med"/>
-                      <a:tailEnd type="none" w="med" len="med"/>
-                    </a:lnR>
-                    <a:lnT w="19050" cap="flat" cmpd="sng" algn="ctr">
-                      <a:solidFill>
-                        <a:schemeClr val="bg1"/>
-                      </a:solidFill>
-                      <a:prstDash val="solid"/>
-                      <a:round/>
-                      <a:headEnd type="none" w="med" len="med"/>
-                      <a:tailEnd type="none" w="med" len="med"/>
-                    </a:lnT>
-                    <a:lnB w="19050" cap="flat" cmpd="sng" algn="ctr">
-                      <a:solidFill>
-                        <a:schemeClr val="bg1"/>
-                      </a:solidFill>
-                      <a:prstDash val="solid"/>
-                      <a:round/>
-                      <a:headEnd type="none" w="med" len="med"/>
-                      <a:tailEnd type="none" w="med" len="med"/>
-                    </a:lnB>
-                    <a:solidFill>
-                      <a:schemeClr val="tx2">
-                        <a:lumMod val="20000"/>
-                        <a:lumOff val="80000"/>
-                      </a:schemeClr>
-                    </a:solidFill>
-                  </a:tcPr>
-                </a:tc>
-                <a:tc>
-                  <a:txBody>
-                    <a:bodyPr/>
-                    <a:lstStyle/>
-                    <a:p>
-                      <a:pPr marL="0" algn="r" defTabSz="914400" rtl="0" eaLnBrk="1" latinLnBrk="0" hangingPunct="1"/>
-                      <a:endParaRPr lang="en-US" sz="1400" kern="1200" dirty="0">
-                        <a:solidFill>
-                          <a:schemeClr val="accent4"/>
-                        </a:solidFill>
-                        <a:latin typeface="Arial Narrow" pitchFamily="34" charset="0"/>
-                        <a:ea typeface="+mn-ea"/>
-                        <a:cs typeface="+mn-cs"/>
-                      </a:endParaRPr>
-                    </a:p>
-                  </a:txBody>
-                  <a:tcPr marL="101672" marR="101672" marT="50836" marB="50836">
-                    <a:lnL w="19050" cap="flat" cmpd="sng" algn="ctr">
-                      <a:solidFill>
-                        <a:schemeClr val="bg1"/>
-                      </a:solidFill>
-                      <a:prstDash val="solid"/>
-                      <a:round/>
-                      <a:headEnd type="none" w="med" len="med"/>
-                      <a:tailEnd type="none" w="med" len="med"/>
-                    </a:lnL>
-                    <a:lnR w="19050" cap="flat" cmpd="sng" algn="ctr">
-                      <a:solidFill>
-                        <a:schemeClr val="bg1"/>
-                      </a:solidFill>
-                      <a:prstDash val="solid"/>
-                      <a:round/>
-                      <a:headEnd type="none" w="med" len="med"/>
-                      <a:tailEnd type="none" w="med" len="med"/>
-                    </a:lnR>
-                    <a:lnT w="19050" cap="flat" cmpd="sng" algn="ctr">
-                      <a:solidFill>
-                        <a:schemeClr val="bg1"/>
-                      </a:solidFill>
-                      <a:prstDash val="solid"/>
-                      <a:round/>
-                      <a:headEnd type="none" w="med" len="med"/>
-                      <a:tailEnd type="none" w="med" len="med"/>
-                    </a:lnT>
-                    <a:lnB w="19050" cap="flat" cmpd="sng" algn="ctr">
-                      <a:solidFill>
-                        <a:schemeClr val="bg1"/>
-                      </a:solidFill>
-                      <a:prstDash val="solid"/>
-                      <a:round/>
-                      <a:headEnd type="none" w="med" len="med"/>
-                      <a:tailEnd type="none" w="med" len="med"/>
-                    </a:lnB>
-                    <a:solidFill>
-                      <a:schemeClr val="accent5">
-                        <a:lumMod val="20000"/>
-                        <a:lumOff val="80000"/>
-                      </a:schemeClr>
-                    </a:solidFill>
-                  </a:tcPr>
-                </a:tc>
-                <a:tc>
-                  <a:txBody>
-                    <a:bodyPr/>
-                    <a:lstStyle/>
-                    <a:p>
-                      <a:pPr marL="0" algn="r" defTabSz="914400" rtl="0" eaLnBrk="1" latinLnBrk="0" hangingPunct="1"/>
-                      <a:endParaRPr lang="en-US" sz="1400" kern="1200" dirty="0">
-                        <a:solidFill>
-                          <a:schemeClr val="accent4"/>
-                        </a:solidFill>
-                        <a:latin typeface="Arial Narrow" pitchFamily="34" charset="0"/>
-                        <a:ea typeface="+mn-ea"/>
-                        <a:cs typeface="+mn-cs"/>
-                      </a:endParaRPr>
-                    </a:p>
-                  </a:txBody>
-                  <a:tcPr marL="101672" marR="101672" marT="50836" marB="50836">
-                    <a:lnL w="19050" cap="flat" cmpd="sng" algn="ctr">
-                      <a:solidFill>
-                        <a:schemeClr val="bg1"/>
-                      </a:solidFill>
-                      <a:prstDash val="solid"/>
-                      <a:round/>
-                      <a:headEnd type="none" w="med" len="med"/>
-                      <a:tailEnd type="none" w="med" len="med"/>
-                    </a:lnL>
-                    <a:lnR w="19050" cap="flat" cmpd="sng" algn="ctr">
-                      <a:solidFill>
-                        <a:schemeClr val="bg1"/>
-                      </a:solidFill>
-                      <a:prstDash val="solid"/>
-                      <a:round/>
-                      <a:headEnd type="none" w="med" len="med"/>
-                      <a:tailEnd type="none" w="med" len="med"/>
-                    </a:lnR>
-                    <a:lnT w="19050" cap="flat" cmpd="sng" algn="ctr">
-                      <a:solidFill>
-                        <a:schemeClr val="bg1"/>
-                      </a:solidFill>
-                      <a:prstDash val="solid"/>
-                      <a:round/>
-                      <a:headEnd type="none" w="med" len="med"/>
-                      <a:tailEnd type="none" w="med" len="med"/>
-                    </a:lnT>
-                    <a:lnB w="19050" cap="flat" cmpd="sng" algn="ctr">
-                      <a:solidFill>
-                        <a:schemeClr val="bg1"/>
-                      </a:solidFill>
-                      <a:prstDash val="solid"/>
-                      <a:round/>
-                      <a:headEnd type="none" w="med" len="med"/>
-                      <a:tailEnd type="none" w="med" len="med"/>
-                    </a:lnB>
-                    <a:solidFill>
-                      <a:schemeClr val="accent5">
-                        <a:lumMod val="20000"/>
-                        <a:lumOff val="80000"/>
-                      </a:schemeClr>
-                    </a:solidFill>
-                  </a:tcPr>
-                </a:tc>
-                <a:tc>
-                  <a:txBody>
-                    <a:bodyPr/>
-                    <a:lstStyle/>
-                    <a:p>
-                      <a:pPr marL="0" algn="r" defTabSz="914400" rtl="0" eaLnBrk="1" latinLnBrk="0" hangingPunct="1"/>
-                      <a:endParaRPr lang="en-US" sz="1400" kern="1200" dirty="0">
-                        <a:solidFill>
-                          <a:schemeClr val="accent4"/>
-                        </a:solidFill>
-                        <a:latin typeface="Arial Narrow" pitchFamily="34" charset="0"/>
-                        <a:ea typeface="+mn-ea"/>
-                        <a:cs typeface="+mn-cs"/>
-                      </a:endParaRPr>
-                    </a:p>
-                  </a:txBody>
-                  <a:tcPr marL="101672" marR="101672" marT="50836" marB="50836">
-                    <a:lnL w="19050" cap="flat" cmpd="sng" algn="ctr">
-                      <a:solidFill>
-                        <a:schemeClr val="bg1"/>
-                      </a:solidFill>
-                      <a:prstDash val="solid"/>
-                      <a:round/>
-                      <a:headEnd type="none" w="med" len="med"/>
-                      <a:tailEnd type="none" w="med" len="med"/>
-                    </a:lnL>
-                    <a:lnR w="19050" cap="flat" cmpd="sng" algn="ctr">
-                      <a:solidFill>
-                        <a:schemeClr val="bg1"/>
-                      </a:solidFill>
-                      <a:prstDash val="solid"/>
-                      <a:round/>
-                      <a:headEnd type="none" w="med" len="med"/>
-                      <a:tailEnd type="none" w="med" len="med"/>
-                    </a:lnR>
-                    <a:lnT w="19050" cap="flat" cmpd="sng" algn="ctr">
-                      <a:solidFill>
-                        <a:schemeClr val="bg1"/>
-                      </a:solidFill>
-                      <a:prstDash val="solid"/>
-                      <a:round/>
-                      <a:headEnd type="none" w="med" len="med"/>
-                      <a:tailEnd type="none" w="med" len="med"/>
-                    </a:lnT>
-                    <a:lnB w="19050" cap="flat" cmpd="sng" algn="ctr">
-                      <a:solidFill>
-                        <a:schemeClr val="bg1"/>
-                      </a:solidFill>
-                      <a:prstDash val="solid"/>
-                      <a:round/>
-                      <a:headEnd type="none" w="med" len="med"/>
-                      <a:tailEnd type="none" w="med" len="med"/>
-                    </a:lnB>
-                    <a:solidFill>
-                      <a:schemeClr val="accent5">
-                        <a:lumMod val="20000"/>
-                        <a:lumOff val="80000"/>
-                      </a:schemeClr>
-                    </a:solidFill>
-                  </a:tcPr>
-                </a:tc>
-                <a:tc>
-                  <a:txBody>
-                    <a:bodyPr/>
-                    <a:lstStyle/>
-                    <a:p>
-                      <a:pPr marL="0" algn="r" defTabSz="914400" rtl="0" eaLnBrk="1" latinLnBrk="0" hangingPunct="1"/>
-                      <a:endParaRPr lang="en-US" sz="1400" kern="1200" dirty="0">
-                        <a:solidFill>
-                          <a:schemeClr val="accent4"/>
-                        </a:solidFill>
-                        <a:latin typeface="Arial Narrow" pitchFamily="34" charset="0"/>
-                        <a:ea typeface="+mn-ea"/>
-                        <a:cs typeface="+mn-cs"/>
-                      </a:endParaRPr>
-                    </a:p>
-                  </a:txBody>
-                  <a:tcPr marL="101672" marR="101672" marT="50836" marB="50836">
-                    <a:lnL w="19050" cap="flat" cmpd="sng" algn="ctr">
-                      <a:solidFill>
-                        <a:schemeClr val="bg1"/>
-                      </a:solidFill>
-                      <a:prstDash val="solid"/>
-                      <a:round/>
-                      <a:headEnd type="none" w="med" len="med"/>
-                      <a:tailEnd type="none" w="med" len="med"/>
-                    </a:lnL>
-                    <a:lnR w="19050" cap="flat" cmpd="sng" algn="ctr">
-                      <a:solidFill>
-                        <a:schemeClr val="bg1"/>
-                      </a:solidFill>
-                      <a:prstDash val="solid"/>
-                      <a:round/>
-                      <a:headEnd type="none" w="med" len="med"/>
-                      <a:tailEnd type="none" w="med" len="med"/>
-                    </a:lnR>
-                    <a:lnT w="19050" cap="flat" cmpd="sng" algn="ctr">
-                      <a:solidFill>
-                        <a:schemeClr val="bg1"/>
-                      </a:solidFill>
-                      <a:prstDash val="solid"/>
-                      <a:round/>
-                      <a:headEnd type="none" w="med" len="med"/>
-                      <a:tailEnd type="none" w="med" len="med"/>
-                    </a:lnT>
-                    <a:lnB w="19050" cap="flat" cmpd="sng" algn="ctr">
-                      <a:solidFill>
-                        <a:schemeClr val="bg1"/>
-                      </a:solidFill>
-                      <a:prstDash val="solid"/>
-                      <a:round/>
-                      <a:headEnd type="none" w="med" len="med"/>
-                      <a:tailEnd type="none" w="med" len="med"/>
-                    </a:lnB>
-                    <a:solidFill>
-                      <a:schemeClr val="accent5">
-                        <a:lumMod val="20000"/>
-                        <a:lumOff val="80000"/>
-                      </a:schemeClr>
-                    </a:solidFill>
-                  </a:tcPr>
-                </a:tc>
-                <a:extLst>
-                  <a:ext uri="{0D108BD9-81ED-4DB2-BD59-A6C34878D82A}">
-                    <a16:rowId xmlns:a16="http://schemas.microsoft.com/office/drawing/2014/main" val="10006"/>
-                  </a:ext>
-                </a:extLst>
-              </a:tr>
-              <a:tr h="345512">
-                <a:tc>
-                  <a:txBody>
-                    <a:bodyPr/>
-                    <a:lstStyle/>
-                    <a:p>
-                      <a:pPr marL="117475" marR="0" indent="0" algn="l" defTabSz="914400" rtl="0" eaLnBrk="1" fontAlgn="auto" latinLnBrk="0" hangingPunct="1">
-                        <a:lnSpc>
-                          <a:spcPct val="100000"/>
-                        </a:lnSpc>
-                        <a:spcBef>
-                          <a:spcPts val="0"/>
-                        </a:spcBef>
-                        <a:spcAft>
-                          <a:spcPts val="0"/>
-                        </a:spcAft>
-                        <a:buClrTx/>
-                        <a:buSzTx/>
-                        <a:buFontTx/>
-                        <a:buNone/>
-                        <a:tabLst/>
-                        <a:defRPr/>
-                      </a:pPr>
-                      <a:r>
                         <a:rPr lang="en-US" sz="1050" b="0" dirty="0">
                           <a:solidFill>
                             <a:schemeClr val="tx1"/>
@@ -19548,7 +18103,7 @@
                     <a:bodyPr/>
                     <a:lstStyle/>
                     <a:p>
-                      <a:endParaRPr lang="en-US" sz="1600">
+                      <a:endParaRPr lang="en-US" sz="1600" dirty="0">
                         <a:latin typeface="Arial Narrow" pitchFamily="34" charset="0"/>
                       </a:endParaRPr>
                     </a:p>
@@ -23762,122 +22317,6 @@
       </p:sp>
       <p:sp>
         <p:nvSpPr>
-          <p:cNvPr id="17" name="Rounded Rectangle 48">
-            <a:extLst>
-              <a:ext uri="{FF2B5EF4-FFF2-40B4-BE49-F238E27FC236}">
-                <a16:creationId xmlns:a16="http://schemas.microsoft.com/office/drawing/2014/main" id="{FE318BB1-4CF2-5896-54D3-C446C9C929CA}"/>
-              </a:ext>
-            </a:extLst>
-          </p:cNvPr>
-          <p:cNvSpPr/>
-          <p:nvPr/>
-        </p:nvSpPr>
-        <p:spPr>
-          <a:xfrm>
-            <a:off x="5591944" y="2674775"/>
-            <a:ext cx="581973" cy="190842"/>
-          </a:xfrm>
-          <a:prstGeom prst="roundRect">
-            <a:avLst>
-              <a:gd name="adj" fmla="val 48717"/>
-            </a:avLst>
-          </a:prstGeom>
-          <a:solidFill>
-            <a:schemeClr val="accent2">
-              <a:lumMod val="60000"/>
-              <a:lumOff val="40000"/>
-            </a:schemeClr>
-          </a:solidFill>
-          <a:ln>
-            <a:solidFill>
-              <a:schemeClr val="tx1"/>
-            </a:solidFill>
-          </a:ln>
-        </p:spPr>
-        <p:style>
-          <a:lnRef idx="0">
-            <a:scrgbClr r="0" g="0" b="0"/>
-          </a:lnRef>
-          <a:fillRef idx="0">
-            <a:scrgbClr r="0" g="0" b="0"/>
-          </a:fillRef>
-          <a:effectRef idx="0">
-            <a:scrgbClr r="0" g="0" b="0"/>
-          </a:effectRef>
-          <a:fontRef idx="minor">
-            <a:schemeClr val="lt1"/>
-          </a:fontRef>
-        </p:style>
-        <p:txBody>
-          <a:bodyPr lIns="18288" tIns="18288" rIns="18288" bIns="18288" anchor="ctr" anchorCtr="1"/>
-          <a:lstStyle/>
-          <a:p>
-            <a:pPr algn="ctr">
-              <a:lnSpc>
-                <a:spcPct val="85000"/>
-              </a:lnSpc>
-              <a:spcBef>
-                <a:spcPct val="20000"/>
-              </a:spcBef>
-            </a:pPr>
-            <a:endParaRPr lang="en-US" sz="1600" b="1" dirty="0">
-              <a:latin typeface="Tahoma" panose="020B0604030504040204" pitchFamily="34" charset="0"/>
-              <a:ea typeface="Tahoma" panose="020B0604030504040204" pitchFamily="34" charset="0"/>
-              <a:cs typeface="Tahoma" panose="020B0604030504040204" pitchFamily="34" charset="0"/>
-            </a:endParaRPr>
-          </a:p>
-        </p:txBody>
-      </p:sp>
-      <p:sp>
-        <p:nvSpPr>
-          <p:cNvPr id="19" name="OTLSHAPE_SLT_5b87359c2c954ae4906972a3b70de9e6_JoinedDate">
-            <a:extLst>
-              <a:ext uri="{FF2B5EF4-FFF2-40B4-BE49-F238E27FC236}">
-                <a16:creationId xmlns:a16="http://schemas.microsoft.com/office/drawing/2014/main" id="{72744D9B-BDE6-FC6F-EEA6-190A8439332A}"/>
-              </a:ext>
-            </a:extLst>
-          </p:cNvPr>
-          <p:cNvSpPr txBox="1"/>
-          <p:nvPr>
-            <p:custDataLst>
-              <p:tags r:id="rId4"/>
-            </p:custDataLst>
-          </p:nvPr>
-        </p:nvSpPr>
-        <p:spPr>
-          <a:xfrm>
-            <a:off x="6246603" y="2704674"/>
-            <a:ext cx="1282981" cy="161583"/>
-          </a:xfrm>
-          <a:prstGeom prst="rect">
-            <a:avLst/>
-          </a:prstGeom>
-          <a:noFill/>
-        </p:spPr>
-        <p:txBody>
-          <a:bodyPr vert="horz" wrap="square" lIns="0" tIns="0" rIns="0" bIns="0" rtlCol="0" anchor="ctr" anchorCtr="0">
-            <a:spAutoFit/>
-          </a:bodyPr>
-          <a:lstStyle/>
-          <a:p>
-            <a:pPr algn="r"/>
-            <a:r>
-              <a:rPr lang="en-US" altLang="zh-CN" sz="1050" spc="-6" dirty="0">
-                <a:latin typeface="Tahoma" panose="020B0604030504040204" pitchFamily="34" charset="0"/>
-                <a:ea typeface="Tahoma" panose="020B0604030504040204" pitchFamily="34" charset="0"/>
-                <a:cs typeface="Tahoma" panose="020B0604030504040204" pitchFamily="34" charset="0"/>
-              </a:rPr>
-              <a:t>Mar 11 – Mar 15</a:t>
-            </a:r>
-            <a:endParaRPr lang="zh-CN" altLang="en-US" sz="1050" spc="-6" dirty="0">
-              <a:latin typeface="Tahoma" panose="020B0604030504040204" pitchFamily="34" charset="0"/>
-              <a:cs typeface="Tahoma" panose="020B0604030504040204" pitchFamily="34" charset="0"/>
-            </a:endParaRPr>
-          </a:p>
-        </p:txBody>
-      </p:sp>
-      <p:sp>
-        <p:nvSpPr>
           <p:cNvPr id="20" name="Rounded Rectangle 48">
             <a:extLst>
               <a:ext uri="{FF2B5EF4-FFF2-40B4-BE49-F238E27FC236}">
@@ -23956,7 +22395,7 @@
           <p:cNvSpPr txBox="1"/>
           <p:nvPr>
             <p:custDataLst>
-              <p:tags r:id="rId5"/>
+              <p:tags r:id="rId4"/>
             </p:custDataLst>
           </p:nvPr>
         </p:nvSpPr>
@@ -24006,7 +22445,7 @@
         </p:nvSpPr>
         <p:spPr>
           <a:xfrm>
-            <a:off x="5332208" y="1977348"/>
+            <a:off x="4884372" y="1977348"/>
             <a:ext cx="1872208" cy="190842"/>
           </a:xfrm>
           <a:prstGeom prst="roundRect">
@@ -24072,13 +22511,13 @@
           <p:cNvSpPr txBox="1"/>
           <p:nvPr>
             <p:custDataLst>
-              <p:tags r:id="rId6"/>
+              <p:tags r:id="rId5"/>
             </p:custDataLst>
           </p:nvPr>
         </p:nvSpPr>
         <p:spPr>
           <a:xfrm>
-            <a:off x="7307629" y="1991977"/>
+            <a:off x="6997938" y="1991977"/>
             <a:ext cx="994949" cy="161583"/>
           </a:xfrm>
           <a:prstGeom prst="rect">
@@ -24099,7 +22538,7 @@
                 <a:ea typeface="Tahoma" panose="020B0604030504040204" pitchFamily="34" charset="0"/>
                 <a:cs typeface="Tahoma" panose="020B0604030504040204" pitchFamily="34" charset="0"/>
               </a:rPr>
-              <a:t>Mar 6 – Mar 31</a:t>
+              <a:t>Mar 1 – Mar 23</a:t>
             </a:r>
             <a:endParaRPr lang="zh-CN" altLang="en-US" sz="1050" spc="-6" dirty="0">
               <a:latin typeface="Tahoma" panose="020B0604030504040204" pitchFamily="34" charset="0"/>
@@ -24190,7 +22629,7 @@
         </p:nvGrpSpPr>
         <p:grpSpPr>
           <a:xfrm>
-            <a:off x="7346494" y="4252515"/>
+            <a:off x="7291815" y="3864203"/>
             <a:ext cx="2734201" cy="197149"/>
             <a:chOff x="7317974" y="3834622"/>
             <a:chExt cx="2734201" cy="197149"/>
@@ -24276,7 +22715,7 @@
             <p:cNvSpPr txBox="1"/>
             <p:nvPr>
               <p:custDataLst>
-                <p:tags r:id="rId13"/>
+                <p:tags r:id="rId12"/>
               </p:custDataLst>
             </p:nvPr>
           </p:nvSpPr>
@@ -24327,7 +22766,7 @@
         </p:nvGrpSpPr>
         <p:grpSpPr>
           <a:xfrm>
-            <a:off x="8735227" y="4618401"/>
+            <a:off x="8680548" y="4230089"/>
             <a:ext cx="1787037" cy="190842"/>
             <a:chOff x="8706707" y="4200508"/>
             <a:chExt cx="1787037" cy="190842"/>
@@ -24413,7 +22852,7 @@
             <p:cNvSpPr txBox="1"/>
             <p:nvPr>
               <p:custDataLst>
-                <p:tags r:id="rId12"/>
+                <p:tags r:id="rId11"/>
               </p:custDataLst>
             </p:nvPr>
           </p:nvSpPr>
@@ -24464,7 +22903,7 @@
         </p:nvGrpSpPr>
         <p:grpSpPr>
           <a:xfrm>
-            <a:off x="9039466" y="4977500"/>
+            <a:off x="8984787" y="4589188"/>
             <a:ext cx="2048107" cy="191322"/>
             <a:chOff x="9010946" y="4559607"/>
             <a:chExt cx="2048107" cy="191322"/>
@@ -24550,7 +22989,7 @@
             <p:cNvSpPr txBox="1"/>
             <p:nvPr>
               <p:custDataLst>
-                <p:tags r:id="rId11"/>
+                <p:tags r:id="rId10"/>
               </p:custDataLst>
             </p:nvPr>
           </p:nvSpPr>
@@ -24657,7 +23096,7 @@
         </p:nvGrpSpPr>
         <p:grpSpPr>
           <a:xfrm>
-            <a:off x="7232936" y="3871000"/>
+            <a:off x="7178257" y="3482688"/>
             <a:ext cx="2156606" cy="197256"/>
             <a:chOff x="7204416" y="3453107"/>
             <a:chExt cx="2156606" cy="197256"/>
@@ -24731,7 +23170,7 @@
             <p:cNvSpPr txBox="1"/>
             <p:nvPr>
               <p:custDataLst>
-                <p:tags r:id="rId10"/>
+                <p:tags r:id="rId9"/>
               </p:custDataLst>
             </p:nvPr>
           </p:nvSpPr>
@@ -24850,7 +23289,7 @@
         </p:nvSpPr>
         <p:spPr>
           <a:xfrm>
-            <a:off x="6672064" y="3068960"/>
+            <a:off x="6617385" y="2680648"/>
             <a:ext cx="516505" cy="190842"/>
           </a:xfrm>
           <a:prstGeom prst="roundRect">
@@ -24916,13 +23355,13 @@
           <p:cNvSpPr txBox="1"/>
           <p:nvPr>
             <p:custDataLst>
-              <p:tags r:id="rId7"/>
+              <p:tags r:id="rId6"/>
             </p:custDataLst>
           </p:nvPr>
         </p:nvSpPr>
         <p:spPr>
           <a:xfrm>
-            <a:off x="7188569" y="3068960"/>
+            <a:off x="7133890" y="2680648"/>
             <a:ext cx="1282981" cy="161583"/>
           </a:xfrm>
           <a:prstGeom prst="rect">
@@ -24966,7 +23405,7 @@
         </p:nvGrpSpPr>
         <p:grpSpPr>
           <a:xfrm>
-            <a:off x="9599322" y="5393500"/>
+            <a:off x="9544643" y="5005188"/>
             <a:ext cx="1676764" cy="190842"/>
             <a:chOff x="9570802" y="4975607"/>
             <a:chExt cx="1676764" cy="190842"/>
@@ -25052,7 +23491,7 @@
             <p:cNvSpPr txBox="1"/>
             <p:nvPr>
               <p:custDataLst>
-                <p:tags r:id="rId9"/>
+                <p:tags r:id="rId8"/>
               </p:custDataLst>
             </p:nvPr>
           </p:nvSpPr>
@@ -25103,7 +23542,7 @@
         </p:nvSpPr>
         <p:spPr>
           <a:xfrm>
-            <a:off x="6974683" y="3480388"/>
+            <a:off x="7075289" y="3094142"/>
             <a:ext cx="258253" cy="190842"/>
           </a:xfrm>
           <a:prstGeom prst="roundRect">
@@ -25169,13 +23608,13 @@
           <p:cNvSpPr txBox="1"/>
           <p:nvPr>
             <p:custDataLst>
-              <p:tags r:id="rId8"/>
+              <p:tags r:id="rId7"/>
             </p:custDataLst>
           </p:nvPr>
         </p:nvSpPr>
         <p:spPr>
           <a:xfrm>
-            <a:off x="7410819" y="3495017"/>
+            <a:off x="7356140" y="3106705"/>
             <a:ext cx="1282981" cy="161583"/>
           </a:xfrm>
           <a:prstGeom prst="rect">
@@ -26039,12 +24478,6 @@
 </file>
 
 <file path=ppt/tags/tag12.xml><?xml version="1.0" encoding="utf-8"?>
-<p:tagLst xmlns:a="http://schemas.openxmlformats.org/drawingml/2006/main" xmlns:r="http://schemas.openxmlformats.org/officeDocument/2006/relationships" xmlns:p="http://schemas.openxmlformats.org/presentationml/2006/main">
-  <p:tag name="OTLMARKERSHAPE" val="OTL"/>
-</p:tagLst>
-</file>
-
-<file path=ppt/tags/tag13.xml><?xml version="1.0" encoding="utf-8"?>
 <p:tagLst xmlns:a="http://schemas.openxmlformats.org/drawingml/2006/main" xmlns:r="http://schemas.openxmlformats.org/officeDocument/2006/relationships" xmlns:p="http://schemas.openxmlformats.org/presentationml/2006/main">
   <p:tag name="OTLMARKERSHAPE" val="OTL"/>
 </p:tagLst>
